--- a/ngsgu/cancergenomics/1710/slides/cancer_genomics.pptx
+++ b/ngsgu/cancergenomics/1710/slides/cancer_genomics.pptx
@@ -5,7 +5,7 @@
     <p:sldMasterId id="2147483841" r:id="rId1"/>
   </p:sldMasterIdLst>
   <p:notesMasterIdLst>
-    <p:notesMasterId r:id="rId42"/>
+    <p:notesMasterId r:id="rId43"/>
   </p:notesMasterIdLst>
   <p:sldIdLst>
     <p:sldId id="256" r:id="rId2"/>
@@ -44,10 +44,11 @@
     <p:sldId id="315" r:id="rId35"/>
     <p:sldId id="316" r:id="rId36"/>
     <p:sldId id="309" r:id="rId37"/>
-    <p:sldId id="310" r:id="rId38"/>
-    <p:sldId id="320" r:id="rId39"/>
-    <p:sldId id="311" r:id="rId40"/>
-    <p:sldId id="312" r:id="rId41"/>
+    <p:sldId id="324" r:id="rId38"/>
+    <p:sldId id="310" r:id="rId39"/>
+    <p:sldId id="320" r:id="rId40"/>
+    <p:sldId id="311" r:id="rId41"/>
+    <p:sldId id="312" r:id="rId42"/>
   </p:sldIdLst>
   <p:sldSz cx="9144000" cy="6858000" type="screen4x3"/>
   <p:notesSz cx="7010400" cy="9296400"/>
@@ -231,7 +232,7 @@
           <a:p>
             <a:fld id="{4DBCBD28-F41A-4E4D-A023-F37FB5E11D60}" type="datetimeFigureOut">
               <a:rPr lang="en-US" smtClean="0"/>
-              <a:t>25/10/16</a:t>
+              <a:t>09/10/17</a:t>
             </a:fld>
             <a:endParaRPr lang="en-US"/>
           </a:p>
@@ -1988,7 +1989,7 @@
             <a:fld id="{6AD8D91A-A2EE-4B54-B3C6-F6C67903BA9C}" type="datetime1">
               <a:rPr lang="en-US" smtClean="0"/>
               <a:pPr/>
-              <a:t>25/10/16</a:t>
+              <a:t>09/10/17</a:t>
             </a:fld>
             <a:endParaRPr lang="en-US" dirty="0"/>
           </a:p>
@@ -2160,7 +2161,7 @@
             <a:fld id="{B19785C6-EBAF-49D5-AD4D-BABF4DFAAD59}" type="datetime1">
               <a:rPr lang="en-US" smtClean="0"/>
               <a:pPr/>
-              <a:t>25/10/16</a:t>
+              <a:t>09/10/17</a:t>
             </a:fld>
             <a:endParaRPr lang="en-US"/>
           </a:p>
@@ -2342,7 +2343,7 @@
             <a:fld id="{6A404122-9A3A-4FD8-98B8-22631F32846C}" type="datetime1">
               <a:rPr lang="en-US" smtClean="0"/>
               <a:pPr/>
-              <a:t>25/10/16</a:t>
+              <a:t>09/10/17</a:t>
             </a:fld>
             <a:endParaRPr lang="en-US" dirty="0"/>
           </a:p>
@@ -2514,7 +2515,7 @@
             <a:fld id="{C259A7B8-0EC4-44C9-AFEF-25E144F11C06}" type="datetime1">
               <a:rPr lang="en-US" smtClean="0"/>
               <a:pPr/>
-              <a:t>25/10/16</a:t>
+              <a:t>09/10/17</a:t>
             </a:fld>
             <a:endParaRPr lang="en-US"/>
           </a:p>
@@ -2762,7 +2763,7 @@
             <a:fld id="{82BB47B5-C739-4DAE-AACD-CC58CA843AC4}" type="datetime1">
               <a:rPr lang="en-US" smtClean="0"/>
               <a:pPr/>
-              <a:t>25/10/16</a:t>
+              <a:t>09/10/17</a:t>
             </a:fld>
             <a:endParaRPr lang="en-US" dirty="0"/>
           </a:p>
@@ -3052,7 +3053,7 @@
             <a:fld id="{3E72AE48-94E6-46E0-BE32-5F0716DE9115}" type="datetime1">
               <a:rPr lang="en-US" smtClean="0"/>
               <a:pPr/>
-              <a:t>25/10/16</a:t>
+              <a:t>09/10/17</a:t>
             </a:fld>
             <a:endParaRPr lang="en-US"/>
           </a:p>
@@ -3476,7 +3477,7 @@
             <a:fld id="{0884C285-8BCE-48FC-97D9-E2837AF38351}" type="datetime1">
               <a:rPr lang="en-US" smtClean="0"/>
               <a:pPr/>
-              <a:t>25/10/16</a:t>
+              <a:t>09/10/17</a:t>
             </a:fld>
             <a:endParaRPr lang="en-US"/>
           </a:p>
@@ -3596,7 +3597,7 @@
             <a:fld id="{0E70D3E6-EF16-4488-94A4-211508FE4682}" type="datetime1">
               <a:rPr lang="en-US" smtClean="0"/>
               <a:pPr/>
-              <a:t>25/10/16</a:t>
+              <a:t>09/10/17</a:t>
             </a:fld>
             <a:endParaRPr lang="en-US"/>
           </a:p>
@@ -3693,7 +3694,7 @@
             <a:fld id="{7077FB3B-20DA-4D0E-BF16-8262B7156612}" type="datetime1">
               <a:rPr lang="en-US" smtClean="0"/>
               <a:pPr/>
-              <a:t>25/10/16</a:t>
+              <a:t>09/10/17</a:t>
             </a:fld>
             <a:endParaRPr lang="en-US"/>
           </a:p>
@@ -3972,7 +3973,7 @@
             <a:fld id="{8C273C2C-6BD0-40EC-8D8D-4D51F089C5EB}" type="datetime1">
               <a:rPr lang="en-US" smtClean="0"/>
               <a:pPr/>
-              <a:t>25/10/16</a:t>
+              <a:t>09/10/17</a:t>
             </a:fld>
             <a:endParaRPr lang="en-US"/>
           </a:p>
@@ -4227,7 +4228,7 @@
             <a:fld id="{2D377F5C-EDA7-4864-9756-35769B0E62CF}" type="datetime1">
               <a:rPr lang="en-US" smtClean="0"/>
               <a:pPr/>
-              <a:t>25/10/16</a:t>
+              <a:t>09/10/17</a:t>
             </a:fld>
             <a:endParaRPr lang="en-US"/>
           </a:p>
@@ -4442,7 +4443,7 @@
             <a:fld id="{88B99C93-F56F-46AB-9EB8-53614A95B15F}" type="datetime1">
               <a:rPr lang="en-US" smtClean="0"/>
               <a:pPr/>
-              <a:t>25/10/16</a:t>
+              <a:t>09/10/17</a:t>
             </a:fld>
             <a:endParaRPr lang="en-US" dirty="0"/>
           </a:p>
@@ -8206,7 +8207,15 @@
             </a:r>
             <a:r>
               <a:rPr lang="en-US" dirty="0" smtClean="0"/>
-              <a:t>ASCAT, Patchwork, FACETS</a:t>
+              <a:t>Control-FREEC, ASCAT</a:t>
+            </a:r>
+            <a:r>
+              <a:rPr lang="en-US" dirty="0" smtClean="0"/>
+              <a:t>, </a:t>
+            </a:r>
+            <a:r>
+              <a:rPr lang="en-US" dirty="0" smtClean="0"/>
+              <a:t>Patchwork</a:t>
             </a:r>
             <a:endParaRPr lang="en-US" dirty="0"/>
           </a:p>
@@ -8239,7 +8248,7 @@
 </file>
 
 <file path=ppt/slides/slide23.xml><?xml version="1.0" encoding="utf-8"?>
-<p:sld xmlns:a="http://schemas.openxmlformats.org/drawingml/2006/main" xmlns:r="http://schemas.openxmlformats.org/officeDocument/2006/relationships" xmlns:p="http://schemas.openxmlformats.org/presentationml/2006/main">
+<p:sld xmlns:a="http://schemas.openxmlformats.org/drawingml/2006/main" xmlns:r="http://schemas.openxmlformats.org/officeDocument/2006/relationships" xmlns:p="http://schemas.openxmlformats.org/presentationml/2006/main" show="0">
   <p:cSld>
     <p:spTree>
       <p:nvGrpSpPr>
@@ -8374,6 +8383,14 @@
   <p:clrMapOvr>
     <a:masterClrMapping/>
   </p:clrMapOvr>
+  <mc:AlternateContent xmlns:mc="http://schemas.openxmlformats.org/markup-compatibility/2006">
+    <mc:Choice xmlns:p14="http://schemas.microsoft.com/office/powerpoint/2010/main" Requires="p14">
+      <p:transition spd="slow" p14:dur="2000"/>
+    </mc:Choice>
+    <mc:Fallback>
+      <p:transition xmlns:p14="http://schemas.microsoft.com/office/powerpoint/2010/main" spd="slow"/>
+    </mc:Fallback>
+  </mc:AlternateContent>
   <p:timing>
     <p:tnLst>
       <p:par>
@@ -11617,6 +11634,153 @@
             <p:ph type="title"/>
           </p:nvPr>
         </p:nvSpPr>
+        <p:spPr>
+          <a:xfrm>
+            <a:off x="457200" y="160338"/>
+            <a:ext cx="8229600" cy="1143000"/>
+          </a:xfrm>
+        </p:spPr>
+        <p:txBody>
+          <a:bodyPr>
+            <a:normAutofit fontScale="90000"/>
+          </a:bodyPr>
+          <a:lstStyle/>
+          <a:p>
+            <a:r>
+              <a:rPr lang="en-US" dirty="0" err="1" smtClean="0"/>
+              <a:t>SciLifeLab</a:t>
+            </a:r>
+            <a:r>
+              <a:rPr lang="en-US" dirty="0"/>
+              <a:t> </a:t>
+            </a:r>
+            <a:r>
+              <a:rPr lang="en-US" dirty="0" smtClean="0"/>
+              <a:t>Cancer Analysis Workflow</a:t>
+            </a:r>
+            <a:endParaRPr lang="en-US" dirty="0"/>
+          </a:p>
+        </p:txBody>
+      </p:sp>
+      <p:sp>
+        <p:nvSpPr>
+          <p:cNvPr id="3" name="Content Placeholder 2"/>
+          <p:cNvSpPr>
+            <a:spLocks noGrp="1"/>
+          </p:cNvSpPr>
+          <p:nvPr>
+            <p:ph idx="1"/>
+          </p:nvPr>
+        </p:nvSpPr>
+        <p:spPr>
+          <a:xfrm>
+            <a:off x="800100" y="1498600"/>
+            <a:ext cx="7327900" cy="4525963"/>
+          </a:xfrm>
+        </p:spPr>
+        <p:txBody>
+          <a:bodyPr/>
+          <a:lstStyle/>
+          <a:p>
+            <a:r>
+              <a:rPr lang="en-US" dirty="0">
+                <a:hlinkClick r:id="rId2"/>
+              </a:rPr>
+              <a:t>https://github.com/SciLifeLab/</a:t>
+            </a:r>
+            <a:r>
+              <a:rPr lang="en-US" dirty="0" smtClean="0">
+                <a:hlinkClick r:id="rId2"/>
+              </a:rPr>
+              <a:t>CAW</a:t>
+            </a:r>
+            <a:endParaRPr lang="en-US" dirty="0" smtClean="0"/>
+          </a:p>
+          <a:p>
+            <a:endParaRPr lang="en-US" dirty="0"/>
+          </a:p>
+          <a:p>
+            <a:endParaRPr lang="en-US" dirty="0"/>
+          </a:p>
+        </p:txBody>
+      </p:sp>
+      <p:pic>
+        <p:nvPicPr>
+          <p:cNvPr id="4" name="Picture 3" descr="General_schema.png"/>
+          <p:cNvPicPr>
+            <a:picLocks noChangeAspect="1"/>
+          </p:cNvPicPr>
+          <p:nvPr/>
+        </p:nvPicPr>
+        <p:blipFill>
+          <a:blip r:embed="rId3">
+            <a:extLst>
+              <a:ext uri="{28A0092B-C50C-407E-A947-70E740481C1C}">
+                <a14:useLocalDpi xmlns:a14="http://schemas.microsoft.com/office/drawing/2010/main" val="0"/>
+              </a:ext>
+            </a:extLst>
+          </a:blip>
+          <a:stretch>
+            <a:fillRect/>
+          </a:stretch>
+        </p:blipFill>
+        <p:spPr>
+          <a:xfrm>
+            <a:off x="3026083" y="2159001"/>
+            <a:ext cx="2790517" cy="4676002"/>
+          </a:xfrm>
+          <a:prstGeom prst="rect">
+            <a:avLst/>
+          </a:prstGeom>
+        </p:spPr>
+      </p:pic>
+    </p:spTree>
+    <p:extLst>
+      <p:ext uri="{BB962C8B-B14F-4D97-AF65-F5344CB8AC3E}">
+        <p14:creationId xmlns:p14="http://schemas.microsoft.com/office/powerpoint/2010/main" val="2896985213"/>
+      </p:ext>
+    </p:extLst>
+  </p:cSld>
+  <p:clrMapOvr>
+    <a:masterClrMapping/>
+  </p:clrMapOvr>
+  <p:timing>
+    <p:tnLst>
+      <p:par>
+        <p:cTn xmlns:p14="http://schemas.microsoft.com/office/powerpoint/2010/main" id="1" dur="indefinite" restart="never" nodeType="tmRoot"/>
+      </p:par>
+    </p:tnLst>
+  </p:timing>
+</p:sld>
+</file>
+
+<file path=ppt/slides/slide38.xml><?xml version="1.0" encoding="utf-8"?>
+<p:sld xmlns:a="http://schemas.openxmlformats.org/drawingml/2006/main" xmlns:r="http://schemas.openxmlformats.org/officeDocument/2006/relationships" xmlns:p="http://schemas.openxmlformats.org/presentationml/2006/main">
+  <p:cSld>
+    <p:spTree>
+      <p:nvGrpSpPr>
+        <p:cNvPr id="1" name=""/>
+        <p:cNvGrpSpPr/>
+        <p:nvPr/>
+      </p:nvGrpSpPr>
+      <p:grpSpPr>
+        <a:xfrm>
+          <a:off x="0" y="0"/>
+          <a:ext cx="0" cy="0"/>
+          <a:chOff x="0" y="0"/>
+          <a:chExt cx="0" cy="0"/>
+        </a:xfrm>
+      </p:grpSpPr>
+      <p:sp>
+        <p:nvSpPr>
+          <p:cNvPr id="2" name="Title 1"/>
+          <p:cNvSpPr>
+            <a:spLocks noGrp="1"/>
+          </p:cNvSpPr>
+          <p:nvPr>
+            <p:ph type="title"/>
+          </p:nvPr>
+        </p:nvSpPr>
         <p:spPr/>
         <p:txBody>
           <a:bodyPr>
@@ -11778,7 +11942,7 @@
 </p:sld>
 </file>
 
-<file path=ppt/slides/slide38.xml><?xml version="1.0" encoding="utf-8"?>
+<file path=ppt/slides/slide39.xml><?xml version="1.0" encoding="utf-8"?>
 <p:sld xmlns:a="http://schemas.openxmlformats.org/drawingml/2006/main" xmlns:r="http://schemas.openxmlformats.org/officeDocument/2006/relationships" xmlns:p="http://schemas.openxmlformats.org/presentationml/2006/main">
   <p:cSld>
     <p:spTree>
@@ -12125,7 +12289,159 @@
 </p:sld>
 </file>
 
-<file path=ppt/slides/slide39.xml><?xml version="1.0" encoding="utf-8"?>
+<file path=ppt/slides/slide4.xml><?xml version="1.0" encoding="utf-8"?>
+<p:sld xmlns:a="http://schemas.openxmlformats.org/drawingml/2006/main" xmlns:r="http://schemas.openxmlformats.org/officeDocument/2006/relationships" xmlns:p="http://schemas.openxmlformats.org/presentationml/2006/main">
+  <p:cSld>
+    <p:spTree>
+      <p:nvGrpSpPr>
+        <p:cNvPr id="1" name=""/>
+        <p:cNvGrpSpPr/>
+        <p:nvPr/>
+      </p:nvGrpSpPr>
+      <p:grpSpPr>
+        <a:xfrm>
+          <a:off x="0" y="0"/>
+          <a:ext cx="0" cy="0"/>
+          <a:chOff x="0" y="0"/>
+          <a:chExt cx="0" cy="0"/>
+        </a:xfrm>
+      </p:grpSpPr>
+      <p:sp>
+        <p:nvSpPr>
+          <p:cNvPr id="2" name="Title 1"/>
+          <p:cNvSpPr>
+            <a:spLocks noGrp="1"/>
+          </p:cNvSpPr>
+          <p:nvPr>
+            <p:ph type="title"/>
+          </p:nvPr>
+        </p:nvSpPr>
+        <p:spPr/>
+        <p:txBody>
+          <a:bodyPr/>
+          <a:lstStyle/>
+          <a:p>
+            <a:r>
+              <a:rPr lang="en-US" dirty="0" smtClean="0"/>
+              <a:t>Somatic </a:t>
+            </a:r>
+            <a:r>
+              <a:rPr lang="en-US" dirty="0" err="1" smtClean="0"/>
+              <a:t>vs</a:t>
+            </a:r>
+            <a:r>
+              <a:rPr lang="en-US" dirty="0" smtClean="0"/>
+              <a:t> </a:t>
+            </a:r>
+            <a:r>
+              <a:rPr lang="en-US" dirty="0" err="1" smtClean="0"/>
+              <a:t>germline</a:t>
+            </a:r>
+            <a:r>
+              <a:rPr lang="en-US" dirty="0" smtClean="0"/>
+              <a:t> mutations</a:t>
+            </a:r>
+            <a:endParaRPr lang="en-US" dirty="0"/>
+          </a:p>
+        </p:txBody>
+      </p:sp>
+      <p:pic>
+        <p:nvPicPr>
+          <p:cNvPr id="8" name="Picture 7" descr="hosp-misc-ipactr6-1101.gif"/>
+          <p:cNvPicPr>
+            <a:picLocks noChangeAspect="1"/>
+          </p:cNvPicPr>
+          <p:nvPr/>
+        </p:nvPicPr>
+        <p:blipFill>
+          <a:blip r:embed="rId2">
+            <a:extLst>
+              <a:ext uri="{28A0092B-C50C-407E-A947-70E740481C1C}">
+                <a14:useLocalDpi xmlns:a14="http://schemas.microsoft.com/office/drawing/2010/main" val="0"/>
+              </a:ext>
+            </a:extLst>
+          </a:blip>
+          <a:stretch>
+            <a:fillRect/>
+          </a:stretch>
+        </p:blipFill>
+        <p:spPr>
+          <a:xfrm>
+            <a:off x="1714500" y="1793909"/>
+            <a:ext cx="5715000" cy="4318000"/>
+          </a:xfrm>
+          <a:prstGeom prst="rect">
+            <a:avLst/>
+          </a:prstGeom>
+        </p:spPr>
+      </p:pic>
+      <p:sp>
+        <p:nvSpPr>
+          <p:cNvPr id="9" name="Rectangle 8"/>
+          <p:cNvSpPr/>
+          <p:nvPr/>
+        </p:nvSpPr>
+        <p:spPr>
+          <a:xfrm>
+            <a:off x="2572837" y="5955787"/>
+            <a:ext cx="4161693" cy="461665"/>
+          </a:xfrm>
+          <a:prstGeom prst="rect">
+            <a:avLst/>
+          </a:prstGeom>
+          <a:solidFill>
+            <a:schemeClr val="bg1"/>
+          </a:solidFill>
+        </p:spPr>
+        <p:txBody>
+          <a:bodyPr wrap="square">
+            <a:spAutoFit/>
+          </a:bodyPr>
+          <a:lstStyle/>
+          <a:p>
+            <a:endParaRPr lang="en-US" sz="1200" dirty="0" smtClean="0"/>
+          </a:p>
+          <a:p>
+            <a:r>
+              <a:rPr lang="en-US" sz="1200" dirty="0" smtClean="0"/>
+              <a:t>https</a:t>
+            </a:r>
+            <a:r>
+              <a:rPr lang="en-US" sz="1200" dirty="0"/>
+              <a:t>://</a:t>
+            </a:r>
+            <a:r>
+              <a:rPr lang="en-US" sz="1200" dirty="0" err="1"/>
+              <a:t>www.stjude.org</a:t>
+            </a:r>
+            <a:r>
+              <a:rPr lang="en-US" sz="1200" dirty="0"/>
+              <a:t>/Images/hosp-misc-ipactr6-1101.gif</a:t>
+            </a:r>
+          </a:p>
+        </p:txBody>
+      </p:sp>
+    </p:spTree>
+    <p:extLst>
+      <p:ext uri="{BB962C8B-B14F-4D97-AF65-F5344CB8AC3E}">
+        <p14:creationId xmlns:p14="http://schemas.microsoft.com/office/powerpoint/2010/main" val="385104364"/>
+      </p:ext>
+    </p:extLst>
+  </p:cSld>
+  <p:clrMapOvr>
+    <a:masterClrMapping/>
+  </p:clrMapOvr>
+  <p:timing>
+    <p:tnLst>
+      <p:par>
+        <p:cTn xmlns:p14="http://schemas.microsoft.com/office/powerpoint/2010/main" id="1" dur="indefinite" restart="never" nodeType="tmRoot"/>
+      </p:par>
+    </p:tnLst>
+  </p:timing>
+</p:sld>
+</file>
+
+<file path=ppt/slides/slide40.xml><?xml version="1.0" encoding="utf-8"?>
 <p:sld xmlns:a="http://schemas.openxmlformats.org/drawingml/2006/main" xmlns:r="http://schemas.openxmlformats.org/officeDocument/2006/relationships" xmlns:p="http://schemas.openxmlformats.org/presentationml/2006/main">
   <p:cSld>
     <p:spTree>
@@ -19442,159 +19758,7 @@
 </p:sld>
 </file>
 
-<file path=ppt/slides/slide4.xml><?xml version="1.0" encoding="utf-8"?>
-<p:sld xmlns:a="http://schemas.openxmlformats.org/drawingml/2006/main" xmlns:r="http://schemas.openxmlformats.org/officeDocument/2006/relationships" xmlns:p="http://schemas.openxmlformats.org/presentationml/2006/main">
-  <p:cSld>
-    <p:spTree>
-      <p:nvGrpSpPr>
-        <p:cNvPr id="1" name=""/>
-        <p:cNvGrpSpPr/>
-        <p:nvPr/>
-      </p:nvGrpSpPr>
-      <p:grpSpPr>
-        <a:xfrm>
-          <a:off x="0" y="0"/>
-          <a:ext cx="0" cy="0"/>
-          <a:chOff x="0" y="0"/>
-          <a:chExt cx="0" cy="0"/>
-        </a:xfrm>
-      </p:grpSpPr>
-      <p:sp>
-        <p:nvSpPr>
-          <p:cNvPr id="2" name="Title 1"/>
-          <p:cNvSpPr>
-            <a:spLocks noGrp="1"/>
-          </p:cNvSpPr>
-          <p:nvPr>
-            <p:ph type="title"/>
-          </p:nvPr>
-        </p:nvSpPr>
-        <p:spPr/>
-        <p:txBody>
-          <a:bodyPr/>
-          <a:lstStyle/>
-          <a:p>
-            <a:r>
-              <a:rPr lang="en-US" dirty="0" smtClean="0"/>
-              <a:t>Somatic </a:t>
-            </a:r>
-            <a:r>
-              <a:rPr lang="en-US" dirty="0" err="1" smtClean="0"/>
-              <a:t>vs</a:t>
-            </a:r>
-            <a:r>
-              <a:rPr lang="en-US" dirty="0" smtClean="0"/>
-              <a:t> </a:t>
-            </a:r>
-            <a:r>
-              <a:rPr lang="en-US" dirty="0" err="1" smtClean="0"/>
-              <a:t>germline</a:t>
-            </a:r>
-            <a:r>
-              <a:rPr lang="en-US" dirty="0" smtClean="0"/>
-              <a:t> mutations</a:t>
-            </a:r>
-            <a:endParaRPr lang="en-US" dirty="0"/>
-          </a:p>
-        </p:txBody>
-      </p:sp>
-      <p:pic>
-        <p:nvPicPr>
-          <p:cNvPr id="8" name="Picture 7" descr="hosp-misc-ipactr6-1101.gif"/>
-          <p:cNvPicPr>
-            <a:picLocks noChangeAspect="1"/>
-          </p:cNvPicPr>
-          <p:nvPr/>
-        </p:nvPicPr>
-        <p:blipFill>
-          <a:blip r:embed="rId2">
-            <a:extLst>
-              <a:ext uri="{28A0092B-C50C-407E-A947-70E740481C1C}">
-                <a14:useLocalDpi xmlns:a14="http://schemas.microsoft.com/office/drawing/2010/main" val="0"/>
-              </a:ext>
-            </a:extLst>
-          </a:blip>
-          <a:stretch>
-            <a:fillRect/>
-          </a:stretch>
-        </p:blipFill>
-        <p:spPr>
-          <a:xfrm>
-            <a:off x="1714500" y="1793909"/>
-            <a:ext cx="5715000" cy="4318000"/>
-          </a:xfrm>
-          <a:prstGeom prst="rect">
-            <a:avLst/>
-          </a:prstGeom>
-        </p:spPr>
-      </p:pic>
-      <p:sp>
-        <p:nvSpPr>
-          <p:cNvPr id="9" name="Rectangle 8"/>
-          <p:cNvSpPr/>
-          <p:nvPr/>
-        </p:nvSpPr>
-        <p:spPr>
-          <a:xfrm>
-            <a:off x="2572837" y="5955787"/>
-            <a:ext cx="4161693" cy="461665"/>
-          </a:xfrm>
-          <a:prstGeom prst="rect">
-            <a:avLst/>
-          </a:prstGeom>
-          <a:solidFill>
-            <a:schemeClr val="bg1"/>
-          </a:solidFill>
-        </p:spPr>
-        <p:txBody>
-          <a:bodyPr wrap="square">
-            <a:spAutoFit/>
-          </a:bodyPr>
-          <a:lstStyle/>
-          <a:p>
-            <a:endParaRPr lang="en-US" sz="1200" dirty="0" smtClean="0"/>
-          </a:p>
-          <a:p>
-            <a:r>
-              <a:rPr lang="en-US" sz="1200" dirty="0" smtClean="0"/>
-              <a:t>https</a:t>
-            </a:r>
-            <a:r>
-              <a:rPr lang="en-US" sz="1200" dirty="0"/>
-              <a:t>://</a:t>
-            </a:r>
-            <a:r>
-              <a:rPr lang="en-US" sz="1200" dirty="0" err="1"/>
-              <a:t>www.stjude.org</a:t>
-            </a:r>
-            <a:r>
-              <a:rPr lang="en-US" sz="1200" dirty="0"/>
-              <a:t>/Images/hosp-misc-ipactr6-1101.gif</a:t>
-            </a:r>
-          </a:p>
-        </p:txBody>
-      </p:sp>
-    </p:spTree>
-    <p:extLst>
-      <p:ext uri="{BB962C8B-B14F-4D97-AF65-F5344CB8AC3E}">
-        <p14:creationId xmlns:p14="http://schemas.microsoft.com/office/powerpoint/2010/main" val="385104364"/>
-      </p:ext>
-    </p:extLst>
-  </p:cSld>
-  <p:clrMapOvr>
-    <a:masterClrMapping/>
-  </p:clrMapOvr>
-  <p:timing>
-    <p:tnLst>
-      <p:par>
-        <p:cTn xmlns:p14="http://schemas.microsoft.com/office/powerpoint/2010/main" id="1" dur="indefinite" restart="never" nodeType="tmRoot"/>
-      </p:par>
-    </p:tnLst>
-  </p:timing>
-</p:sld>
-</file>
-
-<file path=ppt/slides/slide40.xml><?xml version="1.0" encoding="utf-8"?>
+<file path=ppt/slides/slide41.xml><?xml version="1.0" encoding="utf-8"?>
 <p:sld xmlns:a="http://schemas.openxmlformats.org/drawingml/2006/main" xmlns:r="http://schemas.openxmlformats.org/officeDocument/2006/relationships" xmlns:p="http://schemas.openxmlformats.org/presentationml/2006/main">
   <p:cSld>
     <p:spTree>
@@ -19800,7 +19964,7 @@
 </file>
 
 <file path=ppt/slides/slide6.xml><?xml version="1.0" encoding="utf-8"?>
-<p:sld xmlns:a="http://schemas.openxmlformats.org/drawingml/2006/main" xmlns:r="http://schemas.openxmlformats.org/officeDocument/2006/relationships" xmlns:p="http://schemas.openxmlformats.org/presentationml/2006/main">
+<p:sld xmlns:a="http://schemas.openxmlformats.org/drawingml/2006/main" xmlns:r="http://schemas.openxmlformats.org/officeDocument/2006/relationships" xmlns:p="http://schemas.openxmlformats.org/presentationml/2006/main" show="0">
   <p:cSld>
     <p:spTree>
       <p:nvGrpSpPr>
@@ -19966,6 +20130,14 @@
   <p:clrMapOvr>
     <a:masterClrMapping/>
   </p:clrMapOvr>
+  <mc:AlternateContent xmlns:mc="http://schemas.openxmlformats.org/markup-compatibility/2006">
+    <mc:Choice xmlns:p14="http://schemas.microsoft.com/office/powerpoint/2010/main" Requires="p14">
+      <p:transition spd="slow" p14:dur="2000"/>
+    </mc:Choice>
+    <mc:Fallback>
+      <p:transition xmlns:p14="http://schemas.microsoft.com/office/powerpoint/2010/main" spd="slow"/>
+    </mc:Fallback>
+  </mc:AlternateContent>
   <p:timing>
     <p:tnLst>
       <p:par>

--- a/ngsgu/cancergenomics/1710/slides/cancer_genomics.pptx
+++ b/ngsgu/cancergenomics/1710/slides/cancer_genomics.pptx
@@ -5,7 +5,7 @@
     <p:sldMasterId id="2147483841" r:id="rId1"/>
   </p:sldMasterIdLst>
   <p:notesMasterIdLst>
-    <p:notesMasterId r:id="rId43"/>
+    <p:notesMasterId r:id="rId41"/>
   </p:notesMasterIdLst>
   <p:sldIdLst>
     <p:sldId id="256" r:id="rId2"/>
@@ -13,42 +13,40 @@
     <p:sldId id="259" r:id="rId4"/>
     <p:sldId id="272" r:id="rId5"/>
     <p:sldId id="261" r:id="rId6"/>
-    <p:sldId id="323" r:id="rId7"/>
-    <p:sldId id="285" r:id="rId8"/>
-    <p:sldId id="269" r:id="rId9"/>
-    <p:sldId id="279" r:id="rId10"/>
-    <p:sldId id="280" r:id="rId11"/>
-    <p:sldId id="287" r:id="rId12"/>
-    <p:sldId id="288" r:id="rId13"/>
-    <p:sldId id="270" r:id="rId14"/>
-    <p:sldId id="277" r:id="rId15"/>
-    <p:sldId id="283" r:id="rId16"/>
-    <p:sldId id="289" r:id="rId17"/>
-    <p:sldId id="297" r:id="rId18"/>
-    <p:sldId id="321" r:id="rId19"/>
-    <p:sldId id="322" r:id="rId20"/>
-    <p:sldId id="314" r:id="rId21"/>
-    <p:sldId id="317" r:id="rId22"/>
-    <p:sldId id="295" r:id="rId23"/>
-    <p:sldId id="318" r:id="rId24"/>
-    <p:sldId id="257" r:id="rId25"/>
-    <p:sldId id="298" r:id="rId26"/>
-    <p:sldId id="299" r:id="rId27"/>
-    <p:sldId id="304" r:id="rId28"/>
-    <p:sldId id="301" r:id="rId29"/>
-    <p:sldId id="303" r:id="rId30"/>
-    <p:sldId id="305" r:id="rId31"/>
-    <p:sldId id="306" r:id="rId32"/>
-    <p:sldId id="307" r:id="rId33"/>
-    <p:sldId id="308" r:id="rId34"/>
-    <p:sldId id="315" r:id="rId35"/>
-    <p:sldId id="316" r:id="rId36"/>
-    <p:sldId id="309" r:id="rId37"/>
-    <p:sldId id="324" r:id="rId38"/>
-    <p:sldId id="310" r:id="rId39"/>
-    <p:sldId id="320" r:id="rId40"/>
-    <p:sldId id="311" r:id="rId41"/>
-    <p:sldId id="312" r:id="rId42"/>
+    <p:sldId id="285" r:id="rId7"/>
+    <p:sldId id="269" r:id="rId8"/>
+    <p:sldId id="279" r:id="rId9"/>
+    <p:sldId id="280" r:id="rId10"/>
+    <p:sldId id="287" r:id="rId11"/>
+    <p:sldId id="288" r:id="rId12"/>
+    <p:sldId id="270" r:id="rId13"/>
+    <p:sldId id="277" r:id="rId14"/>
+    <p:sldId id="283" r:id="rId15"/>
+    <p:sldId id="289" r:id="rId16"/>
+    <p:sldId id="297" r:id="rId17"/>
+    <p:sldId id="321" r:id="rId18"/>
+    <p:sldId id="322" r:id="rId19"/>
+    <p:sldId id="314" r:id="rId20"/>
+    <p:sldId id="317" r:id="rId21"/>
+    <p:sldId id="295" r:id="rId22"/>
+    <p:sldId id="257" r:id="rId23"/>
+    <p:sldId id="298" r:id="rId24"/>
+    <p:sldId id="299" r:id="rId25"/>
+    <p:sldId id="304" r:id="rId26"/>
+    <p:sldId id="301" r:id="rId27"/>
+    <p:sldId id="303" r:id="rId28"/>
+    <p:sldId id="305" r:id="rId29"/>
+    <p:sldId id="306" r:id="rId30"/>
+    <p:sldId id="307" r:id="rId31"/>
+    <p:sldId id="308" r:id="rId32"/>
+    <p:sldId id="315" r:id="rId33"/>
+    <p:sldId id="316" r:id="rId34"/>
+    <p:sldId id="309" r:id="rId35"/>
+    <p:sldId id="324" r:id="rId36"/>
+    <p:sldId id="310" r:id="rId37"/>
+    <p:sldId id="320" r:id="rId38"/>
+    <p:sldId id="311" r:id="rId39"/>
+    <p:sldId id="312" r:id="rId40"/>
   </p:sldIdLst>
   <p:sldSz cx="9144000" cy="6858000" type="screen4x3"/>
   <p:notesSz cx="7010400" cy="9296400"/>
@@ -232,7 +230,7 @@
           <a:p>
             <a:fld id="{4DBCBD28-F41A-4E4D-A023-F37FB5E11D60}" type="datetimeFigureOut">
               <a:rPr lang="en-US" smtClean="0"/>
-              <a:t>09/10/17</a:t>
+              <a:t>25/10/17</a:t>
             </a:fld>
             <a:endParaRPr lang="en-US"/>
           </a:p>
@@ -1044,7 +1042,7 @@
           <a:p>
             <a:fld id="{AB3A4CA0-194C-D041-A754-07EAE8CC2F9A}" type="slidenum">
               <a:rPr lang="en-US" smtClean="0"/>
-              <a:t>10</a:t>
+              <a:t>9</a:t>
             </a:fld>
             <a:endParaRPr lang="en-US"/>
           </a:p>
@@ -1537,7 +1535,7 @@
           <a:p>
             <a:fld id="{497D469B-721A-4382-A9D0-D8D1FA5510BC}" type="slidenum">
               <a:rPr lang="sv-SE" smtClean="0"/>
-              <a:t>15</a:t>
+              <a:t>14</a:t>
             </a:fld>
             <a:endParaRPr lang="sv-SE"/>
           </a:p>
@@ -1663,7 +1661,7 @@
           <a:p>
             <a:fld id="{AB3A4CA0-194C-D041-A754-07EAE8CC2F9A}" type="slidenum">
               <a:rPr lang="en-US" smtClean="0"/>
-              <a:t>33</a:t>
+              <a:t>31</a:t>
             </a:fld>
             <a:endParaRPr lang="en-US"/>
           </a:p>
@@ -1788,7 +1786,7 @@
           <a:p>
             <a:fld id="{AB3A4CA0-194C-D041-A754-07EAE8CC2F9A}" type="slidenum">
               <a:rPr lang="en-US" smtClean="0"/>
-              <a:t>36</a:t>
+              <a:t>34</a:t>
             </a:fld>
             <a:endParaRPr lang="en-US"/>
           </a:p>
@@ -1989,7 +1987,7 @@
             <a:fld id="{6AD8D91A-A2EE-4B54-B3C6-F6C67903BA9C}" type="datetime1">
               <a:rPr lang="en-US" smtClean="0"/>
               <a:pPr/>
-              <a:t>09/10/17</a:t>
+              <a:t>25/10/17</a:t>
             </a:fld>
             <a:endParaRPr lang="en-US" dirty="0"/>
           </a:p>
@@ -2161,7 +2159,7 @@
             <a:fld id="{B19785C6-EBAF-49D5-AD4D-BABF4DFAAD59}" type="datetime1">
               <a:rPr lang="en-US" smtClean="0"/>
               <a:pPr/>
-              <a:t>09/10/17</a:t>
+              <a:t>25/10/17</a:t>
             </a:fld>
             <a:endParaRPr lang="en-US"/>
           </a:p>
@@ -2343,7 +2341,7 @@
             <a:fld id="{6A404122-9A3A-4FD8-98B8-22631F32846C}" type="datetime1">
               <a:rPr lang="en-US" smtClean="0"/>
               <a:pPr/>
-              <a:t>09/10/17</a:t>
+              <a:t>25/10/17</a:t>
             </a:fld>
             <a:endParaRPr lang="en-US" dirty="0"/>
           </a:p>
@@ -2515,7 +2513,7 @@
             <a:fld id="{C259A7B8-0EC4-44C9-AFEF-25E144F11C06}" type="datetime1">
               <a:rPr lang="en-US" smtClean="0"/>
               <a:pPr/>
-              <a:t>09/10/17</a:t>
+              <a:t>25/10/17</a:t>
             </a:fld>
             <a:endParaRPr lang="en-US"/>
           </a:p>
@@ -2763,7 +2761,7 @@
             <a:fld id="{82BB47B5-C739-4DAE-AACD-CC58CA843AC4}" type="datetime1">
               <a:rPr lang="en-US" smtClean="0"/>
               <a:pPr/>
-              <a:t>09/10/17</a:t>
+              <a:t>25/10/17</a:t>
             </a:fld>
             <a:endParaRPr lang="en-US" dirty="0"/>
           </a:p>
@@ -3053,7 +3051,7 @@
             <a:fld id="{3E72AE48-94E6-46E0-BE32-5F0716DE9115}" type="datetime1">
               <a:rPr lang="en-US" smtClean="0"/>
               <a:pPr/>
-              <a:t>09/10/17</a:t>
+              <a:t>25/10/17</a:t>
             </a:fld>
             <a:endParaRPr lang="en-US"/>
           </a:p>
@@ -3477,7 +3475,7 @@
             <a:fld id="{0884C285-8BCE-48FC-97D9-E2837AF38351}" type="datetime1">
               <a:rPr lang="en-US" smtClean="0"/>
               <a:pPr/>
-              <a:t>09/10/17</a:t>
+              <a:t>25/10/17</a:t>
             </a:fld>
             <a:endParaRPr lang="en-US"/>
           </a:p>
@@ -3597,7 +3595,7 @@
             <a:fld id="{0E70D3E6-EF16-4488-94A4-211508FE4682}" type="datetime1">
               <a:rPr lang="en-US" smtClean="0"/>
               <a:pPr/>
-              <a:t>09/10/17</a:t>
+              <a:t>25/10/17</a:t>
             </a:fld>
             <a:endParaRPr lang="en-US"/>
           </a:p>
@@ -3694,7 +3692,7 @@
             <a:fld id="{7077FB3B-20DA-4D0E-BF16-8262B7156612}" type="datetime1">
               <a:rPr lang="en-US" smtClean="0"/>
               <a:pPr/>
-              <a:t>09/10/17</a:t>
+              <a:t>25/10/17</a:t>
             </a:fld>
             <a:endParaRPr lang="en-US"/>
           </a:p>
@@ -3973,7 +3971,7 @@
             <a:fld id="{8C273C2C-6BD0-40EC-8D8D-4D51F089C5EB}" type="datetime1">
               <a:rPr lang="en-US" smtClean="0"/>
               <a:pPr/>
-              <a:t>09/10/17</a:t>
+              <a:t>25/10/17</a:t>
             </a:fld>
             <a:endParaRPr lang="en-US"/>
           </a:p>
@@ -4228,7 +4226,7 @@
             <a:fld id="{2D377F5C-EDA7-4864-9756-35769B0E62CF}" type="datetime1">
               <a:rPr lang="en-US" smtClean="0"/>
               <a:pPr/>
-              <a:t>09/10/17</a:t>
+              <a:t>25/10/17</a:t>
             </a:fld>
             <a:endParaRPr lang="en-US"/>
           </a:p>
@@ -4443,7 +4441,7 @@
             <a:fld id="{88B99C93-F56F-46AB-9EB8-53614A95B15F}" type="datetime1">
               <a:rPr lang="en-US" smtClean="0"/>
               <a:pPr/>
-              <a:t>09/10/17</a:t>
+              <a:t>25/10/17</a:t>
             </a:fld>
             <a:endParaRPr lang="en-US" dirty="0"/>
           </a:p>
@@ -4951,155 +4949,6 @@
           <a:chExt cx="0" cy="0"/>
         </a:xfrm>
       </p:grpSpPr>
-      <p:pic>
-        <p:nvPicPr>
-          <p:cNvPr id="4" name="Picture 3"/>
-          <p:cNvPicPr>
-            <a:picLocks noChangeAspect="1"/>
-          </p:cNvPicPr>
-          <p:nvPr/>
-        </p:nvPicPr>
-        <p:blipFill>
-          <a:blip r:embed="rId3"/>
-          <a:stretch>
-            <a:fillRect/>
-          </a:stretch>
-        </p:blipFill>
-        <p:spPr>
-          <a:xfrm>
-            <a:off x="0" y="2325378"/>
-            <a:ext cx="9144000" cy="3017108"/>
-          </a:xfrm>
-          <a:prstGeom prst="rect">
-            <a:avLst/>
-          </a:prstGeom>
-        </p:spPr>
-      </p:pic>
-      <p:sp>
-        <p:nvSpPr>
-          <p:cNvPr id="5" name="TextBox 4"/>
-          <p:cNvSpPr txBox="1"/>
-          <p:nvPr/>
-        </p:nvSpPr>
-        <p:spPr>
-          <a:xfrm>
-            <a:off x="2038097" y="5573353"/>
-            <a:ext cx="5758570" cy="369332"/>
-          </a:xfrm>
-          <a:prstGeom prst="rect">
-            <a:avLst/>
-          </a:prstGeom>
-          <a:noFill/>
-        </p:spPr>
-        <p:txBody>
-          <a:bodyPr wrap="none" rtlCol="0">
-            <a:spAutoFit/>
-          </a:bodyPr>
-          <a:lstStyle/>
-          <a:p>
-            <a:r>
-              <a:rPr lang="en-US" dirty="0"/>
-              <a:t>http://</a:t>
-            </a:r>
-            <a:r>
-              <a:rPr lang="en-US" dirty="0" err="1"/>
-              <a:t>socratic.org</a:t>
-            </a:r>
-            <a:r>
-              <a:rPr lang="en-US" dirty="0"/>
-              <a:t>/questions/how-do-</a:t>
-            </a:r>
-            <a:r>
-              <a:rPr lang="en-US" dirty="0" err="1"/>
-              <a:t>dna</a:t>
-            </a:r>
-            <a:r>
-              <a:rPr lang="en-US" dirty="0"/>
-              <a:t>-mutations-occur</a:t>
-            </a:r>
-          </a:p>
-        </p:txBody>
-      </p:sp>
-      <p:sp>
-        <p:nvSpPr>
-          <p:cNvPr id="2" name="Title 1"/>
-          <p:cNvSpPr>
-            <a:spLocks noGrp="1"/>
-          </p:cNvSpPr>
-          <p:nvPr>
-            <p:ph type="title"/>
-          </p:nvPr>
-        </p:nvSpPr>
-        <p:spPr>
-          <a:xfrm>
-            <a:off x="457200" y="541196"/>
-            <a:ext cx="8416360" cy="2140067"/>
-          </a:xfrm>
-          <a:solidFill>
-            <a:schemeClr val="bg1"/>
-          </a:solidFill>
-        </p:spPr>
-        <p:txBody>
-          <a:bodyPr>
-            <a:normAutofit/>
-          </a:bodyPr>
-          <a:lstStyle/>
-          <a:p>
-            <a:r>
-              <a:rPr lang="en-US" dirty="0" smtClean="0"/>
-              <a:t>Types of mutations</a:t>
-            </a:r>
-            <a:br>
-              <a:rPr lang="en-US" dirty="0" smtClean="0"/>
-            </a:br>
-            <a:r>
-              <a:rPr lang="en-US" dirty="0"/>
-              <a:t/>
-            </a:r>
-            <a:br>
-              <a:rPr lang="en-US" dirty="0"/>
-            </a:br>
-            <a:endParaRPr lang="en-US" dirty="0"/>
-          </a:p>
-        </p:txBody>
-      </p:sp>
-    </p:spTree>
-    <p:extLst>
-      <p:ext uri="{BB962C8B-B14F-4D97-AF65-F5344CB8AC3E}">
-        <p14:creationId xmlns:p14="http://schemas.microsoft.com/office/powerpoint/2010/main" val="3007688201"/>
-      </p:ext>
-    </p:extLst>
-  </p:cSld>
-  <p:clrMapOvr>
-    <a:masterClrMapping/>
-  </p:clrMapOvr>
-  <p:timing>
-    <p:tnLst>
-      <p:par>
-        <p:cTn xmlns:p14="http://schemas.microsoft.com/office/powerpoint/2010/main" id="1" dur="indefinite" restart="never" nodeType="tmRoot"/>
-      </p:par>
-    </p:tnLst>
-  </p:timing>
-</p:sld>
-</file>
-
-<file path=ppt/slides/slide11.xml><?xml version="1.0" encoding="utf-8"?>
-<p:sld xmlns:a="http://schemas.openxmlformats.org/drawingml/2006/main" xmlns:r="http://schemas.openxmlformats.org/officeDocument/2006/relationships" xmlns:p="http://schemas.openxmlformats.org/presentationml/2006/main">
-  <p:cSld>
-    <p:spTree>
-      <p:nvGrpSpPr>
-        <p:cNvPr id="1" name=""/>
-        <p:cNvGrpSpPr/>
-        <p:nvPr/>
-      </p:nvGrpSpPr>
-      <p:grpSpPr>
-        <a:xfrm>
-          <a:off x="0" y="0"/>
-          <a:ext cx="0" cy="0"/>
-          <a:chOff x="0" y="0"/>
-          <a:chExt cx="0" cy="0"/>
-        </a:xfrm>
-      </p:grpSpPr>
       <p:sp>
         <p:nvSpPr>
           <p:cNvPr id="2" name="Title 1"/>
@@ -5204,7 +5053,7 @@
 </p:sld>
 </file>
 
-<file path=ppt/slides/slide12.xml><?xml version="1.0" encoding="utf-8"?>
+<file path=ppt/slides/slide11.xml><?xml version="1.0" encoding="utf-8"?>
 <p:sld xmlns:a="http://schemas.openxmlformats.org/drawingml/2006/main" xmlns:r="http://schemas.openxmlformats.org/officeDocument/2006/relationships" xmlns:p="http://schemas.openxmlformats.org/presentationml/2006/main">
   <p:cSld>
     <p:spTree>
@@ -5269,7 +5118,7 @@
 </p:sld>
 </file>
 
-<file path=ppt/slides/slide13.xml><?xml version="1.0" encoding="utf-8"?>
+<file path=ppt/slides/slide12.xml><?xml version="1.0" encoding="utf-8"?>
 <p:sld xmlns:a="http://schemas.openxmlformats.org/drawingml/2006/main" xmlns:r="http://schemas.openxmlformats.org/officeDocument/2006/relationships" xmlns:p="http://schemas.openxmlformats.org/presentationml/2006/main">
   <p:cSld>
     <p:spTree>
@@ -5424,7 +5273,7 @@
 </p:sld>
 </file>
 
-<file path=ppt/slides/slide14.xml><?xml version="1.0" encoding="utf-8"?>
+<file path=ppt/slides/slide13.xml><?xml version="1.0" encoding="utf-8"?>
 <p:sld xmlns:a="http://schemas.openxmlformats.org/drawingml/2006/main" xmlns:r="http://schemas.openxmlformats.org/officeDocument/2006/relationships" xmlns:p="http://schemas.openxmlformats.org/presentationml/2006/main">
   <p:cSld>
     <p:spTree>
@@ -6530,7 +6379,7 @@
 </p:sld>
 </file>
 
-<file path=ppt/slides/slide15.xml><?xml version="1.0" encoding="utf-8"?>
+<file path=ppt/slides/slide14.xml><?xml version="1.0" encoding="utf-8"?>
 <p:sld xmlns:a="http://schemas.openxmlformats.org/drawingml/2006/main" xmlns:r="http://schemas.openxmlformats.org/officeDocument/2006/relationships" xmlns:p="http://schemas.openxmlformats.org/presentationml/2006/main">
   <p:cSld>
     <p:spTree>
@@ -7057,7 +6906,7 @@
 </p:sld>
 </file>
 
-<file path=ppt/slides/slide16.xml><?xml version="1.0" encoding="utf-8"?>
+<file path=ppt/slides/slide15.xml><?xml version="1.0" encoding="utf-8"?>
 <p:sld xmlns:a="http://schemas.openxmlformats.org/drawingml/2006/main" xmlns:r="http://schemas.openxmlformats.org/officeDocument/2006/relationships" xmlns:p="http://schemas.openxmlformats.org/presentationml/2006/main">
   <p:cSld>
     <p:spTree>
@@ -7122,7 +6971,7 @@
 </p:sld>
 </file>
 
-<file path=ppt/slides/slide17.xml><?xml version="1.0" encoding="utf-8"?>
+<file path=ppt/slides/slide16.xml><?xml version="1.0" encoding="utf-8"?>
 <p:sld xmlns:a="http://schemas.openxmlformats.org/drawingml/2006/main" xmlns:r="http://schemas.openxmlformats.org/officeDocument/2006/relationships" xmlns:p="http://schemas.openxmlformats.org/presentationml/2006/main">
   <p:cSld>
     <p:spTree>
@@ -7207,7 +7056,7 @@
             <a:fld id="{EF15D6EA-EBF7-4C2E-A1CC-C279B7E6D53A}" type="slidenum">
               <a:rPr lang="en-GB" smtClean="0"/>
               <a:pPr/>
-              <a:t>17</a:t>
+              <a:t>16</a:t>
             </a:fld>
             <a:endParaRPr lang="en-GB" dirty="0"/>
           </a:p>
@@ -7489,7 +7338,7 @@
 </p:sld>
 </file>
 
-<file path=ppt/slides/slide18.xml><?xml version="1.0" encoding="utf-8"?>
+<file path=ppt/slides/slide17.xml><?xml version="1.0" encoding="utf-8"?>
 <p:sld xmlns:a="http://schemas.openxmlformats.org/drawingml/2006/main" xmlns:r="http://schemas.openxmlformats.org/officeDocument/2006/relationships" xmlns:p="http://schemas.openxmlformats.org/presentationml/2006/main">
   <p:cSld>
     <p:spTree>
@@ -7613,7 +7462,7 @@
 </p:sld>
 </file>
 
-<file path=ppt/slides/slide19.xml><?xml version="1.0" encoding="utf-8"?>
+<file path=ppt/slides/slide18.xml><?xml version="1.0" encoding="utf-8"?>
 <p:sld xmlns:a="http://schemas.openxmlformats.org/drawingml/2006/main" xmlns:r="http://schemas.openxmlformats.org/officeDocument/2006/relationships" xmlns:p="http://schemas.openxmlformats.org/presentationml/2006/main">
   <p:cSld>
     <p:spTree>
@@ -7699,140 +7548,7 @@
 </p:sld>
 </file>
 
-<file path=ppt/slides/slide2.xml><?xml version="1.0" encoding="utf-8"?>
-<p:sld xmlns:a="http://schemas.openxmlformats.org/drawingml/2006/main" xmlns:r="http://schemas.openxmlformats.org/officeDocument/2006/relationships" xmlns:p="http://schemas.openxmlformats.org/presentationml/2006/main">
-  <p:cSld>
-    <p:spTree>
-      <p:nvGrpSpPr>
-        <p:cNvPr id="1" name=""/>
-        <p:cNvGrpSpPr/>
-        <p:nvPr/>
-      </p:nvGrpSpPr>
-      <p:grpSpPr>
-        <a:xfrm>
-          <a:off x="0" y="0"/>
-          <a:ext cx="0" cy="0"/>
-          <a:chOff x="0" y="0"/>
-          <a:chExt cx="0" cy="0"/>
-        </a:xfrm>
-      </p:grpSpPr>
-      <p:sp>
-        <p:nvSpPr>
-          <p:cNvPr id="2" name="Title 1"/>
-          <p:cNvSpPr>
-            <a:spLocks noGrp="1"/>
-          </p:cNvSpPr>
-          <p:nvPr>
-            <p:ph type="title"/>
-          </p:nvPr>
-        </p:nvSpPr>
-        <p:spPr/>
-        <p:txBody>
-          <a:bodyPr/>
-          <a:lstStyle/>
-          <a:p>
-            <a:r>
-              <a:rPr lang="en-US" dirty="0" smtClean="0"/>
-              <a:t>Outline</a:t>
-            </a:r>
-            <a:endParaRPr lang="en-US" dirty="0"/>
-          </a:p>
-        </p:txBody>
-      </p:sp>
-      <p:sp>
-        <p:nvSpPr>
-          <p:cNvPr id="3" name="Content Placeholder 2"/>
-          <p:cNvSpPr>
-            <a:spLocks noGrp="1"/>
-          </p:cNvSpPr>
-          <p:nvPr>
-            <p:ph idx="1"/>
-          </p:nvPr>
-        </p:nvSpPr>
-        <p:spPr>
-          <a:xfrm>
-            <a:off x="1099985" y="1585369"/>
-            <a:ext cx="7287568" cy="4525963"/>
-          </a:xfrm>
-        </p:spPr>
-        <p:txBody>
-          <a:bodyPr/>
-          <a:lstStyle/>
-          <a:p>
-            <a:r>
-              <a:rPr lang="en-US" dirty="0" smtClean="0"/>
-              <a:t>Introduction </a:t>
-            </a:r>
-          </a:p>
-          <a:p>
-            <a:r>
-              <a:rPr lang="en-US" dirty="0" smtClean="0"/>
-              <a:t>The mutational landscape of cancer</a:t>
-            </a:r>
-          </a:p>
-          <a:p>
-            <a:r>
-              <a:rPr lang="en-US" dirty="0" smtClean="0"/>
-              <a:t>Detection of cancer mutations</a:t>
-            </a:r>
-          </a:p>
-          <a:p>
-            <a:r>
-              <a:rPr lang="en-US" dirty="0"/>
-              <a:t>recap of </a:t>
-            </a:r>
-            <a:r>
-              <a:rPr lang="en-US" dirty="0" err="1"/>
-              <a:t>germline</a:t>
-            </a:r>
-            <a:r>
-              <a:rPr lang="en-US" dirty="0"/>
-              <a:t> variant </a:t>
-            </a:r>
-            <a:r>
-              <a:rPr lang="en-US" dirty="0" smtClean="0"/>
-              <a:t>calling</a:t>
-            </a:r>
-          </a:p>
-          <a:p>
-            <a:r>
-              <a:rPr lang="en-US" dirty="0"/>
-              <a:t>Somatic variant calling </a:t>
-            </a:r>
-            <a:r>
-              <a:rPr lang="en-US" dirty="0" smtClean="0"/>
-              <a:t>workflow</a:t>
-            </a:r>
-          </a:p>
-          <a:p>
-            <a:r>
-              <a:rPr lang="en-US" dirty="0" smtClean="0"/>
-              <a:t>Today’s practical</a:t>
-            </a:r>
-          </a:p>
-        </p:txBody>
-      </p:sp>
-    </p:spTree>
-    <p:extLst>
-      <p:ext uri="{BB962C8B-B14F-4D97-AF65-F5344CB8AC3E}">
-        <p14:creationId xmlns:p14="http://schemas.microsoft.com/office/powerpoint/2010/main" val="2166565773"/>
-      </p:ext>
-    </p:extLst>
-  </p:cSld>
-  <p:clrMapOvr>
-    <a:masterClrMapping/>
-  </p:clrMapOvr>
-  <p:timing>
-    <p:tnLst>
-      <p:par>
-        <p:cTn xmlns:p14="http://schemas.microsoft.com/office/powerpoint/2010/main" id="1" dur="indefinite" restart="never" nodeType="tmRoot"/>
-      </p:par>
-    </p:tnLst>
-  </p:timing>
-</p:sld>
-</file>
-
-<file path=ppt/slides/slide20.xml><?xml version="1.0" encoding="utf-8"?>
+<file path=ppt/slides/slide19.xml><?xml version="1.0" encoding="utf-8"?>
 <p:sld xmlns:a="http://schemas.openxmlformats.org/drawingml/2006/main" xmlns:r="http://schemas.openxmlformats.org/officeDocument/2006/relationships" xmlns:p="http://schemas.openxmlformats.org/presentationml/2006/main">
   <p:cSld>
     <p:spTree>
@@ -7993,7 +7709,140 @@
 </p:sld>
 </file>
 
-<file path=ppt/slides/slide21.xml><?xml version="1.0" encoding="utf-8"?>
+<file path=ppt/slides/slide2.xml><?xml version="1.0" encoding="utf-8"?>
+<p:sld xmlns:a="http://schemas.openxmlformats.org/drawingml/2006/main" xmlns:r="http://schemas.openxmlformats.org/officeDocument/2006/relationships" xmlns:p="http://schemas.openxmlformats.org/presentationml/2006/main">
+  <p:cSld>
+    <p:spTree>
+      <p:nvGrpSpPr>
+        <p:cNvPr id="1" name=""/>
+        <p:cNvGrpSpPr/>
+        <p:nvPr/>
+      </p:nvGrpSpPr>
+      <p:grpSpPr>
+        <a:xfrm>
+          <a:off x="0" y="0"/>
+          <a:ext cx="0" cy="0"/>
+          <a:chOff x="0" y="0"/>
+          <a:chExt cx="0" cy="0"/>
+        </a:xfrm>
+      </p:grpSpPr>
+      <p:sp>
+        <p:nvSpPr>
+          <p:cNvPr id="2" name="Title 1"/>
+          <p:cNvSpPr>
+            <a:spLocks noGrp="1"/>
+          </p:cNvSpPr>
+          <p:nvPr>
+            <p:ph type="title"/>
+          </p:nvPr>
+        </p:nvSpPr>
+        <p:spPr/>
+        <p:txBody>
+          <a:bodyPr/>
+          <a:lstStyle/>
+          <a:p>
+            <a:r>
+              <a:rPr lang="en-US" dirty="0" smtClean="0"/>
+              <a:t>Outline</a:t>
+            </a:r>
+            <a:endParaRPr lang="en-US" dirty="0"/>
+          </a:p>
+        </p:txBody>
+      </p:sp>
+      <p:sp>
+        <p:nvSpPr>
+          <p:cNvPr id="3" name="Content Placeholder 2"/>
+          <p:cNvSpPr>
+            <a:spLocks noGrp="1"/>
+          </p:cNvSpPr>
+          <p:nvPr>
+            <p:ph idx="1"/>
+          </p:nvPr>
+        </p:nvSpPr>
+        <p:spPr>
+          <a:xfrm>
+            <a:off x="1099985" y="1585369"/>
+            <a:ext cx="7287568" cy="4525963"/>
+          </a:xfrm>
+        </p:spPr>
+        <p:txBody>
+          <a:bodyPr/>
+          <a:lstStyle/>
+          <a:p>
+            <a:r>
+              <a:rPr lang="en-US" dirty="0" smtClean="0"/>
+              <a:t>Introduction </a:t>
+            </a:r>
+          </a:p>
+          <a:p>
+            <a:r>
+              <a:rPr lang="en-US" dirty="0" smtClean="0"/>
+              <a:t>The mutational landscape of cancer</a:t>
+            </a:r>
+          </a:p>
+          <a:p>
+            <a:r>
+              <a:rPr lang="en-US" dirty="0" smtClean="0"/>
+              <a:t>Detection of cancer mutations</a:t>
+            </a:r>
+          </a:p>
+          <a:p>
+            <a:r>
+              <a:rPr lang="en-US" dirty="0"/>
+              <a:t>recap of </a:t>
+            </a:r>
+            <a:r>
+              <a:rPr lang="en-US" dirty="0" err="1"/>
+              <a:t>germline</a:t>
+            </a:r>
+            <a:r>
+              <a:rPr lang="en-US" dirty="0"/>
+              <a:t> variant </a:t>
+            </a:r>
+            <a:r>
+              <a:rPr lang="en-US" dirty="0" smtClean="0"/>
+              <a:t>calling</a:t>
+            </a:r>
+          </a:p>
+          <a:p>
+            <a:r>
+              <a:rPr lang="en-US" dirty="0"/>
+              <a:t>Somatic variant calling </a:t>
+            </a:r>
+            <a:r>
+              <a:rPr lang="en-US" dirty="0" smtClean="0"/>
+              <a:t>workflow</a:t>
+            </a:r>
+          </a:p>
+          <a:p>
+            <a:r>
+              <a:rPr lang="en-US" dirty="0" smtClean="0"/>
+              <a:t>Today’s practical</a:t>
+            </a:r>
+          </a:p>
+        </p:txBody>
+      </p:sp>
+    </p:spTree>
+    <p:extLst>
+      <p:ext uri="{BB962C8B-B14F-4D97-AF65-F5344CB8AC3E}">
+        <p14:creationId xmlns:p14="http://schemas.microsoft.com/office/powerpoint/2010/main" val="2166565773"/>
+      </p:ext>
+    </p:extLst>
+  </p:cSld>
+  <p:clrMapOvr>
+    <a:masterClrMapping/>
+  </p:clrMapOvr>
+  <p:timing>
+    <p:tnLst>
+      <p:par>
+        <p:cTn xmlns:p14="http://schemas.microsoft.com/office/powerpoint/2010/main" id="1" dur="indefinite" restart="never" nodeType="tmRoot"/>
+      </p:par>
+    </p:tnLst>
+  </p:timing>
+</p:sld>
+</file>
+
+<file path=ppt/slides/slide20.xml><?xml version="1.0" encoding="utf-8"?>
 <p:sld xmlns:a="http://schemas.openxmlformats.org/drawingml/2006/main" xmlns:r="http://schemas.openxmlformats.org/officeDocument/2006/relationships" xmlns:p="http://schemas.openxmlformats.org/presentationml/2006/main">
   <p:cSld>
     <p:spTree>
@@ -8047,6 +7896,182 @@
     <p:extLst>
       <p:ext uri="{BB962C8B-B14F-4D97-AF65-F5344CB8AC3E}">
         <p14:creationId xmlns:p14="http://schemas.microsoft.com/office/powerpoint/2010/main" val="3264216187"/>
+      </p:ext>
+    </p:extLst>
+  </p:cSld>
+  <p:clrMapOvr>
+    <a:masterClrMapping/>
+  </p:clrMapOvr>
+  <p:timing>
+    <p:tnLst>
+      <p:par>
+        <p:cTn xmlns:p14="http://schemas.microsoft.com/office/powerpoint/2010/main" id="1" dur="indefinite" restart="never" nodeType="tmRoot"/>
+      </p:par>
+    </p:tnLst>
+  </p:timing>
+</p:sld>
+</file>
+
+<file path=ppt/slides/slide21.xml><?xml version="1.0" encoding="utf-8"?>
+<p:sld xmlns:a="http://schemas.openxmlformats.org/drawingml/2006/main" xmlns:r="http://schemas.openxmlformats.org/officeDocument/2006/relationships" xmlns:p="http://schemas.openxmlformats.org/presentationml/2006/main">
+  <p:cSld>
+    <p:spTree>
+      <p:nvGrpSpPr>
+        <p:cNvPr id="1" name=""/>
+        <p:cNvGrpSpPr/>
+        <p:nvPr/>
+      </p:nvGrpSpPr>
+      <p:grpSpPr>
+        <a:xfrm>
+          <a:off x="0" y="0"/>
+          <a:ext cx="0" cy="0"/>
+          <a:chOff x="0" y="0"/>
+          <a:chExt cx="0" cy="0"/>
+        </a:xfrm>
+      </p:grpSpPr>
+      <p:sp>
+        <p:nvSpPr>
+          <p:cNvPr id="2" name="Title 1"/>
+          <p:cNvSpPr>
+            <a:spLocks noGrp="1"/>
+          </p:cNvSpPr>
+          <p:nvPr>
+            <p:ph type="title"/>
+          </p:nvPr>
+        </p:nvSpPr>
+        <p:spPr/>
+        <p:txBody>
+          <a:bodyPr/>
+          <a:lstStyle/>
+          <a:p>
+            <a:r>
+              <a:rPr lang="en-US" dirty="0" smtClean="0"/>
+              <a:t>Many tools available</a:t>
+            </a:r>
+            <a:endParaRPr lang="en-US" dirty="0"/>
+          </a:p>
+        </p:txBody>
+      </p:sp>
+      <p:sp>
+        <p:nvSpPr>
+          <p:cNvPr id="3" name="Content Placeholder 2"/>
+          <p:cNvSpPr>
+            <a:spLocks noGrp="1"/>
+          </p:cNvSpPr>
+          <p:nvPr>
+            <p:ph idx="1"/>
+          </p:nvPr>
+        </p:nvSpPr>
+        <p:spPr>
+          <a:xfrm>
+            <a:off x="1390540" y="1696650"/>
+            <a:ext cx="7169716" cy="4525963"/>
+          </a:xfrm>
+        </p:spPr>
+        <p:txBody>
+          <a:bodyPr>
+            <a:normAutofit lnSpcReduction="10000"/>
+          </a:bodyPr>
+          <a:lstStyle/>
+          <a:p>
+            <a:r>
+              <a:rPr lang="en-US" dirty="0"/>
+              <a:t>single nucleotide variants (SNVs)</a:t>
+            </a:r>
+          </a:p>
+          <a:p>
+            <a:pPr marL="0" indent="0">
+              <a:buNone/>
+            </a:pPr>
+            <a:r>
+              <a:rPr lang="en-US" dirty="0"/>
+              <a:t>	</a:t>
+            </a:r>
+            <a:r>
+              <a:rPr lang="en-US" dirty="0" smtClean="0"/>
+              <a:t>MuTect1, </a:t>
+            </a:r>
+            <a:r>
+              <a:rPr lang="en-US" dirty="0" err="1" smtClean="0"/>
+              <a:t>Strelka</a:t>
+            </a:r>
+            <a:r>
+              <a:rPr lang="en-US" dirty="0" smtClean="0"/>
+              <a:t>, MuTect2</a:t>
+            </a:r>
+          </a:p>
+          <a:p>
+            <a:pPr marL="0" indent="0">
+              <a:buNone/>
+            </a:pPr>
+            <a:endParaRPr lang="en-US" dirty="0"/>
+          </a:p>
+          <a:p>
+            <a:r>
+              <a:rPr lang="en-US" dirty="0"/>
+              <a:t>structural variants (SVs) </a:t>
+            </a:r>
+          </a:p>
+          <a:p>
+            <a:pPr marL="0" indent="0">
+              <a:buNone/>
+            </a:pPr>
+            <a:r>
+              <a:rPr lang="en-US" dirty="0"/>
+              <a:t>	</a:t>
+            </a:r>
+            <a:r>
+              <a:rPr lang="en-US" dirty="0" smtClean="0"/>
+              <a:t>Manta, </a:t>
+            </a:r>
+            <a:r>
+              <a:rPr lang="en-US" dirty="0" err="1" smtClean="0"/>
+              <a:t>Delly</a:t>
+            </a:r>
+            <a:endParaRPr lang="en-US" dirty="0" smtClean="0"/>
+          </a:p>
+          <a:p>
+            <a:pPr marL="0" indent="0">
+              <a:buNone/>
+            </a:pPr>
+            <a:endParaRPr lang="en-US" dirty="0"/>
+          </a:p>
+          <a:p>
+            <a:r>
+              <a:rPr lang="en-US" dirty="0" smtClean="0"/>
+              <a:t>copy </a:t>
+            </a:r>
+            <a:r>
+              <a:rPr lang="en-US" dirty="0"/>
+              <a:t>number variants (CNVs)</a:t>
+            </a:r>
+          </a:p>
+          <a:p>
+            <a:pPr marL="0" indent="0">
+              <a:buNone/>
+            </a:pPr>
+            <a:r>
+              <a:rPr lang="en-US" dirty="0"/>
+              <a:t>	</a:t>
+            </a:r>
+            <a:r>
+              <a:rPr lang="en-US" dirty="0" smtClean="0"/>
+              <a:t>Control-FREEC, ASCAT, Patchwork</a:t>
+            </a:r>
+            <a:endParaRPr lang="en-US" dirty="0"/>
+          </a:p>
+          <a:p>
+            <a:pPr marL="0" indent="0">
+              <a:buNone/>
+            </a:pPr>
+            <a:endParaRPr lang="en-US" dirty="0"/>
+          </a:p>
+        </p:txBody>
+      </p:sp>
+    </p:spTree>
+    <p:extLst>
+      <p:ext uri="{BB962C8B-B14F-4D97-AF65-F5344CB8AC3E}">
+        <p14:creationId xmlns:p14="http://schemas.microsoft.com/office/powerpoint/2010/main" val="2719668052"/>
       </p:ext>
     </p:extLst>
   </p:cSld>
@@ -8090,147 +8115,40 @@
             <p:ph type="title"/>
           </p:nvPr>
         </p:nvSpPr>
-        <p:spPr/>
-        <p:txBody>
-          <a:bodyPr/>
-          <a:lstStyle/>
-          <a:p>
-            <a:r>
-              <a:rPr lang="en-US" dirty="0" smtClean="0"/>
-              <a:t>Many tools available</a:t>
-            </a:r>
-            <a:endParaRPr lang="en-US" dirty="0"/>
-          </a:p>
-        </p:txBody>
-      </p:sp>
-      <p:sp>
-        <p:nvSpPr>
-          <p:cNvPr id="3" name="Content Placeholder 2"/>
-          <p:cNvSpPr>
-            <a:spLocks noGrp="1"/>
-          </p:cNvSpPr>
-          <p:nvPr>
-            <p:ph idx="1"/>
-          </p:nvPr>
-        </p:nvSpPr>
         <p:spPr>
           <a:xfrm>
-            <a:off x="1390540" y="1696650"/>
-            <a:ext cx="7169716" cy="4525963"/>
+            <a:off x="617956" y="2219713"/>
+            <a:ext cx="8229600" cy="1143000"/>
           </a:xfrm>
         </p:spPr>
         <p:txBody>
           <a:bodyPr>
-            <a:normAutofit lnSpcReduction="10000"/>
+            <a:normAutofit fontScale="90000"/>
           </a:bodyPr>
           <a:lstStyle/>
           <a:p>
             <a:r>
+              <a:rPr lang="en-US" dirty="0" smtClean="0"/>
+              <a:t>Somatic variant </a:t>
+            </a:r>
+            <a:r>
               <a:rPr lang="en-US" dirty="0"/>
-              <a:t>single nucleotide variants (SNVs)</a:t>
-            </a:r>
-          </a:p>
-          <a:p>
-            <a:pPr marL="0" indent="0">
-              <a:buNone/>
-            </a:pPr>
-            <a:r>
+              <a:t>calling </a:t>
+            </a:r>
+            <a:br>
               <a:rPr lang="en-US" dirty="0"/>
-              <a:t>	</a:t>
-            </a:r>
-            <a:r>
-              <a:rPr lang="en-US" dirty="0" smtClean="0"/>
-              <a:t>MuTect1, </a:t>
-            </a:r>
-            <a:r>
-              <a:rPr lang="en-US" dirty="0" err="1" smtClean="0"/>
-              <a:t>Strelka</a:t>
-            </a:r>
-            <a:r>
-              <a:rPr lang="en-US" dirty="0" smtClean="0"/>
-              <a:t>, MuTect2</a:t>
-            </a:r>
-          </a:p>
-          <a:p>
-            <a:pPr marL="0" indent="0">
-              <a:buNone/>
-            </a:pPr>
-            <a:endParaRPr lang="en-US" dirty="0"/>
-          </a:p>
-          <a:p>
+            </a:br>
             <a:r>
               <a:rPr lang="en-US" dirty="0"/>
-              <a:t>structural variants (SVs) </a:t>
-            </a:r>
-          </a:p>
-          <a:p>
-            <a:pPr marL="0" indent="0">
-              <a:buNone/>
-            </a:pPr>
-            <a:r>
-              <a:rPr lang="en-US" dirty="0"/>
-              <a:t>	</a:t>
-            </a:r>
-            <a:r>
-              <a:rPr lang="en-US" dirty="0" smtClean="0"/>
-              <a:t>Manta, </a:t>
-            </a:r>
-            <a:r>
-              <a:rPr lang="en-US" dirty="0" err="1" smtClean="0"/>
-              <a:t>Delly</a:t>
-            </a:r>
-            <a:endParaRPr lang="en-US" dirty="0" smtClean="0"/>
-          </a:p>
-          <a:p>
-            <a:pPr marL="0" indent="0">
-              <a:buNone/>
-            </a:pPr>
-            <a:endParaRPr lang="en-US" dirty="0"/>
-          </a:p>
-          <a:p>
-            <a:r>
-              <a:rPr lang="en-US" dirty="0" smtClean="0"/>
-              <a:t>copy </a:t>
-            </a:r>
-            <a:r>
-              <a:rPr lang="en-US" dirty="0"/>
-              <a:t>number variants (CNVs)</a:t>
-            </a:r>
-          </a:p>
-          <a:p>
-            <a:pPr marL="0" indent="0">
-              <a:buNone/>
-            </a:pPr>
-            <a:r>
-              <a:rPr lang="en-US" dirty="0"/>
-              <a:t>	</a:t>
-            </a:r>
-            <a:r>
-              <a:rPr lang="en-US" dirty="0" smtClean="0"/>
-              <a:t>Control-FREEC, ASCAT</a:t>
-            </a:r>
-            <a:r>
-              <a:rPr lang="en-US" dirty="0" smtClean="0"/>
-              <a:t>, </a:t>
-            </a:r>
-            <a:r>
-              <a:rPr lang="en-US" dirty="0" smtClean="0"/>
-              <a:t>Patchwork</a:t>
-            </a:r>
-            <a:endParaRPr lang="en-US" dirty="0"/>
-          </a:p>
-          <a:p>
-            <a:pPr marL="0" indent="0">
-              <a:buNone/>
-            </a:pPr>
-            <a:endParaRPr lang="en-US" dirty="0"/>
+              <a:t>Workflow</a:t>
+            </a:r>
           </a:p>
         </p:txBody>
       </p:sp>
     </p:spTree>
     <p:extLst>
       <p:ext uri="{BB962C8B-B14F-4D97-AF65-F5344CB8AC3E}">
-        <p14:creationId xmlns:p14="http://schemas.microsoft.com/office/powerpoint/2010/main" val="2719668052"/>
+        <p14:creationId xmlns:p14="http://schemas.microsoft.com/office/powerpoint/2010/main" val="2577380534"/>
       </p:ext>
     </p:extLst>
   </p:cSld>
@@ -8248,7 +8166,7 @@
 </file>
 
 <file path=ppt/slides/slide23.xml><?xml version="1.0" encoding="utf-8"?>
-<p:sld xmlns:a="http://schemas.openxmlformats.org/drawingml/2006/main" xmlns:r="http://schemas.openxmlformats.org/officeDocument/2006/relationships" xmlns:p="http://schemas.openxmlformats.org/presentationml/2006/main" show="0">
+<p:sld xmlns:a="http://schemas.openxmlformats.org/drawingml/2006/main" xmlns:r="http://schemas.openxmlformats.org/officeDocument/2006/relationships" xmlns:p="http://schemas.openxmlformats.org/presentationml/2006/main">
   <p:cSld>
     <p:spTree>
       <p:nvGrpSpPr>
@@ -8274,100 +8192,36 @@
             <p:ph type="title"/>
           </p:nvPr>
         </p:nvSpPr>
-        <p:spPr/>
-        <p:txBody>
-          <a:bodyPr/>
-          <a:lstStyle/>
-          <a:p>
-            <a:r>
-              <a:rPr lang="en-US" dirty="0" smtClean="0"/>
-              <a:t>Keep updated!</a:t>
-            </a:r>
-            <a:endParaRPr lang="en-US" dirty="0"/>
-          </a:p>
-        </p:txBody>
-      </p:sp>
-      <p:sp>
-        <p:nvSpPr>
-          <p:cNvPr id="3" name="Content Placeholder 2"/>
-          <p:cNvSpPr>
-            <a:spLocks noGrp="1"/>
-          </p:cNvSpPr>
-          <p:nvPr>
-            <p:ph idx="1"/>
-          </p:nvPr>
-        </p:nvSpPr>
         <p:spPr>
           <a:xfrm>
-            <a:off x="1003300" y="1587500"/>
-            <a:ext cx="7683500" cy="4525963"/>
+            <a:off x="457200" y="2026813"/>
+            <a:ext cx="8229600" cy="1143000"/>
           </a:xfrm>
         </p:spPr>
         <p:txBody>
-          <a:bodyPr/>
+          <a:bodyPr>
+            <a:normAutofit fontScale="90000"/>
+          </a:bodyPr>
           <a:lstStyle/>
           <a:p>
-            <a:pPr marL="0" indent="0">
-              <a:buNone/>
-            </a:pPr>
+            <a:r>
+              <a:rPr lang="en-US" dirty="0" smtClean="0"/>
+              <a:t>First…</a:t>
+            </a:r>
+            <a:br>
+              <a:rPr lang="en-US" dirty="0" smtClean="0"/>
+            </a:br>
+            <a:r>
+              <a:rPr lang="en-US" dirty="0" smtClean="0"/>
+              <a:t>recap of </a:t>
+            </a:r>
             <a:r>
               <a:rPr lang="en-US" dirty="0" err="1" smtClean="0"/>
-              <a:t>SciLifeLab</a:t>
+              <a:t>germline</a:t>
             </a:r>
             <a:r>
               <a:rPr lang="en-US" dirty="0" smtClean="0"/>
-              <a:t> WGS toolbox group:</a:t>
-            </a:r>
-          </a:p>
-          <a:p>
-            <a:pPr marL="0" indent="0">
-              <a:buNone/>
-            </a:pPr>
-            <a:r>
-              <a:rPr lang="en-US" dirty="0" smtClean="0">
-                <a:hlinkClick r:id="rId2"/>
-              </a:rPr>
-              <a:t>https</a:t>
-            </a:r>
-            <a:r>
-              <a:rPr lang="en-US" dirty="0">
-                <a:hlinkClick r:id="rId2"/>
-              </a:rPr>
-              <a:t>://</a:t>
-            </a:r>
-            <a:r>
-              <a:rPr lang="en-US" dirty="0" err="1">
-                <a:hlinkClick r:id="rId2"/>
-              </a:rPr>
-              <a:t>wabi-wiki.scilifelab.se</a:t>
-            </a:r>
-            <a:r>
-              <a:rPr lang="en-US" dirty="0">
-                <a:hlinkClick r:id="rId2"/>
-              </a:rPr>
-              <a:t>/display/SHGATG/</a:t>
-            </a:r>
-            <a:r>
-              <a:rPr lang="en-US" dirty="0" err="1">
-                <a:hlinkClick r:id="rId2"/>
-              </a:rPr>
-              <a:t>SciLifeLab+human+genome+analysis+toolbox+group</a:t>
-            </a:r>
-            <a:endParaRPr lang="en-US" dirty="0"/>
-          </a:p>
-          <a:p>
-            <a:pPr marL="0" indent="0">
-              <a:buNone/>
-            </a:pPr>
-            <a:endParaRPr lang="en-US" dirty="0" smtClean="0"/>
-          </a:p>
-          <a:p>
-            <a:pPr marL="0" indent="0">
-              <a:buNone/>
-            </a:pPr>
-            <a:r>
-              <a:rPr lang="en-US" dirty="0" smtClean="0"/>
-              <a:t>Recommended tools and workflow for somatic variant calling (and other things)</a:t>
+              <a:t> variant calling workflow</a:t>
             </a:r>
             <a:endParaRPr lang="en-US" dirty="0"/>
           </a:p>
@@ -8376,21 +8230,13 @@
     </p:spTree>
     <p:extLst>
       <p:ext uri="{BB962C8B-B14F-4D97-AF65-F5344CB8AC3E}">
-        <p14:creationId xmlns:p14="http://schemas.microsoft.com/office/powerpoint/2010/main" val="145540266"/>
+        <p14:creationId xmlns:p14="http://schemas.microsoft.com/office/powerpoint/2010/main" val="3439845388"/>
       </p:ext>
     </p:extLst>
   </p:cSld>
   <p:clrMapOvr>
     <a:masterClrMapping/>
   </p:clrMapOvr>
-  <mc:AlternateContent xmlns:mc="http://schemas.openxmlformats.org/markup-compatibility/2006">
-    <mc:Choice xmlns:p14="http://schemas.microsoft.com/office/powerpoint/2010/main" Requires="p14">
-      <p:transition spd="slow" p14:dur="2000"/>
-    </mc:Choice>
-    <mc:Fallback>
-      <p:transition xmlns:p14="http://schemas.microsoft.com/office/powerpoint/2010/main" spd="slow"/>
-    </mc:Fallback>
-  </mc:AlternateContent>
   <p:timing>
     <p:tnLst>
       <p:par>
@@ -8430,44 +8276,338 @@
         </p:nvSpPr>
         <p:spPr>
           <a:xfrm>
-            <a:off x="617956" y="2219713"/>
-            <a:ext cx="8229600" cy="1143000"/>
+            <a:off x="467544" y="404664"/>
+            <a:ext cx="8229600" cy="657550"/>
           </a:xfrm>
         </p:spPr>
         <p:txBody>
-          <a:bodyPr>
-            <a:normAutofit fontScale="90000"/>
+          <a:bodyPr lIns="82945" tIns="41473" rIns="82945" bIns="41473"/>
+          <a:lstStyle/>
+          <a:p>
+            <a:r>
+              <a:rPr lang="en-GB" sz="3600" noProof="0" dirty="0" err="1" smtClean="0"/>
+              <a:t>FastQ</a:t>
+            </a:r>
+            <a:r>
+              <a:rPr lang="en-GB" sz="3600" noProof="0" dirty="0" smtClean="0"/>
+              <a:t> format</a:t>
+            </a:r>
+            <a:endParaRPr lang="en-GB" sz="3600" noProof="0" dirty="0"/>
+          </a:p>
+        </p:txBody>
+      </p:sp>
+      <p:sp>
+        <p:nvSpPr>
+          <p:cNvPr id="3" name="Content Placeholder 2"/>
+          <p:cNvSpPr>
+            <a:spLocks noGrp="1"/>
+          </p:cNvSpPr>
+          <p:nvPr>
+            <p:ph idx="1"/>
+          </p:nvPr>
+        </p:nvSpPr>
+        <p:spPr>
+          <a:xfrm>
+            <a:off x="755576" y="1484784"/>
+            <a:ext cx="7678080" cy="4234342"/>
+          </a:xfrm>
+        </p:spPr>
+        <p:txBody>
+          <a:bodyPr lIns="82945" tIns="41473" rIns="82945" bIns="41473">
+            <a:normAutofit fontScale="85000" lnSpcReduction="10000"/>
           </a:bodyPr>
           <a:lstStyle/>
           <a:p>
-            <a:r>
-              <a:rPr lang="en-US" dirty="0" smtClean="0"/>
-              <a:t>Somatic variant </a:t>
-            </a:r>
-            <a:r>
-              <a:rPr lang="en-US" dirty="0"/>
-              <a:t>calling </a:t>
-            </a:r>
-            <a:br>
-              <a:rPr lang="en-US" dirty="0"/>
-            </a:br>
-            <a:r>
-              <a:rPr lang="en-US" dirty="0"/>
-              <a:t>Workflow</a:t>
-            </a:r>
+            <a:pPr marL="65298" indent="0">
+              <a:buNone/>
+            </a:pPr>
+            <a:r>
+              <a:rPr lang="en-GB" sz="1900" dirty="0"/>
+              <a:t>FASTQ format is a text-based format for storing both a nucleotide sequence and its corresponding quality scores. </a:t>
+            </a:r>
+            <a:endParaRPr lang="en-GB" sz="1900" dirty="0">
+              <a:solidFill>
+                <a:srgbClr val="FF0000"/>
+              </a:solidFill>
+            </a:endParaRPr>
+          </a:p>
+          <a:p>
+            <a:pPr marL="0" indent="0">
+              <a:spcBef>
+                <a:spcPts val="0"/>
+              </a:spcBef>
+              <a:buNone/>
+            </a:pPr>
+            <a:endParaRPr lang="en-GB" sz="1900" dirty="0">
+              <a:solidFill>
+                <a:srgbClr val="FF0000"/>
+              </a:solidFill>
+              <a:latin typeface="Courier New"/>
+              <a:cs typeface="Courier New"/>
+            </a:endParaRPr>
+          </a:p>
+          <a:p>
+            <a:pPr marL="0" indent="0">
+              <a:spcBef>
+                <a:spcPts val="0"/>
+              </a:spcBef>
+              <a:buNone/>
+            </a:pPr>
+            <a:r>
+              <a:rPr lang="en-GB" sz="1900" dirty="0">
+                <a:solidFill>
+                  <a:srgbClr val="FF0000"/>
+                </a:solidFill>
+                <a:latin typeface="Courier New"/>
+                <a:cs typeface="Courier New"/>
+              </a:rPr>
+              <a:t>@HWUSI-EAS100R:6:73:941:1973#0/1</a:t>
+            </a:r>
+          </a:p>
+          <a:p>
+            <a:pPr marL="0" indent="0">
+              <a:spcBef>
+                <a:spcPts val="0"/>
+              </a:spcBef>
+              <a:buNone/>
+            </a:pPr>
+            <a:r>
+              <a:rPr lang="en-GB" sz="1900" dirty="0">
+                <a:solidFill>
+                  <a:srgbClr val="FF0000"/>
+                </a:solidFill>
+                <a:latin typeface="Courier New"/>
+                <a:cs typeface="Courier New"/>
+              </a:rPr>
+              <a:t>GATTTGGGGTTCAAAGCAGTATCGATCAAATAGTAAATCCATTTGTTCAACTCACAGTTT</a:t>
+            </a:r>
+          </a:p>
+          <a:p>
+            <a:pPr marL="0" indent="0">
+              <a:spcBef>
+                <a:spcPts val="0"/>
+              </a:spcBef>
+              <a:buNone/>
+            </a:pPr>
+            <a:r>
+              <a:rPr lang="en-GB" sz="1900" dirty="0">
+                <a:solidFill>
+                  <a:srgbClr val="FF0000"/>
+                </a:solidFill>
+                <a:latin typeface="Courier New"/>
+                <a:cs typeface="Courier New"/>
+              </a:rPr>
+              <a:t>+</a:t>
+            </a:r>
+          </a:p>
+          <a:p>
+            <a:pPr marL="0" indent="0">
+              <a:spcBef>
+                <a:spcPts val="0"/>
+              </a:spcBef>
+              <a:buNone/>
+            </a:pPr>
+            <a:r>
+              <a:rPr lang="en-GB" sz="1900" dirty="0">
+                <a:solidFill>
+                  <a:srgbClr val="FF0000"/>
+                </a:solidFill>
+                <a:latin typeface="Courier New"/>
+                <a:cs typeface="Courier New"/>
+              </a:rPr>
+              <a:t>!''*((((***+))%%%++)(%%%%).1***-+*''))**55CCF&gt;&gt;&gt;&gt;&gt;&gt;CCCCCCC65</a:t>
+            </a:r>
+          </a:p>
+          <a:p>
+            <a:pPr marL="0" indent="0">
+              <a:spcBef>
+                <a:spcPts val="0"/>
+              </a:spcBef>
+              <a:spcAft>
+                <a:spcPts val="544"/>
+              </a:spcAft>
+              <a:buNone/>
+            </a:pPr>
+            <a:endParaRPr lang="en-GB" sz="1900" dirty="0">
+              <a:latin typeface="Courier New"/>
+              <a:cs typeface="Courier New"/>
+            </a:endParaRPr>
+          </a:p>
+          <a:p>
+            <a:pPr marL="65298" indent="0">
+              <a:spcBef>
+                <a:spcPts val="454"/>
+              </a:spcBef>
+              <a:spcAft>
+                <a:spcPts val="544"/>
+              </a:spcAft>
+              <a:buNone/>
+            </a:pPr>
+            <a:r>
+              <a:rPr lang="en-GB" sz="1900" dirty="0"/>
+              <a:t>1</a:t>
+            </a:r>
+            <a:r>
+              <a:rPr lang="en-GB" sz="1900" baseline="30000" dirty="0"/>
+              <a:t>st</a:t>
+            </a:r>
+            <a:r>
+              <a:rPr lang="en-GB" sz="1900" dirty="0"/>
+              <a:t> row: sequence identifier (machine ID, x-y coordinates, additional info)</a:t>
+            </a:r>
+          </a:p>
+          <a:p>
+            <a:pPr marL="65298" indent="0">
+              <a:spcBef>
+                <a:spcPts val="454"/>
+              </a:spcBef>
+              <a:spcAft>
+                <a:spcPts val="544"/>
+              </a:spcAft>
+              <a:buNone/>
+            </a:pPr>
+            <a:r>
+              <a:rPr lang="en-GB" sz="1900" dirty="0"/>
+              <a:t>2</a:t>
+            </a:r>
+            <a:r>
+              <a:rPr lang="en-GB" sz="1900" baseline="30000" dirty="0"/>
+              <a:t>nd</a:t>
+            </a:r>
+            <a:r>
+              <a:rPr lang="en-GB" sz="1900" dirty="0"/>
+              <a:t> row: The actual sequence</a:t>
+            </a:r>
+          </a:p>
+          <a:p>
+            <a:pPr marL="65298" indent="0">
+              <a:spcBef>
+                <a:spcPts val="454"/>
+              </a:spcBef>
+              <a:spcAft>
+                <a:spcPts val="544"/>
+              </a:spcAft>
+              <a:buNone/>
+            </a:pPr>
+            <a:r>
+              <a:rPr lang="en-GB" sz="1900" dirty="0"/>
+              <a:t>3</a:t>
+            </a:r>
+            <a:r>
+              <a:rPr lang="en-GB" sz="1900" baseline="30000" dirty="0"/>
+              <a:t>rd</a:t>
+            </a:r>
+            <a:r>
+              <a:rPr lang="en-GB" sz="1900" dirty="0"/>
+              <a:t> row: starts with “+” and optionally the same identifier as in the 1</a:t>
+            </a:r>
+            <a:r>
+              <a:rPr lang="en-GB" sz="1900" baseline="30000" dirty="0"/>
+              <a:t>st</a:t>
+            </a:r>
+            <a:r>
+              <a:rPr lang="en-GB" sz="1900" dirty="0"/>
+              <a:t> row</a:t>
+            </a:r>
+          </a:p>
+          <a:p>
+            <a:pPr marL="65298" indent="0">
+              <a:spcBef>
+                <a:spcPts val="454"/>
+              </a:spcBef>
+              <a:spcAft>
+                <a:spcPts val="544"/>
+              </a:spcAft>
+              <a:buNone/>
+            </a:pPr>
+            <a:r>
+              <a:rPr lang="en-GB" sz="1900" dirty="0"/>
+              <a:t>4</a:t>
+            </a:r>
+            <a:r>
+              <a:rPr lang="en-GB" sz="1900" baseline="30000" dirty="0"/>
+              <a:t>th</a:t>
+            </a:r>
+            <a:r>
+              <a:rPr lang="en-GB" sz="1900" dirty="0"/>
+              <a:t> row: Quality score for each base in read	</a:t>
+            </a:r>
+          </a:p>
+          <a:p>
+            <a:pPr marL="65298" indent="0">
+              <a:spcBef>
+                <a:spcPts val="454"/>
+              </a:spcBef>
+              <a:spcAft>
+                <a:spcPts val="544"/>
+              </a:spcAft>
+              <a:buNone/>
+            </a:pPr>
+            <a:r>
+              <a:rPr lang="en-GB" sz="1900" dirty="0"/>
+              <a:t>Quality score: ASCII representation of score for each base (i.e. the probability that the corresponding base call is incorrect.) Platform specific scaling!</a:t>
+            </a:r>
+          </a:p>
+          <a:p>
+            <a:pPr marL="65298" indent="0">
+              <a:spcBef>
+                <a:spcPts val="454"/>
+              </a:spcBef>
+              <a:spcAft>
+                <a:spcPts val="544"/>
+              </a:spcAft>
+              <a:buNone/>
+            </a:pPr>
+            <a:r>
+              <a:rPr lang="en-GB" sz="1900" dirty="0"/>
+              <a:t>For more info: http://</a:t>
+            </a:r>
+            <a:r>
+              <a:rPr lang="en-GB" sz="1900" dirty="0" err="1"/>
+              <a:t>en.wikipedia.org</a:t>
+            </a:r>
+            <a:r>
+              <a:rPr lang="en-GB" sz="1900" dirty="0"/>
+              <a:t>/wiki/</a:t>
+            </a:r>
+            <a:r>
+              <a:rPr lang="en-GB" sz="1900" dirty="0" err="1"/>
+              <a:t>FASTQ_format</a:t>
+            </a:r>
+            <a:endParaRPr lang="en-GB" sz="1900" dirty="0"/>
+          </a:p>
+          <a:p>
+            <a:pPr marL="65298" indent="0">
+              <a:buNone/>
+            </a:pPr>
+            <a:endParaRPr lang="en-GB" sz="1900" dirty="0"/>
+          </a:p>
+          <a:p>
+            <a:pPr marL="65298" indent="0">
+              <a:buNone/>
+            </a:pPr>
+            <a:endParaRPr lang="en-GB" sz="1600" dirty="0"/>
           </a:p>
         </p:txBody>
       </p:sp>
     </p:spTree>
     <p:extLst>
       <p:ext uri="{BB962C8B-B14F-4D97-AF65-F5344CB8AC3E}">
-        <p14:creationId xmlns:p14="http://schemas.microsoft.com/office/powerpoint/2010/main" val="2577380534"/>
+        <p14:creationId xmlns:p14="http://schemas.microsoft.com/office/powerpoint/2010/main" val="1324641791"/>
       </p:ext>
     </p:extLst>
   </p:cSld>
   <p:clrMapOvr>
     <a:masterClrMapping/>
   </p:clrMapOvr>
+  <mc:AlternateContent xmlns:mc="http://schemas.openxmlformats.org/markup-compatibility/2006" xmlns:p14="http://schemas.microsoft.com/office/powerpoint/2010/main">
+    <mc:Choice Requires="p14">
+      <p:transition spd="slow" p14:dur="2000"/>
+    </mc:Choice>
+    <mc:Fallback xmlns="">
+      <p:transition xmlns:p14="http://schemas.microsoft.com/office/powerpoint/2010/main" spd="slow"/>
+    </mc:Fallback>
+  </mc:AlternateContent>
   <p:timing>
     <p:tnLst>
       <p:par>
@@ -8505,459 +8645,6 @@
             <p:ph type="title"/>
           </p:nvPr>
         </p:nvSpPr>
-        <p:spPr>
-          <a:xfrm>
-            <a:off x="457200" y="2026813"/>
-            <a:ext cx="8229600" cy="1143000"/>
-          </a:xfrm>
-        </p:spPr>
-        <p:txBody>
-          <a:bodyPr>
-            <a:normAutofit fontScale="90000"/>
-          </a:bodyPr>
-          <a:lstStyle/>
-          <a:p>
-            <a:r>
-              <a:rPr lang="en-US" dirty="0" smtClean="0"/>
-              <a:t>First…</a:t>
-            </a:r>
-            <a:br>
-              <a:rPr lang="en-US" dirty="0" smtClean="0"/>
-            </a:br>
-            <a:r>
-              <a:rPr lang="en-US" dirty="0" smtClean="0"/>
-              <a:t>recap of </a:t>
-            </a:r>
-            <a:r>
-              <a:rPr lang="en-US" dirty="0" err="1" smtClean="0"/>
-              <a:t>germline</a:t>
-            </a:r>
-            <a:r>
-              <a:rPr lang="en-US" dirty="0" smtClean="0"/>
-              <a:t> variant calling workflow</a:t>
-            </a:r>
-            <a:endParaRPr lang="en-US" dirty="0"/>
-          </a:p>
-        </p:txBody>
-      </p:sp>
-    </p:spTree>
-    <p:extLst>
-      <p:ext uri="{BB962C8B-B14F-4D97-AF65-F5344CB8AC3E}">
-        <p14:creationId xmlns:p14="http://schemas.microsoft.com/office/powerpoint/2010/main" val="3439845388"/>
-      </p:ext>
-    </p:extLst>
-  </p:cSld>
-  <p:clrMapOvr>
-    <a:masterClrMapping/>
-  </p:clrMapOvr>
-  <p:timing>
-    <p:tnLst>
-      <p:par>
-        <p:cTn xmlns:p14="http://schemas.microsoft.com/office/powerpoint/2010/main" id="1" dur="indefinite" restart="never" nodeType="tmRoot"/>
-      </p:par>
-    </p:tnLst>
-  </p:timing>
-</p:sld>
-</file>
-
-<file path=ppt/slides/slide26.xml><?xml version="1.0" encoding="utf-8"?>
-<p:sld xmlns:a="http://schemas.openxmlformats.org/drawingml/2006/main" xmlns:r="http://schemas.openxmlformats.org/officeDocument/2006/relationships" xmlns:p="http://schemas.openxmlformats.org/presentationml/2006/main">
-  <p:cSld>
-    <p:spTree>
-      <p:nvGrpSpPr>
-        <p:cNvPr id="1" name=""/>
-        <p:cNvGrpSpPr/>
-        <p:nvPr/>
-      </p:nvGrpSpPr>
-      <p:grpSpPr>
-        <a:xfrm>
-          <a:off x="0" y="0"/>
-          <a:ext cx="0" cy="0"/>
-          <a:chOff x="0" y="0"/>
-          <a:chExt cx="0" cy="0"/>
-        </a:xfrm>
-      </p:grpSpPr>
-      <p:sp>
-        <p:nvSpPr>
-          <p:cNvPr id="2" name="Title 1"/>
-          <p:cNvSpPr>
-            <a:spLocks noGrp="1"/>
-          </p:cNvSpPr>
-          <p:nvPr>
-            <p:ph type="title"/>
-          </p:nvPr>
-        </p:nvSpPr>
-        <p:spPr>
-          <a:xfrm>
-            <a:off x="467544" y="404664"/>
-            <a:ext cx="8229600" cy="657550"/>
-          </a:xfrm>
-        </p:spPr>
-        <p:txBody>
-          <a:bodyPr lIns="82945" tIns="41473" rIns="82945" bIns="41473"/>
-          <a:lstStyle/>
-          <a:p>
-            <a:r>
-              <a:rPr lang="en-GB" sz="3600" noProof="0" dirty="0" err="1" smtClean="0"/>
-              <a:t>FastQ</a:t>
-            </a:r>
-            <a:r>
-              <a:rPr lang="en-GB" sz="3600" noProof="0" dirty="0" smtClean="0"/>
-              <a:t> format</a:t>
-            </a:r>
-            <a:endParaRPr lang="en-GB" sz="3600" noProof="0" dirty="0"/>
-          </a:p>
-        </p:txBody>
-      </p:sp>
-      <p:sp>
-        <p:nvSpPr>
-          <p:cNvPr id="3" name="Content Placeholder 2"/>
-          <p:cNvSpPr>
-            <a:spLocks noGrp="1"/>
-          </p:cNvSpPr>
-          <p:nvPr>
-            <p:ph idx="1"/>
-          </p:nvPr>
-        </p:nvSpPr>
-        <p:spPr>
-          <a:xfrm>
-            <a:off x="755576" y="1484784"/>
-            <a:ext cx="7678080" cy="4234342"/>
-          </a:xfrm>
-        </p:spPr>
-        <p:txBody>
-          <a:bodyPr lIns="82945" tIns="41473" rIns="82945" bIns="41473">
-            <a:normAutofit fontScale="85000" lnSpcReduction="10000"/>
-          </a:bodyPr>
-          <a:lstStyle/>
-          <a:p>
-            <a:pPr marL="65298" indent="0">
-              <a:buNone/>
-            </a:pPr>
-            <a:r>
-              <a:rPr lang="en-GB" sz="1900" dirty="0"/>
-              <a:t>FASTQ format is a text-based format for storing both a nucleotide sequence and its corresponding quality scores. </a:t>
-            </a:r>
-            <a:endParaRPr lang="en-GB" sz="1900" dirty="0">
-              <a:solidFill>
-                <a:srgbClr val="FF0000"/>
-              </a:solidFill>
-            </a:endParaRPr>
-          </a:p>
-          <a:p>
-            <a:pPr marL="0" indent="0">
-              <a:spcBef>
-                <a:spcPts val="0"/>
-              </a:spcBef>
-              <a:buNone/>
-            </a:pPr>
-            <a:endParaRPr lang="en-GB" sz="1900" dirty="0">
-              <a:solidFill>
-                <a:srgbClr val="FF0000"/>
-              </a:solidFill>
-              <a:latin typeface="Courier New"/>
-              <a:cs typeface="Courier New"/>
-            </a:endParaRPr>
-          </a:p>
-          <a:p>
-            <a:pPr marL="0" indent="0">
-              <a:spcBef>
-                <a:spcPts val="0"/>
-              </a:spcBef>
-              <a:buNone/>
-            </a:pPr>
-            <a:r>
-              <a:rPr lang="en-GB" sz="1900" dirty="0">
-                <a:solidFill>
-                  <a:srgbClr val="FF0000"/>
-                </a:solidFill>
-                <a:latin typeface="Courier New"/>
-                <a:cs typeface="Courier New"/>
-              </a:rPr>
-              <a:t>@HWUSI-EAS100R:6:73:941:1973#0/1</a:t>
-            </a:r>
-          </a:p>
-          <a:p>
-            <a:pPr marL="0" indent="0">
-              <a:spcBef>
-                <a:spcPts val="0"/>
-              </a:spcBef>
-              <a:buNone/>
-            </a:pPr>
-            <a:r>
-              <a:rPr lang="en-GB" sz="1900" dirty="0">
-                <a:solidFill>
-                  <a:srgbClr val="FF0000"/>
-                </a:solidFill>
-                <a:latin typeface="Courier New"/>
-                <a:cs typeface="Courier New"/>
-              </a:rPr>
-              <a:t>GATTTGGGGTTCAAAGCAGTATCGATCAAATAGTAAATCCATTTGTTCAACTCACAGTTT</a:t>
-            </a:r>
-          </a:p>
-          <a:p>
-            <a:pPr marL="0" indent="0">
-              <a:spcBef>
-                <a:spcPts val="0"/>
-              </a:spcBef>
-              <a:buNone/>
-            </a:pPr>
-            <a:r>
-              <a:rPr lang="en-GB" sz="1900" dirty="0">
-                <a:solidFill>
-                  <a:srgbClr val="FF0000"/>
-                </a:solidFill>
-                <a:latin typeface="Courier New"/>
-                <a:cs typeface="Courier New"/>
-              </a:rPr>
-              <a:t>+</a:t>
-            </a:r>
-          </a:p>
-          <a:p>
-            <a:pPr marL="0" indent="0">
-              <a:spcBef>
-                <a:spcPts val="0"/>
-              </a:spcBef>
-              <a:buNone/>
-            </a:pPr>
-            <a:r>
-              <a:rPr lang="en-GB" sz="1900" dirty="0">
-                <a:solidFill>
-                  <a:srgbClr val="FF0000"/>
-                </a:solidFill>
-                <a:latin typeface="Courier New"/>
-                <a:cs typeface="Courier New"/>
-              </a:rPr>
-              <a:t>!''*((((***+))%%%++)(%%%%).1***-+*''))**55CCF&gt;&gt;&gt;&gt;&gt;&gt;CCCCCCC65</a:t>
-            </a:r>
-          </a:p>
-          <a:p>
-            <a:pPr marL="0" indent="0">
-              <a:spcBef>
-                <a:spcPts val="0"/>
-              </a:spcBef>
-              <a:spcAft>
-                <a:spcPts val="544"/>
-              </a:spcAft>
-              <a:buNone/>
-            </a:pPr>
-            <a:endParaRPr lang="en-GB" sz="1900" dirty="0">
-              <a:latin typeface="Courier New"/>
-              <a:cs typeface="Courier New"/>
-            </a:endParaRPr>
-          </a:p>
-          <a:p>
-            <a:pPr marL="65298" indent="0">
-              <a:spcBef>
-                <a:spcPts val="454"/>
-              </a:spcBef>
-              <a:spcAft>
-                <a:spcPts val="544"/>
-              </a:spcAft>
-              <a:buNone/>
-            </a:pPr>
-            <a:r>
-              <a:rPr lang="en-GB" sz="1900" dirty="0"/>
-              <a:t>1</a:t>
-            </a:r>
-            <a:r>
-              <a:rPr lang="en-GB" sz="1900" baseline="30000" dirty="0"/>
-              <a:t>st</a:t>
-            </a:r>
-            <a:r>
-              <a:rPr lang="en-GB" sz="1900" dirty="0"/>
-              <a:t> row: sequence identifier (machine ID, x-y coordinates, additional info)</a:t>
-            </a:r>
-          </a:p>
-          <a:p>
-            <a:pPr marL="65298" indent="0">
-              <a:spcBef>
-                <a:spcPts val="454"/>
-              </a:spcBef>
-              <a:spcAft>
-                <a:spcPts val="544"/>
-              </a:spcAft>
-              <a:buNone/>
-            </a:pPr>
-            <a:r>
-              <a:rPr lang="en-GB" sz="1900" dirty="0"/>
-              <a:t>2</a:t>
-            </a:r>
-            <a:r>
-              <a:rPr lang="en-GB" sz="1900" baseline="30000" dirty="0"/>
-              <a:t>nd</a:t>
-            </a:r>
-            <a:r>
-              <a:rPr lang="en-GB" sz="1900" dirty="0"/>
-              <a:t> row: The actual sequence</a:t>
-            </a:r>
-          </a:p>
-          <a:p>
-            <a:pPr marL="65298" indent="0">
-              <a:spcBef>
-                <a:spcPts val="454"/>
-              </a:spcBef>
-              <a:spcAft>
-                <a:spcPts val="544"/>
-              </a:spcAft>
-              <a:buNone/>
-            </a:pPr>
-            <a:r>
-              <a:rPr lang="en-GB" sz="1900" dirty="0"/>
-              <a:t>3</a:t>
-            </a:r>
-            <a:r>
-              <a:rPr lang="en-GB" sz="1900" baseline="30000" dirty="0"/>
-              <a:t>rd</a:t>
-            </a:r>
-            <a:r>
-              <a:rPr lang="en-GB" sz="1900" dirty="0"/>
-              <a:t> row: starts with “+” and optionally the same identifier as in the 1</a:t>
-            </a:r>
-            <a:r>
-              <a:rPr lang="en-GB" sz="1900" baseline="30000" dirty="0"/>
-              <a:t>st</a:t>
-            </a:r>
-            <a:r>
-              <a:rPr lang="en-GB" sz="1900" dirty="0"/>
-              <a:t> row</a:t>
-            </a:r>
-          </a:p>
-          <a:p>
-            <a:pPr marL="65298" indent="0">
-              <a:spcBef>
-                <a:spcPts val="454"/>
-              </a:spcBef>
-              <a:spcAft>
-                <a:spcPts val="544"/>
-              </a:spcAft>
-              <a:buNone/>
-            </a:pPr>
-            <a:r>
-              <a:rPr lang="en-GB" sz="1900" dirty="0"/>
-              <a:t>4</a:t>
-            </a:r>
-            <a:r>
-              <a:rPr lang="en-GB" sz="1900" baseline="30000" dirty="0"/>
-              <a:t>th</a:t>
-            </a:r>
-            <a:r>
-              <a:rPr lang="en-GB" sz="1900" dirty="0"/>
-              <a:t> row: Quality score for each base in read	</a:t>
-            </a:r>
-          </a:p>
-          <a:p>
-            <a:pPr marL="65298" indent="0">
-              <a:spcBef>
-                <a:spcPts val="454"/>
-              </a:spcBef>
-              <a:spcAft>
-                <a:spcPts val="544"/>
-              </a:spcAft>
-              <a:buNone/>
-            </a:pPr>
-            <a:r>
-              <a:rPr lang="en-GB" sz="1900" dirty="0"/>
-              <a:t>Quality score: ASCII representation of score for each base (i.e. the probability that the corresponding base call is incorrect.) Platform specific scaling!</a:t>
-            </a:r>
-          </a:p>
-          <a:p>
-            <a:pPr marL="65298" indent="0">
-              <a:spcBef>
-                <a:spcPts val="454"/>
-              </a:spcBef>
-              <a:spcAft>
-                <a:spcPts val="544"/>
-              </a:spcAft>
-              <a:buNone/>
-            </a:pPr>
-            <a:r>
-              <a:rPr lang="en-GB" sz="1900" dirty="0"/>
-              <a:t>For more info: http://</a:t>
-            </a:r>
-            <a:r>
-              <a:rPr lang="en-GB" sz="1900" dirty="0" err="1"/>
-              <a:t>en.wikipedia.org</a:t>
-            </a:r>
-            <a:r>
-              <a:rPr lang="en-GB" sz="1900" dirty="0"/>
-              <a:t>/wiki/</a:t>
-            </a:r>
-            <a:r>
-              <a:rPr lang="en-GB" sz="1900" dirty="0" err="1"/>
-              <a:t>FASTQ_format</a:t>
-            </a:r>
-            <a:endParaRPr lang="en-GB" sz="1900" dirty="0"/>
-          </a:p>
-          <a:p>
-            <a:pPr marL="65298" indent="0">
-              <a:buNone/>
-            </a:pPr>
-            <a:endParaRPr lang="en-GB" sz="1900" dirty="0"/>
-          </a:p>
-          <a:p>
-            <a:pPr marL="65298" indent="0">
-              <a:buNone/>
-            </a:pPr>
-            <a:endParaRPr lang="en-GB" sz="1600" dirty="0"/>
-          </a:p>
-        </p:txBody>
-      </p:sp>
-    </p:spTree>
-    <p:extLst>
-      <p:ext uri="{BB962C8B-B14F-4D97-AF65-F5344CB8AC3E}">
-        <p14:creationId xmlns:p14="http://schemas.microsoft.com/office/powerpoint/2010/main" val="1324641791"/>
-      </p:ext>
-    </p:extLst>
-  </p:cSld>
-  <p:clrMapOvr>
-    <a:masterClrMapping/>
-  </p:clrMapOvr>
-  <mc:AlternateContent xmlns:mc="http://schemas.openxmlformats.org/markup-compatibility/2006" xmlns:p14="http://schemas.microsoft.com/office/powerpoint/2010/main">
-    <mc:Choice Requires="p14">
-      <p:transition spd="slow" p14:dur="2000"/>
-    </mc:Choice>
-    <mc:Fallback xmlns="">
-      <p:transition xmlns:p14="http://schemas.microsoft.com/office/powerpoint/2010/main" spd="slow"/>
-    </mc:Fallback>
-  </mc:AlternateContent>
-  <p:timing>
-    <p:tnLst>
-      <p:par>
-        <p:cTn xmlns:p14="http://schemas.microsoft.com/office/powerpoint/2010/main" id="1" dur="indefinite" restart="never" nodeType="tmRoot"/>
-      </p:par>
-    </p:tnLst>
-  </p:timing>
-</p:sld>
-</file>
-
-<file path=ppt/slides/slide27.xml><?xml version="1.0" encoding="utf-8"?>
-<p:sld xmlns:a="http://schemas.openxmlformats.org/drawingml/2006/main" xmlns:r="http://schemas.openxmlformats.org/officeDocument/2006/relationships" xmlns:p="http://schemas.openxmlformats.org/presentationml/2006/main">
-  <p:cSld>
-    <p:spTree>
-      <p:nvGrpSpPr>
-        <p:cNvPr id="1" name=""/>
-        <p:cNvGrpSpPr/>
-        <p:nvPr/>
-      </p:nvGrpSpPr>
-      <p:grpSpPr>
-        <a:xfrm>
-          <a:off x="0" y="0"/>
-          <a:ext cx="0" cy="0"/>
-          <a:chOff x="0" y="0"/>
-          <a:chExt cx="0" cy="0"/>
-        </a:xfrm>
-      </p:grpSpPr>
-      <p:sp>
-        <p:nvSpPr>
-          <p:cNvPr id="2" name="Title 1"/>
-          <p:cNvSpPr>
-            <a:spLocks noGrp="1"/>
-          </p:cNvSpPr>
-          <p:nvPr>
-            <p:ph type="title"/>
-          </p:nvPr>
-        </p:nvSpPr>
         <p:spPr/>
         <p:txBody>
           <a:bodyPr/>
@@ -9507,7 +9194,7 @@
             <a:fld id="{EF15D6EA-EBF7-4C2E-A1CC-C279B7E6D53A}" type="slidenum">
               <a:rPr lang="en-GB" smtClean="0"/>
               <a:pPr/>
-              <a:t>27</a:t>
+              <a:t>25</a:t>
             </a:fld>
             <a:endParaRPr lang="en-GB" dirty="0"/>
           </a:p>
@@ -9585,7 +9272,7 @@
 </p:sld>
 </file>
 
-<file path=ppt/slides/slide28.xml><?xml version="1.0" encoding="utf-8"?>
+<file path=ppt/slides/slide26.xml><?xml version="1.0" encoding="utf-8"?>
 <p:sld xmlns:a="http://schemas.openxmlformats.org/drawingml/2006/main" xmlns:r="http://schemas.openxmlformats.org/officeDocument/2006/relationships" xmlns:p="http://schemas.openxmlformats.org/presentationml/2006/main">
   <p:cSld>
     <p:spTree>
@@ -9674,7 +9361,7 @@
 </p:sld>
 </file>
 
-<file path=ppt/slides/slide29.xml><?xml version="1.0" encoding="utf-8"?>
+<file path=ppt/slides/slide27.xml><?xml version="1.0" encoding="utf-8"?>
 <p:sld xmlns:a="http://schemas.openxmlformats.org/drawingml/2006/main" xmlns:r="http://schemas.openxmlformats.org/officeDocument/2006/relationships" xmlns:p="http://schemas.openxmlformats.org/presentationml/2006/main">
   <p:cSld>
     <p:spTree>
@@ -9758,72 +9445,7 @@
 </p:sld>
 </file>
 
-<file path=ppt/slides/slide3.xml><?xml version="1.0" encoding="utf-8"?>
-<p:sld xmlns:a="http://schemas.openxmlformats.org/drawingml/2006/main" xmlns:r="http://schemas.openxmlformats.org/officeDocument/2006/relationships" xmlns:p="http://schemas.openxmlformats.org/presentationml/2006/main">
-  <p:cSld>
-    <p:spTree>
-      <p:nvGrpSpPr>
-        <p:cNvPr id="1" name=""/>
-        <p:cNvGrpSpPr/>
-        <p:nvPr/>
-      </p:nvGrpSpPr>
-      <p:grpSpPr>
-        <a:xfrm>
-          <a:off x="0" y="0"/>
-          <a:ext cx="0" cy="0"/>
-          <a:chOff x="0" y="0"/>
-          <a:chExt cx="0" cy="0"/>
-        </a:xfrm>
-      </p:grpSpPr>
-      <p:sp>
-        <p:nvSpPr>
-          <p:cNvPr id="2" name="Title 1"/>
-          <p:cNvSpPr>
-            <a:spLocks noGrp="1"/>
-          </p:cNvSpPr>
-          <p:nvPr>
-            <p:ph type="title"/>
-          </p:nvPr>
-        </p:nvSpPr>
-        <p:spPr>
-          <a:xfrm>
-            <a:off x="457200" y="2422786"/>
-            <a:ext cx="8229600" cy="1143000"/>
-          </a:xfrm>
-        </p:spPr>
-        <p:txBody>
-          <a:bodyPr/>
-          <a:lstStyle/>
-          <a:p>
-            <a:r>
-              <a:rPr lang="en-US" dirty="0" smtClean="0"/>
-              <a:t>Introduction</a:t>
-            </a:r>
-            <a:endParaRPr lang="en-US" dirty="0"/>
-          </a:p>
-        </p:txBody>
-      </p:sp>
-    </p:spTree>
-    <p:extLst>
-      <p:ext uri="{BB962C8B-B14F-4D97-AF65-F5344CB8AC3E}">
-        <p14:creationId xmlns:p14="http://schemas.microsoft.com/office/powerpoint/2010/main" val="779678424"/>
-      </p:ext>
-    </p:extLst>
-  </p:cSld>
-  <p:clrMapOvr>
-    <a:masterClrMapping/>
-  </p:clrMapOvr>
-  <p:timing>
-    <p:tnLst>
-      <p:par>
-        <p:cTn xmlns:p14="http://schemas.microsoft.com/office/powerpoint/2010/main" id="1" dur="indefinite" restart="never" nodeType="tmRoot"/>
-      </p:par>
-    </p:tnLst>
-  </p:timing>
-</p:sld>
-</file>
-
-<file path=ppt/slides/slide30.xml><?xml version="1.0" encoding="utf-8"?>
+<file path=ppt/slides/slide28.xml><?xml version="1.0" encoding="utf-8"?>
 <p:sld xmlns:a="http://schemas.openxmlformats.org/drawingml/2006/main" xmlns:r="http://schemas.openxmlformats.org/officeDocument/2006/relationships" xmlns:p="http://schemas.openxmlformats.org/presentationml/2006/main">
   <p:cSld>
     <p:spTree>
@@ -9897,7 +9519,7 @@
 </p:sld>
 </file>
 
-<file path=ppt/slides/slide31.xml><?xml version="1.0" encoding="utf-8"?>
+<file path=ppt/slides/slide29.xml><?xml version="1.0" encoding="utf-8"?>
 <p:sld xmlns:a="http://schemas.openxmlformats.org/drawingml/2006/main" xmlns:r="http://schemas.openxmlformats.org/officeDocument/2006/relationships" xmlns:p="http://schemas.openxmlformats.org/presentationml/2006/main">
   <p:cSld>
     <p:spTree>
@@ -9964,7 +9586,72 @@
 </p:sld>
 </file>
 
-<file path=ppt/slides/slide32.xml><?xml version="1.0" encoding="utf-8"?>
+<file path=ppt/slides/slide3.xml><?xml version="1.0" encoding="utf-8"?>
+<p:sld xmlns:a="http://schemas.openxmlformats.org/drawingml/2006/main" xmlns:r="http://schemas.openxmlformats.org/officeDocument/2006/relationships" xmlns:p="http://schemas.openxmlformats.org/presentationml/2006/main">
+  <p:cSld>
+    <p:spTree>
+      <p:nvGrpSpPr>
+        <p:cNvPr id="1" name=""/>
+        <p:cNvGrpSpPr/>
+        <p:nvPr/>
+      </p:nvGrpSpPr>
+      <p:grpSpPr>
+        <a:xfrm>
+          <a:off x="0" y="0"/>
+          <a:ext cx="0" cy="0"/>
+          <a:chOff x="0" y="0"/>
+          <a:chExt cx="0" cy="0"/>
+        </a:xfrm>
+      </p:grpSpPr>
+      <p:sp>
+        <p:nvSpPr>
+          <p:cNvPr id="2" name="Title 1"/>
+          <p:cNvSpPr>
+            <a:spLocks noGrp="1"/>
+          </p:cNvSpPr>
+          <p:nvPr>
+            <p:ph type="title"/>
+          </p:nvPr>
+        </p:nvSpPr>
+        <p:spPr>
+          <a:xfrm>
+            <a:off x="457200" y="2422786"/>
+            <a:ext cx="8229600" cy="1143000"/>
+          </a:xfrm>
+        </p:spPr>
+        <p:txBody>
+          <a:bodyPr/>
+          <a:lstStyle/>
+          <a:p>
+            <a:r>
+              <a:rPr lang="en-US" dirty="0" smtClean="0"/>
+              <a:t>Introduction</a:t>
+            </a:r>
+            <a:endParaRPr lang="en-US" dirty="0"/>
+          </a:p>
+        </p:txBody>
+      </p:sp>
+    </p:spTree>
+    <p:extLst>
+      <p:ext uri="{BB962C8B-B14F-4D97-AF65-F5344CB8AC3E}">
+        <p14:creationId xmlns:p14="http://schemas.microsoft.com/office/powerpoint/2010/main" val="779678424"/>
+      </p:ext>
+    </p:extLst>
+  </p:cSld>
+  <p:clrMapOvr>
+    <a:masterClrMapping/>
+  </p:clrMapOvr>
+  <p:timing>
+    <p:tnLst>
+      <p:par>
+        <p:cTn xmlns:p14="http://schemas.microsoft.com/office/powerpoint/2010/main" id="1" dur="indefinite" restart="never" nodeType="tmRoot"/>
+      </p:par>
+    </p:tnLst>
+  </p:timing>
+</p:sld>
+</file>
+
+<file path=ppt/slides/slide30.xml><?xml version="1.0" encoding="utf-8"?>
 <p:sld xmlns:a="http://schemas.openxmlformats.org/drawingml/2006/main" xmlns:r="http://schemas.openxmlformats.org/officeDocument/2006/relationships" xmlns:p="http://schemas.openxmlformats.org/presentationml/2006/main">
   <p:cSld>
     <p:spTree>
@@ -10092,7 +9779,7 @@
 </p:sld>
 </file>
 
-<file path=ppt/slides/slide33.xml><?xml version="1.0" encoding="utf-8"?>
+<file path=ppt/slides/slide31.xml><?xml version="1.0" encoding="utf-8"?>
 <p:sld xmlns:a="http://schemas.openxmlformats.org/drawingml/2006/main" xmlns:r="http://schemas.openxmlformats.org/officeDocument/2006/relationships" xmlns:p="http://schemas.openxmlformats.org/presentationml/2006/main">
   <p:cSld>
     <p:spTree>
@@ -10215,7 +9902,7 @@
 </p:sld>
 </file>
 
-<file path=ppt/slides/slide34.xml><?xml version="1.0" encoding="utf-8"?>
+<file path=ppt/slides/slide32.xml><?xml version="1.0" encoding="utf-8"?>
 <p:sld xmlns:a="http://schemas.openxmlformats.org/drawingml/2006/main" xmlns:r="http://schemas.openxmlformats.org/officeDocument/2006/relationships" xmlns:p="http://schemas.openxmlformats.org/presentationml/2006/main">
   <p:cSld>
     <p:spTree>
@@ -10899,7 +10586,7 @@
 </p:sld>
 </file>
 
-<file path=ppt/slides/slide35.xml><?xml version="1.0" encoding="utf-8"?>
+<file path=ppt/slides/slide33.xml><?xml version="1.0" encoding="utf-8"?>
 <p:sld xmlns:a="http://schemas.openxmlformats.org/drawingml/2006/main" xmlns:r="http://schemas.openxmlformats.org/officeDocument/2006/relationships" xmlns:p="http://schemas.openxmlformats.org/presentationml/2006/main">
   <p:cSld>
     <p:spTree>
@@ -11464,7 +11151,7 @@
 </p:sld>
 </file>
 
-<file path=ppt/slides/slide36.xml><?xml version="1.0" encoding="utf-8"?>
+<file path=ppt/slides/slide34.xml><?xml version="1.0" encoding="utf-8"?>
 <p:sld xmlns:a="http://schemas.openxmlformats.org/drawingml/2006/main" xmlns:r="http://schemas.openxmlformats.org/officeDocument/2006/relationships" xmlns:p="http://schemas.openxmlformats.org/presentationml/2006/main">
   <p:cSld>
     <p:spTree>
@@ -11607,7 +11294,7 @@
 </p:sld>
 </file>
 
-<file path=ppt/slides/slide37.xml><?xml version="1.0" encoding="utf-8"?>
+<file path=ppt/slides/slide35.xml><?xml version="1.0" encoding="utf-8"?>
 <p:sld xmlns:a="http://schemas.openxmlformats.org/drawingml/2006/main" xmlns:r="http://schemas.openxmlformats.org/officeDocument/2006/relationships" xmlns:p="http://schemas.openxmlformats.org/presentationml/2006/main">
   <p:cSld>
     <p:spTree>
@@ -11754,7 +11441,7 @@
 </p:sld>
 </file>
 
-<file path=ppt/slides/slide38.xml><?xml version="1.0" encoding="utf-8"?>
+<file path=ppt/slides/slide36.xml><?xml version="1.0" encoding="utf-8"?>
 <p:sld xmlns:a="http://schemas.openxmlformats.org/drawingml/2006/main" xmlns:r="http://schemas.openxmlformats.org/officeDocument/2006/relationships" xmlns:p="http://schemas.openxmlformats.org/presentationml/2006/main">
   <p:cSld>
     <p:spTree>
@@ -11942,7 +11629,7 @@
 </p:sld>
 </file>
 
-<file path=ppt/slides/slide39.xml><?xml version="1.0" encoding="utf-8"?>
+<file path=ppt/slides/slide37.xml><?xml version="1.0" encoding="utf-8"?>
 <p:sld xmlns:a="http://schemas.openxmlformats.org/drawingml/2006/main" xmlns:r="http://schemas.openxmlformats.org/officeDocument/2006/relationships" xmlns:p="http://schemas.openxmlformats.org/presentationml/2006/main">
   <p:cSld>
     <p:spTree>
@@ -12289,159 +11976,7 @@
 </p:sld>
 </file>
 
-<file path=ppt/slides/slide4.xml><?xml version="1.0" encoding="utf-8"?>
-<p:sld xmlns:a="http://schemas.openxmlformats.org/drawingml/2006/main" xmlns:r="http://schemas.openxmlformats.org/officeDocument/2006/relationships" xmlns:p="http://schemas.openxmlformats.org/presentationml/2006/main">
-  <p:cSld>
-    <p:spTree>
-      <p:nvGrpSpPr>
-        <p:cNvPr id="1" name=""/>
-        <p:cNvGrpSpPr/>
-        <p:nvPr/>
-      </p:nvGrpSpPr>
-      <p:grpSpPr>
-        <a:xfrm>
-          <a:off x="0" y="0"/>
-          <a:ext cx="0" cy="0"/>
-          <a:chOff x="0" y="0"/>
-          <a:chExt cx="0" cy="0"/>
-        </a:xfrm>
-      </p:grpSpPr>
-      <p:sp>
-        <p:nvSpPr>
-          <p:cNvPr id="2" name="Title 1"/>
-          <p:cNvSpPr>
-            <a:spLocks noGrp="1"/>
-          </p:cNvSpPr>
-          <p:nvPr>
-            <p:ph type="title"/>
-          </p:nvPr>
-        </p:nvSpPr>
-        <p:spPr/>
-        <p:txBody>
-          <a:bodyPr/>
-          <a:lstStyle/>
-          <a:p>
-            <a:r>
-              <a:rPr lang="en-US" dirty="0" smtClean="0"/>
-              <a:t>Somatic </a:t>
-            </a:r>
-            <a:r>
-              <a:rPr lang="en-US" dirty="0" err="1" smtClean="0"/>
-              <a:t>vs</a:t>
-            </a:r>
-            <a:r>
-              <a:rPr lang="en-US" dirty="0" smtClean="0"/>
-              <a:t> </a:t>
-            </a:r>
-            <a:r>
-              <a:rPr lang="en-US" dirty="0" err="1" smtClean="0"/>
-              <a:t>germline</a:t>
-            </a:r>
-            <a:r>
-              <a:rPr lang="en-US" dirty="0" smtClean="0"/>
-              <a:t> mutations</a:t>
-            </a:r>
-            <a:endParaRPr lang="en-US" dirty="0"/>
-          </a:p>
-        </p:txBody>
-      </p:sp>
-      <p:pic>
-        <p:nvPicPr>
-          <p:cNvPr id="8" name="Picture 7" descr="hosp-misc-ipactr6-1101.gif"/>
-          <p:cNvPicPr>
-            <a:picLocks noChangeAspect="1"/>
-          </p:cNvPicPr>
-          <p:nvPr/>
-        </p:nvPicPr>
-        <p:blipFill>
-          <a:blip r:embed="rId2">
-            <a:extLst>
-              <a:ext uri="{28A0092B-C50C-407E-A947-70E740481C1C}">
-                <a14:useLocalDpi xmlns:a14="http://schemas.microsoft.com/office/drawing/2010/main" val="0"/>
-              </a:ext>
-            </a:extLst>
-          </a:blip>
-          <a:stretch>
-            <a:fillRect/>
-          </a:stretch>
-        </p:blipFill>
-        <p:spPr>
-          <a:xfrm>
-            <a:off x="1714500" y="1793909"/>
-            <a:ext cx="5715000" cy="4318000"/>
-          </a:xfrm>
-          <a:prstGeom prst="rect">
-            <a:avLst/>
-          </a:prstGeom>
-        </p:spPr>
-      </p:pic>
-      <p:sp>
-        <p:nvSpPr>
-          <p:cNvPr id="9" name="Rectangle 8"/>
-          <p:cNvSpPr/>
-          <p:nvPr/>
-        </p:nvSpPr>
-        <p:spPr>
-          <a:xfrm>
-            <a:off x="2572837" y="5955787"/>
-            <a:ext cx="4161693" cy="461665"/>
-          </a:xfrm>
-          <a:prstGeom prst="rect">
-            <a:avLst/>
-          </a:prstGeom>
-          <a:solidFill>
-            <a:schemeClr val="bg1"/>
-          </a:solidFill>
-        </p:spPr>
-        <p:txBody>
-          <a:bodyPr wrap="square">
-            <a:spAutoFit/>
-          </a:bodyPr>
-          <a:lstStyle/>
-          <a:p>
-            <a:endParaRPr lang="en-US" sz="1200" dirty="0" smtClean="0"/>
-          </a:p>
-          <a:p>
-            <a:r>
-              <a:rPr lang="en-US" sz="1200" dirty="0" smtClean="0"/>
-              <a:t>https</a:t>
-            </a:r>
-            <a:r>
-              <a:rPr lang="en-US" sz="1200" dirty="0"/>
-              <a:t>://</a:t>
-            </a:r>
-            <a:r>
-              <a:rPr lang="en-US" sz="1200" dirty="0" err="1"/>
-              <a:t>www.stjude.org</a:t>
-            </a:r>
-            <a:r>
-              <a:rPr lang="en-US" sz="1200" dirty="0"/>
-              <a:t>/Images/hosp-misc-ipactr6-1101.gif</a:t>
-            </a:r>
-          </a:p>
-        </p:txBody>
-      </p:sp>
-    </p:spTree>
-    <p:extLst>
-      <p:ext uri="{BB962C8B-B14F-4D97-AF65-F5344CB8AC3E}">
-        <p14:creationId xmlns:p14="http://schemas.microsoft.com/office/powerpoint/2010/main" val="385104364"/>
-      </p:ext>
-    </p:extLst>
-  </p:cSld>
-  <p:clrMapOvr>
-    <a:masterClrMapping/>
-  </p:clrMapOvr>
-  <p:timing>
-    <p:tnLst>
-      <p:par>
-        <p:cTn xmlns:p14="http://schemas.microsoft.com/office/powerpoint/2010/main" id="1" dur="indefinite" restart="never" nodeType="tmRoot"/>
-      </p:par>
-    </p:tnLst>
-  </p:timing>
-</p:sld>
-</file>
-
-<file path=ppt/slides/slide40.xml><?xml version="1.0" encoding="utf-8"?>
+<file path=ppt/slides/slide38.xml><?xml version="1.0" encoding="utf-8"?>
 <p:sld xmlns:a="http://schemas.openxmlformats.org/drawingml/2006/main" xmlns:r="http://schemas.openxmlformats.org/officeDocument/2006/relationships" xmlns:p="http://schemas.openxmlformats.org/presentationml/2006/main">
   <p:cSld>
     <p:spTree>
@@ -19758,7 +19293,7 @@
 </p:sld>
 </file>
 
-<file path=ppt/slides/slide41.xml><?xml version="1.0" encoding="utf-8"?>
+<file path=ppt/slides/slide39.xml><?xml version="1.0" encoding="utf-8"?>
 <p:sld xmlns:a="http://schemas.openxmlformats.org/drawingml/2006/main" xmlns:r="http://schemas.openxmlformats.org/officeDocument/2006/relationships" xmlns:p="http://schemas.openxmlformats.org/presentationml/2006/main">
   <p:cSld>
     <p:spTree>
@@ -19811,6 +19346,158 @@
     <p:extLst>
       <p:ext uri="{BB962C8B-B14F-4D97-AF65-F5344CB8AC3E}">
         <p14:creationId xmlns:p14="http://schemas.microsoft.com/office/powerpoint/2010/main" val="1848229955"/>
+      </p:ext>
+    </p:extLst>
+  </p:cSld>
+  <p:clrMapOvr>
+    <a:masterClrMapping/>
+  </p:clrMapOvr>
+  <p:timing>
+    <p:tnLst>
+      <p:par>
+        <p:cTn xmlns:p14="http://schemas.microsoft.com/office/powerpoint/2010/main" id="1" dur="indefinite" restart="never" nodeType="tmRoot"/>
+      </p:par>
+    </p:tnLst>
+  </p:timing>
+</p:sld>
+</file>
+
+<file path=ppt/slides/slide4.xml><?xml version="1.0" encoding="utf-8"?>
+<p:sld xmlns:a="http://schemas.openxmlformats.org/drawingml/2006/main" xmlns:r="http://schemas.openxmlformats.org/officeDocument/2006/relationships" xmlns:p="http://schemas.openxmlformats.org/presentationml/2006/main">
+  <p:cSld>
+    <p:spTree>
+      <p:nvGrpSpPr>
+        <p:cNvPr id="1" name=""/>
+        <p:cNvGrpSpPr/>
+        <p:nvPr/>
+      </p:nvGrpSpPr>
+      <p:grpSpPr>
+        <a:xfrm>
+          <a:off x="0" y="0"/>
+          <a:ext cx="0" cy="0"/>
+          <a:chOff x="0" y="0"/>
+          <a:chExt cx="0" cy="0"/>
+        </a:xfrm>
+      </p:grpSpPr>
+      <p:sp>
+        <p:nvSpPr>
+          <p:cNvPr id="2" name="Title 1"/>
+          <p:cNvSpPr>
+            <a:spLocks noGrp="1"/>
+          </p:cNvSpPr>
+          <p:nvPr>
+            <p:ph type="title"/>
+          </p:nvPr>
+        </p:nvSpPr>
+        <p:spPr/>
+        <p:txBody>
+          <a:bodyPr/>
+          <a:lstStyle/>
+          <a:p>
+            <a:r>
+              <a:rPr lang="en-US" dirty="0" smtClean="0"/>
+              <a:t>Somatic </a:t>
+            </a:r>
+            <a:r>
+              <a:rPr lang="en-US" dirty="0" err="1" smtClean="0"/>
+              <a:t>vs</a:t>
+            </a:r>
+            <a:r>
+              <a:rPr lang="en-US" dirty="0" smtClean="0"/>
+              <a:t> </a:t>
+            </a:r>
+            <a:r>
+              <a:rPr lang="en-US" dirty="0" err="1" smtClean="0"/>
+              <a:t>germline</a:t>
+            </a:r>
+            <a:r>
+              <a:rPr lang="en-US" dirty="0" smtClean="0"/>
+              <a:t> mutations</a:t>
+            </a:r>
+            <a:endParaRPr lang="en-US" dirty="0"/>
+          </a:p>
+        </p:txBody>
+      </p:sp>
+      <p:pic>
+        <p:nvPicPr>
+          <p:cNvPr id="8" name="Picture 7" descr="hosp-misc-ipactr6-1101.gif"/>
+          <p:cNvPicPr>
+            <a:picLocks noChangeAspect="1"/>
+          </p:cNvPicPr>
+          <p:nvPr/>
+        </p:nvPicPr>
+        <p:blipFill>
+          <a:blip r:embed="rId2">
+            <a:extLst>
+              <a:ext uri="{28A0092B-C50C-407E-A947-70E740481C1C}">
+                <a14:useLocalDpi xmlns:a14="http://schemas.microsoft.com/office/drawing/2010/main" val="0"/>
+              </a:ext>
+            </a:extLst>
+          </a:blip>
+          <a:stretch>
+            <a:fillRect/>
+          </a:stretch>
+        </p:blipFill>
+        <p:spPr>
+          <a:xfrm>
+            <a:off x="1714500" y="1793909"/>
+            <a:ext cx="5715000" cy="4318000"/>
+          </a:xfrm>
+          <a:prstGeom prst="rect">
+            <a:avLst/>
+          </a:prstGeom>
+        </p:spPr>
+      </p:pic>
+      <p:sp>
+        <p:nvSpPr>
+          <p:cNvPr id="9" name="Rectangle 8"/>
+          <p:cNvSpPr/>
+          <p:nvPr/>
+        </p:nvSpPr>
+        <p:spPr>
+          <a:xfrm>
+            <a:off x="2572837" y="5955787"/>
+            <a:ext cx="4161693" cy="461665"/>
+          </a:xfrm>
+          <a:prstGeom prst="rect">
+            <a:avLst/>
+          </a:prstGeom>
+          <a:solidFill>
+            <a:schemeClr val="bg1"/>
+          </a:solidFill>
+        </p:spPr>
+        <p:txBody>
+          <a:bodyPr wrap="square">
+            <a:spAutoFit/>
+          </a:bodyPr>
+          <a:lstStyle/>
+          <a:p>
+            <a:endParaRPr lang="en-US" sz="1200" dirty="0" smtClean="0"/>
+          </a:p>
+          <a:p>
+            <a:r>
+              <a:rPr lang="en-US" sz="1200" dirty="0" smtClean="0"/>
+              <a:t>https</a:t>
+            </a:r>
+            <a:r>
+              <a:rPr lang="en-US" sz="1200" dirty="0"/>
+              <a:t>://</a:t>
+            </a:r>
+            <a:r>
+              <a:rPr lang="en-US" sz="1200" dirty="0" err="1"/>
+              <a:t>www.stjude.org</a:t>
+            </a:r>
+            <a:r>
+              <a:rPr lang="en-US" sz="1200" dirty="0"/>
+              <a:t>/Images/hosp-misc-ipactr6-1101.gif</a:t>
+            </a:r>
+          </a:p>
+        </p:txBody>
+      </p:sp>
+    </p:spTree>
+    <p:extLst>
+      <p:ext uri="{BB962C8B-B14F-4D97-AF65-F5344CB8AC3E}">
+        <p14:creationId xmlns:p14="http://schemas.microsoft.com/office/powerpoint/2010/main" val="385104364"/>
       </p:ext>
     </p:extLst>
   </p:cSld>
@@ -19964,191 +19651,6 @@
 </file>
 
 <file path=ppt/slides/slide6.xml><?xml version="1.0" encoding="utf-8"?>
-<p:sld xmlns:a="http://schemas.openxmlformats.org/drawingml/2006/main" xmlns:r="http://schemas.openxmlformats.org/officeDocument/2006/relationships" xmlns:p="http://schemas.openxmlformats.org/presentationml/2006/main" show="0">
-  <p:cSld>
-    <p:spTree>
-      <p:nvGrpSpPr>
-        <p:cNvPr id="1" name=""/>
-        <p:cNvGrpSpPr/>
-        <p:nvPr/>
-      </p:nvGrpSpPr>
-      <p:grpSpPr>
-        <a:xfrm>
-          <a:off x="0" y="0"/>
-          <a:ext cx="0" cy="0"/>
-          <a:chOff x="0" y="0"/>
-          <a:chExt cx="0" cy="0"/>
-        </a:xfrm>
-      </p:grpSpPr>
-      <p:pic>
-        <p:nvPicPr>
-          <p:cNvPr id="2" name="Picture 1"/>
-          <p:cNvPicPr>
-            <a:picLocks noChangeAspect="1"/>
-          </p:cNvPicPr>
-          <p:nvPr/>
-        </p:nvPicPr>
-        <p:blipFill>
-          <a:blip r:embed="rId2"/>
-          <a:stretch>
-            <a:fillRect/>
-          </a:stretch>
-        </p:blipFill>
-        <p:spPr>
-          <a:xfrm>
-            <a:off x="1549400" y="1803399"/>
-            <a:ext cx="5880100" cy="3538949"/>
-          </a:xfrm>
-          <a:prstGeom prst="rect">
-            <a:avLst/>
-          </a:prstGeom>
-        </p:spPr>
-      </p:pic>
-      <p:sp>
-        <p:nvSpPr>
-          <p:cNvPr id="3" name="TextBox 2"/>
-          <p:cNvSpPr txBox="1"/>
-          <p:nvPr/>
-        </p:nvSpPr>
-        <p:spPr>
-          <a:xfrm>
-            <a:off x="762000" y="5556250"/>
-            <a:ext cx="7531100" cy="1035050"/>
-          </a:xfrm>
-          <a:prstGeom prst="rect">
-            <a:avLst/>
-          </a:prstGeom>
-        </p:spPr>
-        <p:txBody>
-          <a:bodyPr/>
-          <a:lstStyle/>
-          <a:p>
-            <a:r>
-              <a:rPr lang="en-US" sz="1400" i="0" baseline="0" dirty="0" smtClean="0"/>
-              <a:t>The </a:t>
-            </a:r>
-            <a:r>
-              <a:rPr lang="en-US" sz="1400" i="0" baseline="0" dirty="0"/>
-              <a:t>Hallmarks of </a:t>
-            </a:r>
-            <a:r>
-              <a:rPr lang="en-US" sz="1400" i="0" baseline="0" dirty="0" err="1"/>
-              <a:t>CancerThis</a:t>
-            </a:r>
-            <a:r>
-              <a:rPr lang="en-US" sz="1400" i="0" baseline="0" dirty="0"/>
-              <a:t> illustration encompasses the six hallmark capabilities originally proposed </a:t>
-            </a:r>
-            <a:r>
-              <a:rPr lang="en-US" sz="1400" i="0" baseline="0" dirty="0" smtClean="0"/>
-              <a:t>by </a:t>
-            </a:r>
-            <a:r>
-              <a:rPr lang="en-US" sz="1400" i="0" baseline="0" dirty="0" err="1" smtClean="0"/>
-              <a:t>Hanahan</a:t>
-            </a:r>
-            <a:r>
-              <a:rPr lang="en-US" sz="1400" i="0" baseline="0" dirty="0" smtClean="0"/>
-              <a:t> et al 2000. </a:t>
-            </a:r>
-            <a:r>
-              <a:rPr lang="en-US" sz="1400" i="0" baseline="0" dirty="0"/>
-              <a:t>The past decade has witnessed remarkable progress toward understanding the mechanistic underpinnings of each hallmark</a:t>
-            </a:r>
-            <a:r>
-              <a:rPr lang="en-US" sz="1400" i="0" baseline="0" dirty="0" smtClean="0"/>
-              <a:t>.</a:t>
-            </a:r>
-          </a:p>
-          <a:p>
-            <a:r>
-              <a:rPr lang="en-US" sz="1400" dirty="0" err="1"/>
-              <a:t>Hanahan</a:t>
-            </a:r>
-            <a:r>
-              <a:rPr lang="en-US" sz="1400" dirty="0"/>
-              <a:t> and Weinberg, Hallmarks of Cancer: The Next Generation, Cell 2011</a:t>
-            </a:r>
-          </a:p>
-          <a:p>
-            <a:endParaRPr lang="en-US" sz="1000" i="0" baseline="0" dirty="0">
-              <a:latin typeface="Arial"/>
-            </a:endParaRPr>
-          </a:p>
-        </p:txBody>
-      </p:sp>
-      <p:sp>
-        <p:nvSpPr>
-          <p:cNvPr id="8" name="Rectangle 7"/>
-          <p:cNvSpPr/>
-          <p:nvPr/>
-        </p:nvSpPr>
-        <p:spPr>
-          <a:xfrm>
-            <a:off x="1295400" y="6038166"/>
-            <a:ext cx="6299200" cy="369332"/>
-          </a:xfrm>
-          <a:prstGeom prst="rect">
-            <a:avLst/>
-          </a:prstGeom>
-        </p:spPr>
-        <p:txBody>
-          <a:bodyPr wrap="square">
-            <a:spAutoFit/>
-          </a:bodyPr>
-          <a:lstStyle/>
-          <a:p>
-            <a:endParaRPr lang="en-US" dirty="0"/>
-          </a:p>
-        </p:txBody>
-      </p:sp>
-      <p:sp>
-        <p:nvSpPr>
-          <p:cNvPr id="9" name="Title 8"/>
-          <p:cNvSpPr>
-            <a:spLocks noGrp="1"/>
-          </p:cNvSpPr>
-          <p:nvPr>
-            <p:ph type="title"/>
-          </p:nvPr>
-        </p:nvSpPr>
-        <p:spPr/>
-        <p:txBody>
-          <a:bodyPr/>
-          <a:lstStyle/>
-          <a:p>
-            <a:r>
-              <a:rPr lang="en-US" dirty="0" smtClean="0"/>
-              <a:t>Hallmarks of Cancer</a:t>
-            </a:r>
-            <a:endParaRPr lang="en-US" dirty="0"/>
-          </a:p>
-        </p:txBody>
-      </p:sp>
-    </p:spTree>
-  </p:cSld>
-  <p:clrMapOvr>
-    <a:masterClrMapping/>
-  </p:clrMapOvr>
-  <mc:AlternateContent xmlns:mc="http://schemas.openxmlformats.org/markup-compatibility/2006">
-    <mc:Choice xmlns:p14="http://schemas.microsoft.com/office/powerpoint/2010/main" Requires="p14">
-      <p:transition spd="slow" p14:dur="2000"/>
-    </mc:Choice>
-    <mc:Fallback>
-      <p:transition xmlns:p14="http://schemas.microsoft.com/office/powerpoint/2010/main" spd="slow"/>
-    </mc:Fallback>
-  </mc:AlternateContent>
-  <p:timing>
-    <p:tnLst>
-      <p:par>
-        <p:cTn xmlns:p14="http://schemas.microsoft.com/office/powerpoint/2010/main" id="1" dur="indefinite" restart="never" nodeType="tmRoot"/>
-      </p:par>
-    </p:tnLst>
-  </p:timing>
-</p:sld>
-</file>
-
-<file path=ppt/slides/slide7.xml><?xml version="1.0" encoding="utf-8"?>
 <p:sld xmlns:a="http://schemas.openxmlformats.org/drawingml/2006/main" xmlns:r="http://schemas.openxmlformats.org/officeDocument/2006/relationships" xmlns:p="http://schemas.openxmlformats.org/presentationml/2006/main">
   <p:cSld>
     <p:spTree>
@@ -20280,7 +19782,7 @@
 </p:sld>
 </file>
 
-<file path=ppt/slides/slide8.xml><?xml version="1.0" encoding="utf-8"?>
+<file path=ppt/slides/slide7.xml><?xml version="1.0" encoding="utf-8"?>
 <p:sld xmlns:a="http://schemas.openxmlformats.org/drawingml/2006/main" xmlns:r="http://schemas.openxmlformats.org/officeDocument/2006/relationships" xmlns:p="http://schemas.openxmlformats.org/presentationml/2006/main">
   <p:cSld>
     <p:spTree>
@@ -20430,7 +19932,7 @@
 </p:sld>
 </file>
 
-<file path=ppt/slides/slide9.xml><?xml version="1.0" encoding="utf-8"?>
+<file path=ppt/slides/slide8.xml><?xml version="1.0" encoding="utf-8"?>
 <p:sld xmlns:a="http://schemas.openxmlformats.org/drawingml/2006/main" xmlns:r="http://schemas.openxmlformats.org/officeDocument/2006/relationships" xmlns:p="http://schemas.openxmlformats.org/presentationml/2006/main">
   <p:cSld>
     <p:spTree>
@@ -21620,6 +21122,155 @@
             </p:seq>
           </p:childTnLst>
         </p:cTn>
+      </p:par>
+    </p:tnLst>
+  </p:timing>
+</p:sld>
+</file>
+
+<file path=ppt/slides/slide9.xml><?xml version="1.0" encoding="utf-8"?>
+<p:sld xmlns:a="http://schemas.openxmlformats.org/drawingml/2006/main" xmlns:r="http://schemas.openxmlformats.org/officeDocument/2006/relationships" xmlns:p="http://schemas.openxmlformats.org/presentationml/2006/main">
+  <p:cSld>
+    <p:spTree>
+      <p:nvGrpSpPr>
+        <p:cNvPr id="1" name=""/>
+        <p:cNvGrpSpPr/>
+        <p:nvPr/>
+      </p:nvGrpSpPr>
+      <p:grpSpPr>
+        <a:xfrm>
+          <a:off x="0" y="0"/>
+          <a:ext cx="0" cy="0"/>
+          <a:chOff x="0" y="0"/>
+          <a:chExt cx="0" cy="0"/>
+        </a:xfrm>
+      </p:grpSpPr>
+      <p:pic>
+        <p:nvPicPr>
+          <p:cNvPr id="4" name="Picture 3"/>
+          <p:cNvPicPr>
+            <a:picLocks noChangeAspect="1"/>
+          </p:cNvPicPr>
+          <p:nvPr/>
+        </p:nvPicPr>
+        <p:blipFill>
+          <a:blip r:embed="rId3"/>
+          <a:stretch>
+            <a:fillRect/>
+          </a:stretch>
+        </p:blipFill>
+        <p:spPr>
+          <a:xfrm>
+            <a:off x="0" y="2325378"/>
+            <a:ext cx="9144000" cy="3017108"/>
+          </a:xfrm>
+          <a:prstGeom prst="rect">
+            <a:avLst/>
+          </a:prstGeom>
+        </p:spPr>
+      </p:pic>
+      <p:sp>
+        <p:nvSpPr>
+          <p:cNvPr id="5" name="TextBox 4"/>
+          <p:cNvSpPr txBox="1"/>
+          <p:nvPr/>
+        </p:nvSpPr>
+        <p:spPr>
+          <a:xfrm>
+            <a:off x="2038097" y="5573353"/>
+            <a:ext cx="5758570" cy="369332"/>
+          </a:xfrm>
+          <a:prstGeom prst="rect">
+            <a:avLst/>
+          </a:prstGeom>
+          <a:noFill/>
+        </p:spPr>
+        <p:txBody>
+          <a:bodyPr wrap="none" rtlCol="0">
+            <a:spAutoFit/>
+          </a:bodyPr>
+          <a:lstStyle/>
+          <a:p>
+            <a:r>
+              <a:rPr lang="en-US" dirty="0"/>
+              <a:t>http://</a:t>
+            </a:r>
+            <a:r>
+              <a:rPr lang="en-US" dirty="0" err="1"/>
+              <a:t>socratic.org</a:t>
+            </a:r>
+            <a:r>
+              <a:rPr lang="en-US" dirty="0"/>
+              <a:t>/questions/how-do-</a:t>
+            </a:r>
+            <a:r>
+              <a:rPr lang="en-US" dirty="0" err="1"/>
+              <a:t>dna</a:t>
+            </a:r>
+            <a:r>
+              <a:rPr lang="en-US" dirty="0"/>
+              <a:t>-mutations-occur</a:t>
+            </a:r>
+          </a:p>
+        </p:txBody>
+      </p:sp>
+      <p:sp>
+        <p:nvSpPr>
+          <p:cNvPr id="2" name="Title 1"/>
+          <p:cNvSpPr>
+            <a:spLocks noGrp="1"/>
+          </p:cNvSpPr>
+          <p:nvPr>
+            <p:ph type="title"/>
+          </p:nvPr>
+        </p:nvSpPr>
+        <p:spPr>
+          <a:xfrm>
+            <a:off x="457200" y="541196"/>
+            <a:ext cx="8416360" cy="2140067"/>
+          </a:xfrm>
+          <a:solidFill>
+            <a:schemeClr val="bg1"/>
+          </a:solidFill>
+        </p:spPr>
+        <p:txBody>
+          <a:bodyPr>
+            <a:normAutofit/>
+          </a:bodyPr>
+          <a:lstStyle/>
+          <a:p>
+            <a:r>
+              <a:rPr lang="en-US" dirty="0" smtClean="0"/>
+              <a:t>Types of mutations</a:t>
+            </a:r>
+            <a:br>
+              <a:rPr lang="en-US" dirty="0" smtClean="0"/>
+            </a:br>
+            <a:r>
+              <a:rPr lang="en-US" dirty="0"/>
+              <a:t/>
+            </a:r>
+            <a:br>
+              <a:rPr lang="en-US" dirty="0"/>
+            </a:br>
+            <a:endParaRPr lang="en-US" dirty="0"/>
+          </a:p>
+        </p:txBody>
+      </p:sp>
+    </p:spTree>
+    <p:extLst>
+      <p:ext uri="{BB962C8B-B14F-4D97-AF65-F5344CB8AC3E}">
+        <p14:creationId xmlns:p14="http://schemas.microsoft.com/office/powerpoint/2010/main" val="3007688201"/>
+      </p:ext>
+    </p:extLst>
+  </p:cSld>
+  <p:clrMapOvr>
+    <a:masterClrMapping/>
+  </p:clrMapOvr>
+  <p:timing>
+    <p:tnLst>
+      <p:par>
+        <p:cTn xmlns:p14="http://schemas.microsoft.com/office/powerpoint/2010/main" id="1" dur="indefinite" restart="never" nodeType="tmRoot"/>
       </p:par>
     </p:tnLst>
   </p:timing>

--- a/ngsgu/cancergenomics/1710/slides/cancer_genomics.pptx
+++ b/ngsgu/cancergenomics/1710/slides/cancer_genomics.pptx
@@ -19336,7 +19336,25 @@
               <a:rPr lang="en-US" sz="3200" u="sng" dirty="0">
                 <a:hlinkClick r:id="rId2"/>
               </a:rPr>
-              <a:t>http://scilifelab.github.io/courses/ngsgu/cancergenomics/1610/ </a:t>
+              <a:t>http://scilifelab.github.io/courses/ngsgu/cancergenomics</a:t>
+            </a:r>
+            <a:r>
+              <a:rPr lang="en-US" sz="3200" u="sng">
+                <a:hlinkClick r:id="rId2"/>
+              </a:rPr>
+              <a:t>/</a:t>
+            </a:r>
+            <a:r>
+              <a:rPr lang="en-US" sz="3200" u="sng" smtClean="0">
+                <a:hlinkClick r:id="rId2"/>
+              </a:rPr>
+              <a:t>1710</a:t>
+            </a:r>
+            <a:r>
+              <a:rPr lang="en-US" sz="3200" u="sng" dirty="0">
+                <a:hlinkClick r:id="rId2"/>
+              </a:rPr>
+              <a:t>/ </a:t>
             </a:r>
             <a:endParaRPr lang="en-US" sz="3200" dirty="0"/>
           </a:p>

--- a/ngsgu/cancergenomics/1710/slides/cancer_genomics.pptx
+++ b/ngsgu/cancergenomics/1710/slides/cancer_genomics.pptx
@@ -13,8 +13,8 @@
     <p:sldId id="259" r:id="rId4"/>
     <p:sldId id="272" r:id="rId5"/>
     <p:sldId id="261" r:id="rId6"/>
-    <p:sldId id="285" r:id="rId7"/>
-    <p:sldId id="269" r:id="rId8"/>
+    <p:sldId id="269" r:id="rId7"/>
+    <p:sldId id="285" r:id="rId8"/>
     <p:sldId id="279" r:id="rId9"/>
     <p:sldId id="280" r:id="rId10"/>
     <p:sldId id="287" r:id="rId11"/>
@@ -928,8 +928,41 @@
                 <a:latin typeface="Arial" charset="0"/>
                 <a:cs typeface="msgothic" charset="0"/>
               </a:rPr>
-              <a:t> types. TGF-β, transforming growth factor–β.</a:t>
-            </a:r>
+              <a:t> types. TGF-β, transforming growth factor–β</a:t>
+            </a:r>
+            <a:r>
+              <a:rPr lang="en-GB" dirty="0" smtClean="0">
+                <a:latin typeface="Arial" charset="0"/>
+                <a:cs typeface="msgothic" charset="0"/>
+              </a:rPr>
+              <a:t>. PI13 </a:t>
+            </a:r>
+            <a:r>
+              <a:rPr lang="en-US" sz="1200" kern="1200" dirty="0" err="1" smtClean="0">
+                <a:solidFill>
+                  <a:srgbClr val="000000"/>
+                </a:solidFill>
+                <a:latin typeface="Times New Roman" charset="0"/>
+                <a:ea typeface="ＭＳ Ｐゴシック" charset="0"/>
+                <a:cs typeface="+mn-cs"/>
+              </a:rPr>
+              <a:t>phosphoinositide</a:t>
+            </a:r>
+            <a:r>
+              <a:rPr lang="en-US" sz="1200" kern="1200" dirty="0" smtClean="0">
+                <a:solidFill>
+                  <a:srgbClr val="000000"/>
+                </a:solidFill>
+                <a:latin typeface="Times New Roman" charset="0"/>
+                <a:ea typeface="ＭＳ Ｐゴシック" charset="0"/>
+                <a:cs typeface="+mn-cs"/>
+              </a:rPr>
+              <a:t> 3-kinase (PI3K)</a:t>
+            </a:r>
+            <a:endParaRPr lang="en-GB" dirty="0">
+              <a:latin typeface="Arial" charset="0"/>
+              <a:cs typeface="msgothic" charset="0"/>
+            </a:endParaRPr>
           </a:p>
         </p:txBody>
       </p:sp>
@@ -1638,7 +1671,95 @@
             </a:r>
             <a:r>
               <a:rPr lang="en-US" baseline="0" dirty="0" smtClean="0"/>
-              <a:t> classifier – germ line or somatic</a:t>
+              <a:t> classifier – germ line or </a:t>
+            </a:r>
+            <a:r>
+              <a:rPr lang="en-US" baseline="0" dirty="0" smtClean="0"/>
+              <a:t>somatic</a:t>
+            </a:r>
+          </a:p>
+          <a:p>
+            <a:endParaRPr lang="en-US" dirty="0" smtClean="0"/>
+          </a:p>
+          <a:p>
+            <a:r>
+              <a:rPr lang="en-US" dirty="0" smtClean="0"/>
+              <a:t>(</a:t>
+            </a:r>
+            <a:r>
+              <a:rPr lang="en-US" dirty="0" err="1" smtClean="0"/>
+              <a:t>i</a:t>
+            </a:r>
+            <a:r>
+              <a:rPr lang="en-US" dirty="0" smtClean="0"/>
+              <a:t>) a reference model, M0, which assumes there is no variant at the site and any observed </a:t>
+            </a:r>
+            <a:r>
+              <a:rPr lang="en-US" dirty="0" err="1" smtClean="0"/>
+              <a:t>nonreference</a:t>
+            </a:r>
+            <a:r>
+              <a:rPr lang="en-US" dirty="0" smtClean="0"/>
+              <a:t> bases are due to random sequencing errors, and (ii) a variant model, </a:t>
+            </a:r>
+            <a:r>
+              <a:rPr lang="en-US" sz="1200" kern="1200" dirty="0" smtClean="0">
+                <a:solidFill>
+                  <a:schemeClr val="tx1"/>
+                </a:solidFill>
+                <a:latin typeface="+mn-lt"/>
+                <a:ea typeface="+mn-ea"/>
+                <a:cs typeface="+mn-cs"/>
+              </a:rPr>
+              <a:t>which assumes the site contains a true variant allele </a:t>
+            </a:r>
+            <a:r>
+              <a:rPr lang="en-US" sz="1200" i="1" kern="1200" dirty="0" smtClean="0">
+                <a:solidFill>
+                  <a:schemeClr val="tx1"/>
+                </a:solidFill>
+                <a:latin typeface="+mn-lt"/>
+                <a:ea typeface="+mn-ea"/>
+                <a:cs typeface="+mn-cs"/>
+              </a:rPr>
+              <a:t>m</a:t>
+            </a:r>
+            <a:r>
+              <a:rPr lang="en-US" sz="1200" i="0" kern="1200" dirty="0" smtClean="0">
+                <a:solidFill>
+                  <a:schemeClr val="tx1"/>
+                </a:solidFill>
+                <a:latin typeface="+mn-lt"/>
+                <a:ea typeface="+mn-ea"/>
+                <a:cs typeface="+mn-cs"/>
+              </a:rPr>
+              <a:t> at allele fraction </a:t>
+            </a:r>
+            <a:r>
+              <a:rPr lang="en-US" sz="1200" i="1" kern="1200" dirty="0" smtClean="0">
+                <a:solidFill>
+                  <a:schemeClr val="tx1"/>
+                </a:solidFill>
+                <a:latin typeface="+mn-lt"/>
+                <a:ea typeface="+mn-ea"/>
+                <a:cs typeface="+mn-cs"/>
+              </a:rPr>
+              <a:t>f</a:t>
+            </a:r>
+            <a:r>
+              <a:rPr lang="en-US" sz="1200" i="0" kern="1200" dirty="0" smtClean="0">
+                <a:solidFill>
+                  <a:schemeClr val="tx1"/>
+                </a:solidFill>
+                <a:latin typeface="+mn-lt"/>
+                <a:ea typeface="+mn-ea"/>
+                <a:cs typeface="+mn-cs"/>
+              </a:rPr>
+              <a:t> in addition to sequencing errors. </a:t>
+            </a:r>
+            <a:r>
+              <a:rPr lang="en-US" dirty="0" smtClean="0"/>
+              <a:t> </a:t>
             </a:r>
             <a:endParaRPr lang="en-US" dirty="0"/>
           </a:p>
@@ -5290,351 +5411,6 @@
           <a:chExt cx="0" cy="0"/>
         </a:xfrm>
       </p:grpSpPr>
-      <p:sp>
-        <p:nvSpPr>
-          <p:cNvPr id="3073" name="Text Box 1"/>
-          <p:cNvSpPr txBox="1">
-            <a:spLocks noChangeArrowheads="1"/>
-          </p:cNvSpPr>
-          <p:nvPr/>
-        </p:nvSpPr>
-        <p:spPr bwMode="auto">
-          <a:xfrm>
-            <a:off x="470119" y="1892691"/>
-            <a:ext cx="2592281" cy="1716148"/>
-          </a:xfrm>
-          <a:prstGeom prst="rect">
-            <a:avLst/>
-          </a:prstGeom>
-          <a:noFill/>
-          <a:ln>
-            <a:noFill/>
-          </a:ln>
-          <a:effectLst/>
-          <a:extLst>
-            <a:ext uri="{909E8E84-426E-40dd-AFC4-6F175D3DCCD1}">
-              <a14:hiddenFill xmlns:a14="http://schemas.microsoft.com/office/drawing/2010/main">
-                <a:solidFill>
-                  <a:srgbClr val="FFFFFF"/>
-                </a:solidFill>
-              </a14:hiddenFill>
-            </a:ext>
-            <a:ext uri="{91240B29-F687-4f45-9708-019B960494DF}">
-              <a14:hiddenLine xmlns:a14="http://schemas.microsoft.com/office/drawing/2010/main" w="9525">
-                <a:solidFill>
-                  <a:srgbClr val="FFFFFF"/>
-                </a:solidFill>
-                <a:round/>
-                <a:headEnd/>
-                <a:tailEnd/>
-              </a14:hiddenLine>
-            </a:ext>
-            <a:ext uri="{AF507438-7753-43e0-B8FC-AC1667EBCBE1}">
-              <a14:hiddenEffects xmlns:a14="http://schemas.microsoft.com/office/drawing/2010/main">
-                <a:effectLst>
-                  <a:outerShdw blurRad="63500" dist="38099" dir="2700000" algn="ctr" rotWithShape="0">
-                    <a:srgbClr val="000000">
-                      <a:alpha val="74998"/>
-                    </a:srgbClr>
-                  </a:outerShdw>
-                </a:effectLst>
-              </a14:hiddenEffects>
-            </a:ext>
-          </a:extLst>
-        </p:spPr>
-        <p:txBody>
-          <a:bodyPr lIns="0" tIns="0" rIns="0" bIns="0"/>
-          <a:lstStyle>
-            <a:lvl1pPr>
-              <a:tabLst>
-                <a:tab pos="723900" algn="l"/>
-                <a:tab pos="1447800" algn="l"/>
-                <a:tab pos="2171700" algn="l"/>
-                <a:tab pos="2895600" algn="l"/>
-                <a:tab pos="3619500" algn="l"/>
-                <a:tab pos="4343400" algn="l"/>
-                <a:tab pos="5067300" algn="l"/>
-                <a:tab pos="5791200" algn="l"/>
-                <a:tab pos="6515100" algn="l"/>
-                <a:tab pos="7239000" algn="l"/>
-                <a:tab pos="7962900" algn="l"/>
-                <a:tab pos="8686800" algn="l"/>
-              </a:tabLst>
-              <a:defRPr sz="2400">
-                <a:solidFill>
-                  <a:srgbClr val="000000"/>
-                </a:solidFill>
-                <a:latin typeface="Times New Roman" charset="0"/>
-                <a:ea typeface="ＭＳ Ｐゴシック" charset="0"/>
-                <a:cs typeface="msgothic" charset="0"/>
-              </a:defRPr>
-            </a:lvl1pPr>
-            <a:lvl2pPr>
-              <a:tabLst>
-                <a:tab pos="723900" algn="l"/>
-                <a:tab pos="1447800" algn="l"/>
-                <a:tab pos="2171700" algn="l"/>
-                <a:tab pos="2895600" algn="l"/>
-                <a:tab pos="3619500" algn="l"/>
-                <a:tab pos="4343400" algn="l"/>
-                <a:tab pos="5067300" algn="l"/>
-                <a:tab pos="5791200" algn="l"/>
-                <a:tab pos="6515100" algn="l"/>
-                <a:tab pos="7239000" algn="l"/>
-                <a:tab pos="7962900" algn="l"/>
-                <a:tab pos="8686800" algn="l"/>
-              </a:tabLst>
-              <a:defRPr sz="2400">
-                <a:solidFill>
-                  <a:srgbClr val="000000"/>
-                </a:solidFill>
-                <a:latin typeface="Times New Roman" charset="0"/>
-                <a:ea typeface="ＭＳ Ｐゴシック" charset="0"/>
-                <a:cs typeface="msgothic" charset="0"/>
-              </a:defRPr>
-            </a:lvl2pPr>
-            <a:lvl3pPr>
-              <a:tabLst>
-                <a:tab pos="723900" algn="l"/>
-                <a:tab pos="1447800" algn="l"/>
-                <a:tab pos="2171700" algn="l"/>
-                <a:tab pos="2895600" algn="l"/>
-                <a:tab pos="3619500" algn="l"/>
-                <a:tab pos="4343400" algn="l"/>
-                <a:tab pos="5067300" algn="l"/>
-                <a:tab pos="5791200" algn="l"/>
-                <a:tab pos="6515100" algn="l"/>
-                <a:tab pos="7239000" algn="l"/>
-                <a:tab pos="7962900" algn="l"/>
-                <a:tab pos="8686800" algn="l"/>
-              </a:tabLst>
-              <a:defRPr sz="2400">
-                <a:solidFill>
-                  <a:srgbClr val="000000"/>
-                </a:solidFill>
-                <a:latin typeface="Times New Roman" charset="0"/>
-                <a:ea typeface="ＭＳ Ｐゴシック" charset="0"/>
-                <a:cs typeface="msgothic" charset="0"/>
-              </a:defRPr>
-            </a:lvl3pPr>
-            <a:lvl4pPr>
-              <a:tabLst>
-                <a:tab pos="723900" algn="l"/>
-                <a:tab pos="1447800" algn="l"/>
-                <a:tab pos="2171700" algn="l"/>
-                <a:tab pos="2895600" algn="l"/>
-                <a:tab pos="3619500" algn="l"/>
-                <a:tab pos="4343400" algn="l"/>
-                <a:tab pos="5067300" algn="l"/>
-                <a:tab pos="5791200" algn="l"/>
-                <a:tab pos="6515100" algn="l"/>
-                <a:tab pos="7239000" algn="l"/>
-                <a:tab pos="7962900" algn="l"/>
-                <a:tab pos="8686800" algn="l"/>
-              </a:tabLst>
-              <a:defRPr sz="2400">
-                <a:solidFill>
-                  <a:srgbClr val="000000"/>
-                </a:solidFill>
-                <a:latin typeface="Times New Roman" charset="0"/>
-                <a:ea typeface="ＭＳ Ｐゴシック" charset="0"/>
-                <a:cs typeface="msgothic" charset="0"/>
-              </a:defRPr>
-            </a:lvl4pPr>
-            <a:lvl5pPr>
-              <a:tabLst>
-                <a:tab pos="723900" algn="l"/>
-                <a:tab pos="1447800" algn="l"/>
-                <a:tab pos="2171700" algn="l"/>
-                <a:tab pos="2895600" algn="l"/>
-                <a:tab pos="3619500" algn="l"/>
-                <a:tab pos="4343400" algn="l"/>
-                <a:tab pos="5067300" algn="l"/>
-                <a:tab pos="5791200" algn="l"/>
-                <a:tab pos="6515100" algn="l"/>
-                <a:tab pos="7239000" algn="l"/>
-                <a:tab pos="7962900" algn="l"/>
-                <a:tab pos="8686800" algn="l"/>
-              </a:tabLst>
-              <a:defRPr sz="2400">
-                <a:solidFill>
-                  <a:srgbClr val="000000"/>
-                </a:solidFill>
-                <a:latin typeface="Times New Roman" charset="0"/>
-                <a:ea typeface="ＭＳ Ｐゴシック" charset="0"/>
-                <a:cs typeface="msgothic" charset="0"/>
-              </a:defRPr>
-            </a:lvl5pPr>
-            <a:lvl6pPr marL="1536700" indent="-215900" fontAlgn="base" hangingPunct="0">
-              <a:lnSpc>
-                <a:spcPct val="93000"/>
-              </a:lnSpc>
-              <a:spcBef>
-                <a:spcPct val="0"/>
-              </a:spcBef>
-              <a:spcAft>
-                <a:spcPct val="0"/>
-              </a:spcAft>
-              <a:buClr>
-                <a:srgbClr val="000000"/>
-              </a:buClr>
-              <a:buSzPct val="45000"/>
-              <a:buFont typeface="Wingdings" charset="0"/>
-              <a:tabLst>
-                <a:tab pos="723900" algn="l"/>
-                <a:tab pos="1447800" algn="l"/>
-                <a:tab pos="2171700" algn="l"/>
-                <a:tab pos="2895600" algn="l"/>
-                <a:tab pos="3619500" algn="l"/>
-                <a:tab pos="4343400" algn="l"/>
-                <a:tab pos="5067300" algn="l"/>
-                <a:tab pos="5791200" algn="l"/>
-                <a:tab pos="6515100" algn="l"/>
-                <a:tab pos="7239000" algn="l"/>
-                <a:tab pos="7962900" algn="l"/>
-                <a:tab pos="8686800" algn="l"/>
-              </a:tabLst>
-              <a:defRPr sz="2400">
-                <a:solidFill>
-                  <a:srgbClr val="000000"/>
-                </a:solidFill>
-                <a:latin typeface="Times New Roman" charset="0"/>
-                <a:ea typeface="ＭＳ Ｐゴシック" charset="0"/>
-                <a:cs typeface="msgothic" charset="0"/>
-              </a:defRPr>
-            </a:lvl6pPr>
-            <a:lvl7pPr marL="1993900" indent="-215900" fontAlgn="base" hangingPunct="0">
-              <a:lnSpc>
-                <a:spcPct val="93000"/>
-              </a:lnSpc>
-              <a:spcBef>
-                <a:spcPct val="0"/>
-              </a:spcBef>
-              <a:spcAft>
-                <a:spcPct val="0"/>
-              </a:spcAft>
-              <a:buClr>
-                <a:srgbClr val="000000"/>
-              </a:buClr>
-              <a:buSzPct val="45000"/>
-              <a:buFont typeface="Wingdings" charset="0"/>
-              <a:tabLst>
-                <a:tab pos="723900" algn="l"/>
-                <a:tab pos="1447800" algn="l"/>
-                <a:tab pos="2171700" algn="l"/>
-                <a:tab pos="2895600" algn="l"/>
-                <a:tab pos="3619500" algn="l"/>
-                <a:tab pos="4343400" algn="l"/>
-                <a:tab pos="5067300" algn="l"/>
-                <a:tab pos="5791200" algn="l"/>
-                <a:tab pos="6515100" algn="l"/>
-                <a:tab pos="7239000" algn="l"/>
-                <a:tab pos="7962900" algn="l"/>
-                <a:tab pos="8686800" algn="l"/>
-              </a:tabLst>
-              <a:defRPr sz="2400">
-                <a:solidFill>
-                  <a:srgbClr val="000000"/>
-                </a:solidFill>
-                <a:latin typeface="Times New Roman" charset="0"/>
-                <a:ea typeface="ＭＳ Ｐゴシック" charset="0"/>
-                <a:cs typeface="msgothic" charset="0"/>
-              </a:defRPr>
-            </a:lvl7pPr>
-            <a:lvl8pPr marL="2451100" indent="-215900" fontAlgn="base" hangingPunct="0">
-              <a:lnSpc>
-                <a:spcPct val="93000"/>
-              </a:lnSpc>
-              <a:spcBef>
-                <a:spcPct val="0"/>
-              </a:spcBef>
-              <a:spcAft>
-                <a:spcPct val="0"/>
-              </a:spcAft>
-              <a:buClr>
-                <a:srgbClr val="000000"/>
-              </a:buClr>
-              <a:buSzPct val="45000"/>
-              <a:buFont typeface="Wingdings" charset="0"/>
-              <a:tabLst>
-                <a:tab pos="723900" algn="l"/>
-                <a:tab pos="1447800" algn="l"/>
-                <a:tab pos="2171700" algn="l"/>
-                <a:tab pos="2895600" algn="l"/>
-                <a:tab pos="3619500" algn="l"/>
-                <a:tab pos="4343400" algn="l"/>
-                <a:tab pos="5067300" algn="l"/>
-                <a:tab pos="5791200" algn="l"/>
-                <a:tab pos="6515100" algn="l"/>
-                <a:tab pos="7239000" algn="l"/>
-                <a:tab pos="7962900" algn="l"/>
-                <a:tab pos="8686800" algn="l"/>
-              </a:tabLst>
-              <a:defRPr sz="2400">
-                <a:solidFill>
-                  <a:srgbClr val="000000"/>
-                </a:solidFill>
-                <a:latin typeface="Times New Roman" charset="0"/>
-                <a:ea typeface="ＭＳ Ｐゴシック" charset="0"/>
-                <a:cs typeface="msgothic" charset="0"/>
-              </a:defRPr>
-            </a:lvl8pPr>
-            <a:lvl9pPr marL="2908300" indent="-215900" fontAlgn="base" hangingPunct="0">
-              <a:lnSpc>
-                <a:spcPct val="93000"/>
-              </a:lnSpc>
-              <a:spcBef>
-                <a:spcPct val="0"/>
-              </a:spcBef>
-              <a:spcAft>
-                <a:spcPct val="0"/>
-              </a:spcAft>
-              <a:buClr>
-                <a:srgbClr val="000000"/>
-              </a:buClr>
-              <a:buSzPct val="45000"/>
-              <a:buFont typeface="Wingdings" charset="0"/>
-              <a:tabLst>
-                <a:tab pos="723900" algn="l"/>
-                <a:tab pos="1447800" algn="l"/>
-                <a:tab pos="2171700" algn="l"/>
-                <a:tab pos="2895600" algn="l"/>
-                <a:tab pos="3619500" algn="l"/>
-                <a:tab pos="4343400" algn="l"/>
-                <a:tab pos="5067300" algn="l"/>
-                <a:tab pos="5791200" algn="l"/>
-                <a:tab pos="6515100" algn="l"/>
-                <a:tab pos="7239000" algn="l"/>
-                <a:tab pos="7962900" algn="l"/>
-                <a:tab pos="8686800" algn="l"/>
-              </a:tabLst>
-              <a:defRPr sz="2400">
-                <a:solidFill>
-                  <a:srgbClr val="000000"/>
-                </a:solidFill>
-                <a:latin typeface="Times New Roman" charset="0"/>
-                <a:ea typeface="ＭＳ Ｐゴシック" charset="0"/>
-                <a:cs typeface="msgothic" charset="0"/>
-              </a:defRPr>
-            </a:lvl9pPr>
-          </a:lstStyle>
-          <a:p>
-            <a:pPr algn="ctr"/>
-            <a:r>
-              <a:rPr lang="en-GB" sz="1500" b="1" dirty="0" smtClean="0">
-                <a:latin typeface="Arial" charset="0"/>
-              </a:rPr>
-              <a:t>Number </a:t>
-            </a:r>
-            <a:r>
-              <a:rPr lang="en-GB" sz="1500" b="1" dirty="0">
-                <a:latin typeface="Arial" charset="0"/>
-              </a:rPr>
-              <a:t>of somatic mutations in representative human cancers, detected by genome-wide sequencing studies. </a:t>
-            </a:r>
-          </a:p>
-        </p:txBody>
-      </p:sp>
       <p:pic>
         <p:nvPicPr>
           <p:cNvPr id="3074" name="Picture 2"/>
@@ -5713,7 +5489,7 @@
           </p:cNvPicPr>
           <p:nvPr/>
         </p:nvPicPr>
-        <p:blipFill>
+        <p:blipFill rotWithShape="1">
           <a:blip r:embed="rId4">
             <a:extLst>
               <a:ext uri="{28A0092B-C50C-407E-A947-70E740481C1C}">
@@ -5721,15 +5497,13 @@
               </a:ext>
             </a:extLst>
           </a:blip>
-          <a:srcRect/>
-          <a:stretch>
-            <a:fillRect/>
-          </a:stretch>
+          <a:srcRect t="35387" b="1"/>
+          <a:stretch/>
         </p:blipFill>
         <p:spPr bwMode="auto">
           <a:xfrm>
-            <a:off x="3529439" y="54116"/>
-            <a:ext cx="4098431" cy="6744761"/>
+            <a:off x="649309" y="13090"/>
+            <a:ext cx="6437291" cy="6844909"/>
           </a:xfrm>
           <a:prstGeom prst="rect">
             <a:avLst/>
@@ -5775,281 +5549,6 @@
           </a:extLst>
         </p:spPr>
       </p:pic>
-      <p:sp>
-        <p:nvSpPr>
-          <p:cNvPr id="3076" name="Text Box 4"/>
-          <p:cNvSpPr txBox="1">
-            <a:spLocks noChangeArrowheads="1"/>
-          </p:cNvSpPr>
-          <p:nvPr/>
-        </p:nvSpPr>
-        <p:spPr bwMode="auto">
-          <a:xfrm>
-            <a:off x="470119" y="3376975"/>
-            <a:ext cx="2781077" cy="231864"/>
-          </a:xfrm>
-          <a:prstGeom prst="rect">
-            <a:avLst/>
-          </a:prstGeom>
-          <a:noFill/>
-          <a:ln>
-            <a:noFill/>
-          </a:ln>
-          <a:effectLst/>
-          <a:extLst>
-            <a:ext uri="{909E8E84-426E-40dd-AFC4-6F175D3DCCD1}">
-              <a14:hiddenFill xmlns:a14="http://schemas.microsoft.com/office/drawing/2010/main">
-                <a:solidFill>
-                  <a:srgbClr val="FFFFFF"/>
-                </a:solidFill>
-              </a14:hiddenFill>
-            </a:ext>
-            <a:ext uri="{91240B29-F687-4f45-9708-019B960494DF}">
-              <a14:hiddenLine xmlns:a14="http://schemas.microsoft.com/office/drawing/2010/main" w="9525">
-                <a:solidFill>
-                  <a:srgbClr val="FFFFFF"/>
-                </a:solidFill>
-                <a:round/>
-                <a:headEnd/>
-                <a:tailEnd/>
-              </a14:hiddenLine>
-            </a:ext>
-            <a:ext uri="{AF507438-7753-43e0-B8FC-AC1667EBCBE1}">
-              <a14:hiddenEffects xmlns:a14="http://schemas.microsoft.com/office/drawing/2010/main">
-                <a:effectLst>
-                  <a:outerShdw blurRad="63500" dist="38099" dir="2700000" algn="ctr" rotWithShape="0">
-                    <a:srgbClr val="000000">
-                      <a:alpha val="74998"/>
-                    </a:srgbClr>
-                  </a:outerShdw>
-                </a:effectLst>
-              </a14:hiddenEffects>
-            </a:ext>
-          </a:extLst>
-        </p:spPr>
-        <p:txBody>
-          <a:bodyPr lIns="0" tIns="0" rIns="0" bIns="0"/>
-          <a:lstStyle>
-            <a:lvl1pPr>
-              <a:tabLst>
-                <a:tab pos="723900" algn="l"/>
-                <a:tab pos="1447800" algn="l"/>
-                <a:tab pos="2171700" algn="l"/>
-                <a:tab pos="2895600" algn="l"/>
-                <a:tab pos="3619500" algn="l"/>
-              </a:tabLst>
-              <a:defRPr sz="2400">
-                <a:solidFill>
-                  <a:srgbClr val="000000"/>
-                </a:solidFill>
-                <a:latin typeface="Times New Roman" charset="0"/>
-                <a:ea typeface="ＭＳ Ｐゴシック" charset="0"/>
-                <a:cs typeface="msgothic" charset="0"/>
-              </a:defRPr>
-            </a:lvl1pPr>
-            <a:lvl2pPr>
-              <a:tabLst>
-                <a:tab pos="723900" algn="l"/>
-                <a:tab pos="1447800" algn="l"/>
-                <a:tab pos="2171700" algn="l"/>
-                <a:tab pos="2895600" algn="l"/>
-                <a:tab pos="3619500" algn="l"/>
-              </a:tabLst>
-              <a:defRPr sz="2400">
-                <a:solidFill>
-                  <a:srgbClr val="000000"/>
-                </a:solidFill>
-                <a:latin typeface="Times New Roman" charset="0"/>
-                <a:ea typeface="ＭＳ Ｐゴシック" charset="0"/>
-                <a:cs typeface="msgothic" charset="0"/>
-              </a:defRPr>
-            </a:lvl2pPr>
-            <a:lvl3pPr>
-              <a:tabLst>
-                <a:tab pos="723900" algn="l"/>
-                <a:tab pos="1447800" algn="l"/>
-                <a:tab pos="2171700" algn="l"/>
-                <a:tab pos="2895600" algn="l"/>
-                <a:tab pos="3619500" algn="l"/>
-              </a:tabLst>
-              <a:defRPr sz="2400">
-                <a:solidFill>
-                  <a:srgbClr val="000000"/>
-                </a:solidFill>
-                <a:latin typeface="Times New Roman" charset="0"/>
-                <a:ea typeface="ＭＳ Ｐゴシック" charset="0"/>
-                <a:cs typeface="msgothic" charset="0"/>
-              </a:defRPr>
-            </a:lvl3pPr>
-            <a:lvl4pPr>
-              <a:tabLst>
-                <a:tab pos="723900" algn="l"/>
-                <a:tab pos="1447800" algn="l"/>
-                <a:tab pos="2171700" algn="l"/>
-                <a:tab pos="2895600" algn="l"/>
-                <a:tab pos="3619500" algn="l"/>
-              </a:tabLst>
-              <a:defRPr sz="2400">
-                <a:solidFill>
-                  <a:srgbClr val="000000"/>
-                </a:solidFill>
-                <a:latin typeface="Times New Roman" charset="0"/>
-                <a:ea typeface="ＭＳ Ｐゴシック" charset="0"/>
-                <a:cs typeface="msgothic" charset="0"/>
-              </a:defRPr>
-            </a:lvl4pPr>
-            <a:lvl5pPr>
-              <a:tabLst>
-                <a:tab pos="723900" algn="l"/>
-                <a:tab pos="1447800" algn="l"/>
-                <a:tab pos="2171700" algn="l"/>
-                <a:tab pos="2895600" algn="l"/>
-                <a:tab pos="3619500" algn="l"/>
-              </a:tabLst>
-              <a:defRPr sz="2400">
-                <a:solidFill>
-                  <a:srgbClr val="000000"/>
-                </a:solidFill>
-                <a:latin typeface="Times New Roman" charset="0"/>
-                <a:ea typeface="ＭＳ Ｐゴシック" charset="0"/>
-                <a:cs typeface="msgothic" charset="0"/>
-              </a:defRPr>
-            </a:lvl5pPr>
-            <a:lvl6pPr marL="1536700" indent="-215900" fontAlgn="base" hangingPunct="0">
-              <a:lnSpc>
-                <a:spcPct val="93000"/>
-              </a:lnSpc>
-              <a:spcBef>
-                <a:spcPct val="0"/>
-              </a:spcBef>
-              <a:spcAft>
-                <a:spcPct val="0"/>
-              </a:spcAft>
-              <a:buClr>
-                <a:srgbClr val="000000"/>
-              </a:buClr>
-              <a:buSzPct val="45000"/>
-              <a:buFont typeface="Wingdings" charset="0"/>
-              <a:tabLst>
-                <a:tab pos="723900" algn="l"/>
-                <a:tab pos="1447800" algn="l"/>
-                <a:tab pos="2171700" algn="l"/>
-                <a:tab pos="2895600" algn="l"/>
-                <a:tab pos="3619500" algn="l"/>
-              </a:tabLst>
-              <a:defRPr sz="2400">
-                <a:solidFill>
-                  <a:srgbClr val="000000"/>
-                </a:solidFill>
-                <a:latin typeface="Times New Roman" charset="0"/>
-                <a:ea typeface="ＭＳ Ｐゴシック" charset="0"/>
-                <a:cs typeface="msgothic" charset="0"/>
-              </a:defRPr>
-            </a:lvl6pPr>
-            <a:lvl7pPr marL="1993900" indent="-215900" fontAlgn="base" hangingPunct="0">
-              <a:lnSpc>
-                <a:spcPct val="93000"/>
-              </a:lnSpc>
-              <a:spcBef>
-                <a:spcPct val="0"/>
-              </a:spcBef>
-              <a:spcAft>
-                <a:spcPct val="0"/>
-              </a:spcAft>
-              <a:buClr>
-                <a:srgbClr val="000000"/>
-              </a:buClr>
-              <a:buSzPct val="45000"/>
-              <a:buFont typeface="Wingdings" charset="0"/>
-              <a:tabLst>
-                <a:tab pos="723900" algn="l"/>
-                <a:tab pos="1447800" algn="l"/>
-                <a:tab pos="2171700" algn="l"/>
-                <a:tab pos="2895600" algn="l"/>
-                <a:tab pos="3619500" algn="l"/>
-              </a:tabLst>
-              <a:defRPr sz="2400">
-                <a:solidFill>
-                  <a:srgbClr val="000000"/>
-                </a:solidFill>
-                <a:latin typeface="Times New Roman" charset="0"/>
-                <a:ea typeface="ＭＳ Ｐゴシック" charset="0"/>
-                <a:cs typeface="msgothic" charset="0"/>
-              </a:defRPr>
-            </a:lvl7pPr>
-            <a:lvl8pPr marL="2451100" indent="-215900" fontAlgn="base" hangingPunct="0">
-              <a:lnSpc>
-                <a:spcPct val="93000"/>
-              </a:lnSpc>
-              <a:spcBef>
-                <a:spcPct val="0"/>
-              </a:spcBef>
-              <a:spcAft>
-                <a:spcPct val="0"/>
-              </a:spcAft>
-              <a:buClr>
-                <a:srgbClr val="000000"/>
-              </a:buClr>
-              <a:buSzPct val="45000"/>
-              <a:buFont typeface="Wingdings" charset="0"/>
-              <a:tabLst>
-                <a:tab pos="723900" algn="l"/>
-                <a:tab pos="1447800" algn="l"/>
-                <a:tab pos="2171700" algn="l"/>
-                <a:tab pos="2895600" algn="l"/>
-                <a:tab pos="3619500" algn="l"/>
-              </a:tabLst>
-              <a:defRPr sz="2400">
-                <a:solidFill>
-                  <a:srgbClr val="000000"/>
-                </a:solidFill>
-                <a:latin typeface="Times New Roman" charset="0"/>
-                <a:ea typeface="ＭＳ Ｐゴシック" charset="0"/>
-                <a:cs typeface="msgothic" charset="0"/>
-              </a:defRPr>
-            </a:lvl8pPr>
-            <a:lvl9pPr marL="2908300" indent="-215900" fontAlgn="base" hangingPunct="0">
-              <a:lnSpc>
-                <a:spcPct val="93000"/>
-              </a:lnSpc>
-              <a:spcBef>
-                <a:spcPct val="0"/>
-              </a:spcBef>
-              <a:spcAft>
-                <a:spcPct val="0"/>
-              </a:spcAft>
-              <a:buClr>
-                <a:srgbClr val="000000"/>
-              </a:buClr>
-              <a:buSzPct val="45000"/>
-              <a:buFont typeface="Wingdings" charset="0"/>
-              <a:tabLst>
-                <a:tab pos="723900" algn="l"/>
-                <a:tab pos="1447800" algn="l"/>
-                <a:tab pos="2171700" algn="l"/>
-                <a:tab pos="2895600" algn="l"/>
-                <a:tab pos="3619500" algn="l"/>
-              </a:tabLst>
-              <a:defRPr sz="2400">
-                <a:solidFill>
-                  <a:srgbClr val="000000"/>
-                </a:solidFill>
-                <a:latin typeface="Times New Roman" charset="0"/>
-                <a:ea typeface="ＭＳ Ｐゴシック" charset="0"/>
-                <a:cs typeface="msgothic" charset="0"/>
-              </a:defRPr>
-            </a:lvl9pPr>
-          </a:lstStyle>
-          <a:p>
-            <a:r>
-              <a:rPr lang="en-GB" sz="1100" b="1" dirty="0">
-                <a:latin typeface="Arial" charset="0"/>
-              </a:rPr>
-              <a:t>Bert Vogelstein et al. Science 2013;339:1546-1558</a:t>
-            </a:r>
-          </a:p>
-        </p:txBody>
-      </p:sp>
       <p:sp>
         <p:nvSpPr>
           <p:cNvPr id="3077" name="Text Box 5"/>
@@ -6340,6 +5839,391 @@
               </a:rPr>
               <a:t>Published by AAAS</a:t>
             </a:r>
+          </a:p>
+        </p:txBody>
+      </p:sp>
+      <p:sp>
+        <p:nvSpPr>
+          <p:cNvPr id="3073" name="Text Box 1"/>
+          <p:cNvSpPr txBox="1">
+            <a:spLocks noChangeArrowheads="1"/>
+          </p:cNvSpPr>
+          <p:nvPr/>
+        </p:nvSpPr>
+        <p:spPr bwMode="auto">
+          <a:xfrm>
+            <a:off x="2556934" y="13091"/>
+            <a:ext cx="6587066" cy="1781842"/>
+          </a:xfrm>
+          <a:prstGeom prst="rect">
+            <a:avLst/>
+          </a:prstGeom>
+          <a:solidFill>
+            <a:schemeClr val="bg1"/>
+          </a:solidFill>
+          <a:ln>
+            <a:solidFill>
+              <a:schemeClr val="accent6">
+                <a:lumMod val="50000"/>
+              </a:schemeClr>
+            </a:solidFill>
+          </a:ln>
+          <a:effectLst/>
+          <a:extLst/>
+        </p:spPr>
+        <p:txBody>
+          <a:bodyPr lIns="0" tIns="0" rIns="0" bIns="0"/>
+          <a:lstStyle>
+            <a:lvl1pPr>
+              <a:tabLst>
+                <a:tab pos="723900" algn="l"/>
+                <a:tab pos="1447800" algn="l"/>
+                <a:tab pos="2171700" algn="l"/>
+                <a:tab pos="2895600" algn="l"/>
+                <a:tab pos="3619500" algn="l"/>
+                <a:tab pos="4343400" algn="l"/>
+                <a:tab pos="5067300" algn="l"/>
+                <a:tab pos="5791200" algn="l"/>
+                <a:tab pos="6515100" algn="l"/>
+                <a:tab pos="7239000" algn="l"/>
+                <a:tab pos="7962900" algn="l"/>
+                <a:tab pos="8686800" algn="l"/>
+              </a:tabLst>
+              <a:defRPr sz="2400">
+                <a:solidFill>
+                  <a:srgbClr val="000000"/>
+                </a:solidFill>
+                <a:latin typeface="Times New Roman" charset="0"/>
+                <a:ea typeface="ＭＳ Ｐゴシック" charset="0"/>
+                <a:cs typeface="msgothic" charset="0"/>
+              </a:defRPr>
+            </a:lvl1pPr>
+            <a:lvl2pPr>
+              <a:tabLst>
+                <a:tab pos="723900" algn="l"/>
+                <a:tab pos="1447800" algn="l"/>
+                <a:tab pos="2171700" algn="l"/>
+                <a:tab pos="2895600" algn="l"/>
+                <a:tab pos="3619500" algn="l"/>
+                <a:tab pos="4343400" algn="l"/>
+                <a:tab pos="5067300" algn="l"/>
+                <a:tab pos="5791200" algn="l"/>
+                <a:tab pos="6515100" algn="l"/>
+                <a:tab pos="7239000" algn="l"/>
+                <a:tab pos="7962900" algn="l"/>
+                <a:tab pos="8686800" algn="l"/>
+              </a:tabLst>
+              <a:defRPr sz="2400">
+                <a:solidFill>
+                  <a:srgbClr val="000000"/>
+                </a:solidFill>
+                <a:latin typeface="Times New Roman" charset="0"/>
+                <a:ea typeface="ＭＳ Ｐゴシック" charset="0"/>
+                <a:cs typeface="msgothic" charset="0"/>
+              </a:defRPr>
+            </a:lvl2pPr>
+            <a:lvl3pPr>
+              <a:tabLst>
+                <a:tab pos="723900" algn="l"/>
+                <a:tab pos="1447800" algn="l"/>
+                <a:tab pos="2171700" algn="l"/>
+                <a:tab pos="2895600" algn="l"/>
+                <a:tab pos="3619500" algn="l"/>
+                <a:tab pos="4343400" algn="l"/>
+                <a:tab pos="5067300" algn="l"/>
+                <a:tab pos="5791200" algn="l"/>
+                <a:tab pos="6515100" algn="l"/>
+                <a:tab pos="7239000" algn="l"/>
+                <a:tab pos="7962900" algn="l"/>
+                <a:tab pos="8686800" algn="l"/>
+              </a:tabLst>
+              <a:defRPr sz="2400">
+                <a:solidFill>
+                  <a:srgbClr val="000000"/>
+                </a:solidFill>
+                <a:latin typeface="Times New Roman" charset="0"/>
+                <a:ea typeface="ＭＳ Ｐゴシック" charset="0"/>
+                <a:cs typeface="msgothic" charset="0"/>
+              </a:defRPr>
+            </a:lvl3pPr>
+            <a:lvl4pPr>
+              <a:tabLst>
+                <a:tab pos="723900" algn="l"/>
+                <a:tab pos="1447800" algn="l"/>
+                <a:tab pos="2171700" algn="l"/>
+                <a:tab pos="2895600" algn="l"/>
+                <a:tab pos="3619500" algn="l"/>
+                <a:tab pos="4343400" algn="l"/>
+                <a:tab pos="5067300" algn="l"/>
+                <a:tab pos="5791200" algn="l"/>
+                <a:tab pos="6515100" algn="l"/>
+                <a:tab pos="7239000" algn="l"/>
+                <a:tab pos="7962900" algn="l"/>
+                <a:tab pos="8686800" algn="l"/>
+              </a:tabLst>
+              <a:defRPr sz="2400">
+                <a:solidFill>
+                  <a:srgbClr val="000000"/>
+                </a:solidFill>
+                <a:latin typeface="Times New Roman" charset="0"/>
+                <a:ea typeface="ＭＳ Ｐゴシック" charset="0"/>
+                <a:cs typeface="msgothic" charset="0"/>
+              </a:defRPr>
+            </a:lvl4pPr>
+            <a:lvl5pPr>
+              <a:tabLst>
+                <a:tab pos="723900" algn="l"/>
+                <a:tab pos="1447800" algn="l"/>
+                <a:tab pos="2171700" algn="l"/>
+                <a:tab pos="2895600" algn="l"/>
+                <a:tab pos="3619500" algn="l"/>
+                <a:tab pos="4343400" algn="l"/>
+                <a:tab pos="5067300" algn="l"/>
+                <a:tab pos="5791200" algn="l"/>
+                <a:tab pos="6515100" algn="l"/>
+                <a:tab pos="7239000" algn="l"/>
+                <a:tab pos="7962900" algn="l"/>
+                <a:tab pos="8686800" algn="l"/>
+              </a:tabLst>
+              <a:defRPr sz="2400">
+                <a:solidFill>
+                  <a:srgbClr val="000000"/>
+                </a:solidFill>
+                <a:latin typeface="Times New Roman" charset="0"/>
+                <a:ea typeface="ＭＳ Ｐゴシック" charset="0"/>
+                <a:cs typeface="msgothic" charset="0"/>
+              </a:defRPr>
+            </a:lvl5pPr>
+            <a:lvl6pPr marL="1536700" indent="-215900" fontAlgn="base" hangingPunct="0">
+              <a:lnSpc>
+                <a:spcPct val="93000"/>
+              </a:lnSpc>
+              <a:spcBef>
+                <a:spcPct val="0"/>
+              </a:spcBef>
+              <a:spcAft>
+                <a:spcPct val="0"/>
+              </a:spcAft>
+              <a:buClr>
+                <a:srgbClr val="000000"/>
+              </a:buClr>
+              <a:buSzPct val="45000"/>
+              <a:buFont typeface="Wingdings" charset="0"/>
+              <a:tabLst>
+                <a:tab pos="723900" algn="l"/>
+                <a:tab pos="1447800" algn="l"/>
+                <a:tab pos="2171700" algn="l"/>
+                <a:tab pos="2895600" algn="l"/>
+                <a:tab pos="3619500" algn="l"/>
+                <a:tab pos="4343400" algn="l"/>
+                <a:tab pos="5067300" algn="l"/>
+                <a:tab pos="5791200" algn="l"/>
+                <a:tab pos="6515100" algn="l"/>
+                <a:tab pos="7239000" algn="l"/>
+                <a:tab pos="7962900" algn="l"/>
+                <a:tab pos="8686800" algn="l"/>
+              </a:tabLst>
+              <a:defRPr sz="2400">
+                <a:solidFill>
+                  <a:srgbClr val="000000"/>
+                </a:solidFill>
+                <a:latin typeface="Times New Roman" charset="0"/>
+                <a:ea typeface="ＭＳ Ｐゴシック" charset="0"/>
+                <a:cs typeface="msgothic" charset="0"/>
+              </a:defRPr>
+            </a:lvl6pPr>
+            <a:lvl7pPr marL="1993900" indent="-215900" fontAlgn="base" hangingPunct="0">
+              <a:lnSpc>
+                <a:spcPct val="93000"/>
+              </a:lnSpc>
+              <a:spcBef>
+                <a:spcPct val="0"/>
+              </a:spcBef>
+              <a:spcAft>
+                <a:spcPct val="0"/>
+              </a:spcAft>
+              <a:buClr>
+                <a:srgbClr val="000000"/>
+              </a:buClr>
+              <a:buSzPct val="45000"/>
+              <a:buFont typeface="Wingdings" charset="0"/>
+              <a:tabLst>
+                <a:tab pos="723900" algn="l"/>
+                <a:tab pos="1447800" algn="l"/>
+                <a:tab pos="2171700" algn="l"/>
+                <a:tab pos="2895600" algn="l"/>
+                <a:tab pos="3619500" algn="l"/>
+                <a:tab pos="4343400" algn="l"/>
+                <a:tab pos="5067300" algn="l"/>
+                <a:tab pos="5791200" algn="l"/>
+                <a:tab pos="6515100" algn="l"/>
+                <a:tab pos="7239000" algn="l"/>
+                <a:tab pos="7962900" algn="l"/>
+                <a:tab pos="8686800" algn="l"/>
+              </a:tabLst>
+              <a:defRPr sz="2400">
+                <a:solidFill>
+                  <a:srgbClr val="000000"/>
+                </a:solidFill>
+                <a:latin typeface="Times New Roman" charset="0"/>
+                <a:ea typeface="ＭＳ Ｐゴシック" charset="0"/>
+                <a:cs typeface="msgothic" charset="0"/>
+              </a:defRPr>
+            </a:lvl7pPr>
+            <a:lvl8pPr marL="2451100" indent="-215900" fontAlgn="base" hangingPunct="0">
+              <a:lnSpc>
+                <a:spcPct val="93000"/>
+              </a:lnSpc>
+              <a:spcBef>
+                <a:spcPct val="0"/>
+              </a:spcBef>
+              <a:spcAft>
+                <a:spcPct val="0"/>
+              </a:spcAft>
+              <a:buClr>
+                <a:srgbClr val="000000"/>
+              </a:buClr>
+              <a:buSzPct val="45000"/>
+              <a:buFont typeface="Wingdings" charset="0"/>
+              <a:tabLst>
+                <a:tab pos="723900" algn="l"/>
+                <a:tab pos="1447800" algn="l"/>
+                <a:tab pos="2171700" algn="l"/>
+                <a:tab pos="2895600" algn="l"/>
+                <a:tab pos="3619500" algn="l"/>
+                <a:tab pos="4343400" algn="l"/>
+                <a:tab pos="5067300" algn="l"/>
+                <a:tab pos="5791200" algn="l"/>
+                <a:tab pos="6515100" algn="l"/>
+                <a:tab pos="7239000" algn="l"/>
+                <a:tab pos="7962900" algn="l"/>
+                <a:tab pos="8686800" algn="l"/>
+              </a:tabLst>
+              <a:defRPr sz="2400">
+                <a:solidFill>
+                  <a:srgbClr val="000000"/>
+                </a:solidFill>
+                <a:latin typeface="Times New Roman" charset="0"/>
+                <a:ea typeface="ＭＳ Ｐゴシック" charset="0"/>
+                <a:cs typeface="msgothic" charset="0"/>
+              </a:defRPr>
+            </a:lvl8pPr>
+            <a:lvl9pPr marL="2908300" indent="-215900" fontAlgn="base" hangingPunct="0">
+              <a:lnSpc>
+                <a:spcPct val="93000"/>
+              </a:lnSpc>
+              <a:spcBef>
+                <a:spcPct val="0"/>
+              </a:spcBef>
+              <a:spcAft>
+                <a:spcPct val="0"/>
+              </a:spcAft>
+              <a:buClr>
+                <a:srgbClr val="000000"/>
+              </a:buClr>
+              <a:buSzPct val="45000"/>
+              <a:buFont typeface="Wingdings" charset="0"/>
+              <a:tabLst>
+                <a:tab pos="723900" algn="l"/>
+                <a:tab pos="1447800" algn="l"/>
+                <a:tab pos="2171700" algn="l"/>
+                <a:tab pos="2895600" algn="l"/>
+                <a:tab pos="3619500" algn="l"/>
+                <a:tab pos="4343400" algn="l"/>
+                <a:tab pos="5067300" algn="l"/>
+                <a:tab pos="5791200" algn="l"/>
+                <a:tab pos="6515100" algn="l"/>
+                <a:tab pos="7239000" algn="l"/>
+                <a:tab pos="7962900" algn="l"/>
+                <a:tab pos="8686800" algn="l"/>
+              </a:tabLst>
+              <a:defRPr sz="2400">
+                <a:solidFill>
+                  <a:srgbClr val="000000"/>
+                </a:solidFill>
+                <a:latin typeface="Times New Roman" charset="0"/>
+                <a:ea typeface="ＭＳ Ｐゴシック" charset="0"/>
+                <a:cs typeface="msgothic" charset="0"/>
+              </a:defRPr>
+            </a:lvl9pPr>
+          </a:lstStyle>
+          <a:p>
+            <a:pPr algn="ctr"/>
+            <a:endParaRPr lang="en-GB" sz="1800" b="1" dirty="0" smtClean="0">
+              <a:latin typeface="Arial" charset="0"/>
+            </a:endParaRPr>
+          </a:p>
+          <a:p>
+            <a:pPr algn="ctr"/>
+            <a:r>
+              <a:rPr lang="en-GB" sz="1800" b="1" dirty="0" smtClean="0">
+                <a:latin typeface="Arial" charset="0"/>
+              </a:rPr>
+              <a:t>Number </a:t>
+            </a:r>
+            <a:r>
+              <a:rPr lang="en-GB" sz="1800" b="1" dirty="0">
+                <a:latin typeface="Arial" charset="0"/>
+              </a:rPr>
+              <a:t>of </a:t>
+            </a:r>
+            <a:r>
+              <a:rPr lang="en-GB" sz="1800" b="1" dirty="0" smtClean="0">
+                <a:latin typeface="Arial" charset="0"/>
+              </a:rPr>
+              <a:t>non-synonymous somatic </a:t>
+            </a:r>
+            <a:r>
+              <a:rPr lang="en-GB" sz="1800" b="1" dirty="0">
+                <a:latin typeface="Arial" charset="0"/>
+              </a:rPr>
+              <a:t>mutations in representative human cancers, detected by genome-wide sequencing studies</a:t>
+            </a:r>
+            <a:r>
+              <a:rPr lang="en-GB" sz="1800" b="1" dirty="0" smtClean="0">
+                <a:latin typeface="Arial" charset="0"/>
+              </a:rPr>
+              <a:t>.</a:t>
+            </a:r>
+          </a:p>
+          <a:p>
+            <a:pPr algn="ctr"/>
+            <a:endParaRPr lang="en-GB" sz="1800" b="1" dirty="0" smtClean="0">
+              <a:latin typeface="Arial" charset="0"/>
+            </a:endParaRPr>
+          </a:p>
+          <a:p>
+            <a:pPr algn="ctr"/>
+            <a:r>
+              <a:rPr lang="en-GB" sz="1400" b="1" dirty="0">
+                <a:latin typeface="Arial" charset="0"/>
+              </a:rPr>
+              <a:t>Bert Vogelstein et al. Science 2013;339:1546-</a:t>
+            </a:r>
+            <a:r>
+              <a:rPr lang="en-GB" sz="1400" b="1" dirty="0" smtClean="0">
+                <a:latin typeface="Arial" charset="0"/>
+              </a:rPr>
+              <a:t>1558</a:t>
+            </a:r>
+          </a:p>
+          <a:p>
+            <a:pPr algn="ctr"/>
+            <a:endParaRPr lang="en-GB" sz="1400" b="1" dirty="0">
+              <a:latin typeface="Arial" charset="0"/>
+            </a:endParaRPr>
+          </a:p>
+          <a:p>
+            <a:pPr algn="ctr"/>
+            <a:r>
+              <a:rPr lang="en-GB" sz="1500" b="1" dirty="0" smtClean="0">
+                <a:latin typeface="Arial" charset="0"/>
+              </a:rPr>
+              <a:t> </a:t>
+            </a:r>
+            <a:endParaRPr lang="en-GB" sz="1500" b="1" dirty="0">
+              <a:latin typeface="Arial" charset="0"/>
+            </a:endParaRPr>
           </a:p>
         </p:txBody>
       </p:sp>
@@ -6653,13 +6537,18 @@
             </a:r>
             <a:r>
               <a:rPr lang="en-US" sz="1600" dirty="0" smtClean="0"/>
-              <a:t>driver mutations. In case of new </a:t>
-            </a:r>
+              <a:t>driver mutations. </a:t>
+            </a:r>
+            <a:endParaRPr lang="en-US" sz="1600" dirty="0" smtClean="0"/>
           </a:p>
           <a:p>
             <a:r>
               <a:rPr lang="en-US" sz="1600" dirty="0" smtClean="0"/>
-              <a:t>Columns: 100 primary breast cancer tumors (79 ER+, 21 ER-)</a:t>
+              <a:t>Columns</a:t>
+            </a:r>
+            <a:r>
+              <a:rPr lang="en-US" sz="1600" dirty="0" smtClean="0"/>
+              <a:t>: 100 primary breast cancer tumors (79 ER+, 21 ER-)</a:t>
             </a:r>
           </a:p>
           <a:p>
@@ -19336,16 +19225,10 @@
               <a:rPr lang="en-US" sz="3200" u="sng" dirty="0">
                 <a:hlinkClick r:id="rId2"/>
               </a:rPr>
-              <a:t>http://scilifelab.github.io/courses/ngsgu/cancergenomics</a:t>
-            </a:r>
-            <a:r>
-              <a:rPr lang="en-US" sz="3200" u="sng">
-                <a:hlinkClick r:id="rId2"/>
-              </a:rPr>
-              <a:t>/</a:t>
-            </a:r>
-            <a:r>
-              <a:rPr lang="en-US" sz="3200" u="sng" smtClean="0">
+              <a:t>http://scilifelab.github.io/courses/ngsgu/cancergenomics/</a:t>
+            </a:r>
+            <a:r>
+              <a:rPr lang="en-US" sz="3200" u="sng" dirty="0" smtClean="0">
                 <a:hlinkClick r:id="rId2"/>
               </a:rPr>
               <a:t>1710</a:t>
@@ -19697,6 +19580,156 @@
         </p:nvSpPr>
         <p:spPr/>
         <p:txBody>
+          <a:bodyPr>
+            <a:normAutofit fontScale="90000"/>
+          </a:bodyPr>
+          <a:lstStyle/>
+          <a:p>
+            <a:r>
+              <a:rPr lang="en-US" dirty="0"/>
+              <a:t>Driver and passenger mutations </a:t>
+            </a:r>
+            <a:r>
+              <a:rPr lang="en-US" dirty="0" smtClean="0"/>
+              <a:t/>
+            </a:r>
+            <a:br>
+              <a:rPr lang="en-US" dirty="0" smtClean="0"/>
+            </a:br>
+            <a:endParaRPr lang="en-US" dirty="0"/>
+          </a:p>
+        </p:txBody>
+      </p:sp>
+      <p:sp>
+        <p:nvSpPr>
+          <p:cNvPr id="3" name="Content Placeholder 2"/>
+          <p:cNvSpPr>
+            <a:spLocks noGrp="1"/>
+          </p:cNvSpPr>
+          <p:nvPr>
+            <p:ph idx="1"/>
+          </p:nvPr>
+        </p:nvSpPr>
+        <p:spPr>
+          <a:xfrm>
+            <a:off x="457200" y="1359075"/>
+            <a:ext cx="8229600" cy="4525963"/>
+          </a:xfrm>
+        </p:spPr>
+        <p:txBody>
+          <a:bodyPr>
+            <a:normAutofit/>
+          </a:bodyPr>
+          <a:lstStyle/>
+          <a:p>
+            <a:pPr marL="0" indent="0">
+              <a:buNone/>
+            </a:pPr>
+            <a:r>
+              <a:rPr lang="en-US" dirty="0">
+                <a:solidFill>
+                  <a:srgbClr val="FF0000"/>
+                </a:solidFill>
+              </a:rPr>
+              <a:t>Driver’ mutations </a:t>
+            </a:r>
+            <a:r>
+              <a:rPr lang="en-US" dirty="0"/>
+              <a:t>confer </a:t>
+            </a:r>
+            <a:r>
+              <a:rPr lang="en-US" dirty="0" smtClean="0"/>
+              <a:t>a growth advantage of the cell. They are positively </a:t>
+            </a:r>
+            <a:r>
+              <a:rPr lang="en-US" dirty="0"/>
+              <a:t>selected during the evolution of the </a:t>
+            </a:r>
+            <a:r>
+              <a:rPr lang="en-US" dirty="0" smtClean="0"/>
+              <a:t>cancer</a:t>
+            </a:r>
+          </a:p>
+          <a:p>
+            <a:pPr marL="0" indent="0">
+              <a:buNone/>
+            </a:pPr>
+            <a:endParaRPr lang="en-US" dirty="0" smtClean="0"/>
+          </a:p>
+          <a:p>
+            <a:pPr marL="0" indent="0">
+              <a:buNone/>
+            </a:pPr>
+            <a:r>
+              <a:rPr lang="en-US" dirty="0" smtClean="0">
+                <a:solidFill>
+                  <a:srgbClr val="FF0000"/>
+                </a:solidFill>
+              </a:rPr>
+              <a:t>Passenger mutations </a:t>
+            </a:r>
+            <a:r>
+              <a:rPr lang="en-US" dirty="0" smtClean="0"/>
+              <a:t>are neutral, they just happened to be present in an ancestor of the cancer cell</a:t>
+            </a:r>
+          </a:p>
+          <a:p>
+            <a:endParaRPr lang="en-US" dirty="0" smtClean="0"/>
+          </a:p>
+          <a:p>
+            <a:endParaRPr lang="en-US" dirty="0"/>
+          </a:p>
+        </p:txBody>
+      </p:sp>
+    </p:spTree>
+    <p:extLst>
+      <p:ext uri="{BB962C8B-B14F-4D97-AF65-F5344CB8AC3E}">
+        <p14:creationId xmlns:p14="http://schemas.microsoft.com/office/powerpoint/2010/main" val="2515317775"/>
+      </p:ext>
+    </p:extLst>
+  </p:cSld>
+  <p:clrMapOvr>
+    <a:masterClrMapping/>
+  </p:clrMapOvr>
+  <p:timing>
+    <p:tnLst>
+      <p:par>
+        <p:cTn xmlns:p14="http://schemas.microsoft.com/office/powerpoint/2010/main" id="1" dur="indefinite" restart="never" nodeType="tmRoot"/>
+      </p:par>
+    </p:tnLst>
+  </p:timing>
+</p:sld>
+</file>
+
+<file path=ppt/slides/slide7.xml><?xml version="1.0" encoding="utf-8"?>
+<p:sld xmlns:a="http://schemas.openxmlformats.org/drawingml/2006/main" xmlns:r="http://schemas.openxmlformats.org/officeDocument/2006/relationships" xmlns:p="http://schemas.openxmlformats.org/presentationml/2006/main" show="0">
+  <p:cSld>
+    <p:spTree>
+      <p:nvGrpSpPr>
+        <p:cNvPr id="1" name=""/>
+        <p:cNvGrpSpPr/>
+        <p:nvPr/>
+      </p:nvGrpSpPr>
+      <p:grpSpPr>
+        <a:xfrm>
+          <a:off x="0" y="0"/>
+          <a:ext cx="0" cy="0"/>
+          <a:chOff x="0" y="0"/>
+          <a:chExt cx="0" cy="0"/>
+        </a:xfrm>
+      </p:grpSpPr>
+      <p:sp>
+        <p:nvSpPr>
+          <p:cNvPr id="2" name="Title 1"/>
+          <p:cNvSpPr>
+            <a:spLocks noGrp="1"/>
+          </p:cNvSpPr>
+          <p:nvPr>
+            <p:ph type="title"/>
+          </p:nvPr>
+        </p:nvSpPr>
+        <p:spPr/>
+        <p:txBody>
           <a:bodyPr/>
           <a:lstStyle/>
           <a:p>
@@ -19790,156 +19823,14 @@
   <p:clrMapOvr>
     <a:masterClrMapping/>
   </p:clrMapOvr>
-  <p:timing>
-    <p:tnLst>
-      <p:par>
-        <p:cTn xmlns:p14="http://schemas.microsoft.com/office/powerpoint/2010/main" id="1" dur="indefinite" restart="never" nodeType="tmRoot"/>
-      </p:par>
-    </p:tnLst>
-  </p:timing>
-</p:sld>
-</file>
-
-<file path=ppt/slides/slide7.xml><?xml version="1.0" encoding="utf-8"?>
-<p:sld xmlns:a="http://schemas.openxmlformats.org/drawingml/2006/main" xmlns:r="http://schemas.openxmlformats.org/officeDocument/2006/relationships" xmlns:p="http://schemas.openxmlformats.org/presentationml/2006/main">
-  <p:cSld>
-    <p:spTree>
-      <p:nvGrpSpPr>
-        <p:cNvPr id="1" name=""/>
-        <p:cNvGrpSpPr/>
-        <p:nvPr/>
-      </p:nvGrpSpPr>
-      <p:grpSpPr>
-        <a:xfrm>
-          <a:off x="0" y="0"/>
-          <a:ext cx="0" cy="0"/>
-          <a:chOff x="0" y="0"/>
-          <a:chExt cx="0" cy="0"/>
-        </a:xfrm>
-      </p:grpSpPr>
-      <p:sp>
-        <p:nvSpPr>
-          <p:cNvPr id="2" name="Title 1"/>
-          <p:cNvSpPr>
-            <a:spLocks noGrp="1"/>
-          </p:cNvSpPr>
-          <p:nvPr>
-            <p:ph type="title"/>
-          </p:nvPr>
-        </p:nvSpPr>
-        <p:spPr/>
-        <p:txBody>
-          <a:bodyPr>
-            <a:normAutofit fontScale="90000"/>
-          </a:bodyPr>
-          <a:lstStyle/>
-          <a:p>
-            <a:r>
-              <a:rPr lang="en-US" dirty="0"/>
-              <a:t>Driver and passenger mutations </a:t>
-            </a:r>
-            <a:r>
-              <a:rPr lang="en-US" dirty="0" smtClean="0"/>
-              <a:t/>
-            </a:r>
-            <a:br>
-              <a:rPr lang="en-US" dirty="0" smtClean="0"/>
-            </a:br>
-            <a:endParaRPr lang="en-US" dirty="0"/>
-          </a:p>
-        </p:txBody>
-      </p:sp>
-      <p:sp>
-        <p:nvSpPr>
-          <p:cNvPr id="3" name="Content Placeholder 2"/>
-          <p:cNvSpPr>
-            <a:spLocks noGrp="1"/>
-          </p:cNvSpPr>
-          <p:nvPr>
-            <p:ph idx="1"/>
-          </p:nvPr>
-        </p:nvSpPr>
-        <p:spPr>
-          <a:xfrm>
-            <a:off x="457200" y="1359075"/>
-            <a:ext cx="8229600" cy="4525963"/>
-          </a:xfrm>
-        </p:spPr>
-        <p:txBody>
-          <a:bodyPr>
-            <a:normAutofit/>
-          </a:bodyPr>
-          <a:lstStyle/>
-          <a:p>
-            <a:pPr marL="0" indent="0">
-              <a:buNone/>
-            </a:pPr>
-            <a:r>
-              <a:rPr lang="en-US" dirty="0">
-                <a:solidFill>
-                  <a:srgbClr val="FF0000"/>
-                </a:solidFill>
-              </a:rPr>
-              <a:t>Driver’ mutations </a:t>
-            </a:r>
-            <a:r>
-              <a:rPr lang="en-US" dirty="0"/>
-              <a:t>confer </a:t>
-            </a:r>
-            <a:r>
-              <a:rPr lang="en-US" dirty="0" smtClean="0"/>
-              <a:t>a growth advantage of the cell. They are positively </a:t>
-            </a:r>
-            <a:r>
-              <a:rPr lang="en-US" dirty="0"/>
-              <a:t>selected during the evolution of the </a:t>
-            </a:r>
-            <a:r>
-              <a:rPr lang="en-US" dirty="0" smtClean="0"/>
-              <a:t>cancer</a:t>
-            </a:r>
-          </a:p>
-          <a:p>
-            <a:pPr marL="0" indent="0">
-              <a:buNone/>
-            </a:pPr>
-            <a:endParaRPr lang="en-US" dirty="0" smtClean="0"/>
-          </a:p>
-          <a:p>
-            <a:pPr marL="0" indent="0">
-              <a:buNone/>
-            </a:pPr>
-            <a:r>
-              <a:rPr lang="en-US" dirty="0" smtClean="0">
-                <a:solidFill>
-                  <a:srgbClr val="FF0000"/>
-                </a:solidFill>
-              </a:rPr>
-              <a:t>Passenger mutations </a:t>
-            </a:r>
-            <a:r>
-              <a:rPr lang="en-US" dirty="0" smtClean="0"/>
-              <a:t>are neutral, they just happened to be present in an ancestor of the cancer cell</a:t>
-            </a:r>
-          </a:p>
-          <a:p>
-            <a:endParaRPr lang="en-US" dirty="0" smtClean="0"/>
-          </a:p>
-          <a:p>
-            <a:endParaRPr lang="en-US" dirty="0"/>
-          </a:p>
-        </p:txBody>
-      </p:sp>
-    </p:spTree>
-    <p:extLst>
-      <p:ext uri="{BB962C8B-B14F-4D97-AF65-F5344CB8AC3E}">
-        <p14:creationId xmlns:p14="http://schemas.microsoft.com/office/powerpoint/2010/main" val="2515317775"/>
-      </p:ext>
-    </p:extLst>
-  </p:cSld>
-  <p:clrMapOvr>
-    <a:masterClrMapping/>
-  </p:clrMapOvr>
+  <mc:AlternateContent xmlns:mc="http://schemas.openxmlformats.org/markup-compatibility/2006">
+    <mc:Choice xmlns:p14="http://schemas.microsoft.com/office/powerpoint/2010/main" Requires="p14">
+      <p:transition spd="slow" p14:dur="2000"/>
+    </mc:Choice>
+    <mc:Fallback>
+      <p:transition xmlns:p14="http://schemas.microsoft.com/office/powerpoint/2010/main" spd="slow"/>
+    </mc:Fallback>
+  </mc:AlternateContent>
   <p:timing>
     <p:tnLst>
       <p:par>
@@ -21244,8 +21135,8 @@
         </p:nvSpPr>
         <p:spPr>
           <a:xfrm>
-            <a:off x="457200" y="541196"/>
-            <a:ext cx="8416360" cy="2140067"/>
+            <a:off x="457200" y="122096"/>
+            <a:ext cx="8416360" cy="2583004"/>
           </a:xfrm>
           <a:solidFill>
             <a:schemeClr val="bg1"/>
@@ -21261,9 +21152,6 @@
               <a:rPr lang="en-US" dirty="0" smtClean="0"/>
               <a:t>Types of mutations</a:t>
             </a:r>
-            <a:br>
-              <a:rPr lang="en-US" dirty="0" smtClean="0"/>
-            </a:br>
             <a:r>
               <a:rPr lang="en-US" dirty="0"/>
               <a:t/>
